--- a/slides/Taming Unbounded Resources with NFD.pptx
+++ b/slides/Taming Unbounded Resources with NFD.pptx
@@ -5,34 +5,46 @@
     <p:sldMasterId id="2147483648" r:id="rId1"/>
   </p:sldMasterIdLst>
   <p:notesMasterIdLst>
-    <p:notesMasterId r:id="rId27"/>
+    <p:notesMasterId r:id="rId39"/>
   </p:notesMasterIdLst>
   <p:sldIdLst>
     <p:sldId id="256" r:id="rId2"/>
     <p:sldId id="257" r:id="rId3"/>
     <p:sldId id="259" r:id="rId4"/>
-    <p:sldId id="266" r:id="rId5"/>
-    <p:sldId id="260" r:id="rId6"/>
+    <p:sldId id="260" r:id="rId5"/>
+    <p:sldId id="266" r:id="rId6"/>
     <p:sldId id="261" r:id="rId7"/>
     <p:sldId id="262" r:id="rId8"/>
-    <p:sldId id="263" r:id="rId9"/>
-    <p:sldId id="264" r:id="rId10"/>
-    <p:sldId id="265" r:id="rId11"/>
-    <p:sldId id="270" r:id="rId12"/>
-    <p:sldId id="271" r:id="rId13"/>
-    <p:sldId id="268" r:id="rId14"/>
-    <p:sldId id="272" r:id="rId15"/>
-    <p:sldId id="269" r:id="rId16"/>
-    <p:sldId id="267" r:id="rId17"/>
-    <p:sldId id="273" r:id="rId18"/>
-    <p:sldId id="274" r:id="rId19"/>
-    <p:sldId id="275" r:id="rId20"/>
-    <p:sldId id="277" r:id="rId21"/>
-    <p:sldId id="276" r:id="rId22"/>
-    <p:sldId id="278" r:id="rId23"/>
-    <p:sldId id="279" r:id="rId24"/>
-    <p:sldId id="280" r:id="rId25"/>
-    <p:sldId id="281" r:id="rId26"/>
+    <p:sldId id="287" r:id="rId9"/>
+    <p:sldId id="292" r:id="rId10"/>
+    <p:sldId id="294" r:id="rId11"/>
+    <p:sldId id="288" r:id="rId12"/>
+    <p:sldId id="293" r:id="rId13"/>
+    <p:sldId id="289" r:id="rId14"/>
+    <p:sldId id="290" r:id="rId15"/>
+    <p:sldId id="295" r:id="rId16"/>
+    <p:sldId id="264" r:id="rId17"/>
+    <p:sldId id="265" r:id="rId18"/>
+    <p:sldId id="270" r:id="rId19"/>
+    <p:sldId id="271" r:id="rId20"/>
+    <p:sldId id="268" r:id="rId21"/>
+    <p:sldId id="272" r:id="rId22"/>
+    <p:sldId id="269" r:id="rId23"/>
+    <p:sldId id="267" r:id="rId24"/>
+    <p:sldId id="283" r:id="rId25"/>
+    <p:sldId id="282" r:id="rId26"/>
+    <p:sldId id="284" r:id="rId27"/>
+    <p:sldId id="296" r:id="rId28"/>
+    <p:sldId id="273" r:id="rId29"/>
+    <p:sldId id="297" r:id="rId30"/>
+    <p:sldId id="274" r:id="rId31"/>
+    <p:sldId id="275" r:id="rId32"/>
+    <p:sldId id="277" r:id="rId33"/>
+    <p:sldId id="276" r:id="rId34"/>
+    <p:sldId id="278" r:id="rId35"/>
+    <p:sldId id="279" r:id="rId36"/>
+    <p:sldId id="280" r:id="rId37"/>
+    <p:sldId id="281" r:id="rId38"/>
   </p:sldIdLst>
   <p:sldSz cx="12192000" cy="6858000"/>
   <p:notesSz cx="6858000" cy="9144000"/>
@@ -221,7 +233,7 @@
           <a:p>
             <a:fld id="{7091EA33-BC4B-584C-A659-5C7B051399CF}" type="datetimeFigureOut">
               <a:rPr lang="en-US" smtClean="0"/>
-              <a:t>3/24/21</a:t>
+              <a:t>3/27/21</a:t>
             </a:fld>
             <a:endParaRPr lang="en-US"/>
           </a:p>
@@ -532,105 +544,7 @@
           <a:bodyPr/>
           <a:lstStyle/>
           <a:p>
-            <a:r>
-              <a:rPr lang="en-US" dirty="0"/>
-              <a:t>First of all, I just want to take a minute to say that the edge means different things to different stakeholders.</a:t>
-            </a:r>
-          </a:p>
-          <a:p>
-            <a:r>
-              <a:rPr lang="en-US" dirty="0"/>
-              <a:t>For some, the edge is the edge of the cloud - call it a silver lining if you like</a:t>
-            </a:r>
-          </a:p>
-          <a:p>
-            <a:r>
-              <a:rPr lang="en-US" dirty="0"/>
-              <a:t>In this presentation, I am talking about the edge beyond the silver lining. I’m looking at the vast blue skies beyond the clouds</a:t>
-            </a:r>
-          </a:p>
-          <a:p>
-            <a:r>
-              <a:rPr lang="en-US" dirty="0"/>
-              <a:t>For example</a:t>
-            </a:r>
-          </a:p>
-          <a:p>
-            <a:pPr marL="171450" indent="-171450">
-              <a:buFont typeface="Arial" panose="020B0604020202020204" pitchFamily="34" charset="0"/>
-              <a:buChar char="•"/>
-            </a:pPr>
-            <a:r>
-              <a:rPr lang="en-US" dirty="0"/>
-              <a:t>Factories</a:t>
-            </a:r>
-          </a:p>
-          <a:p>
-            <a:pPr marL="171450" indent="-171450">
-              <a:buFont typeface="Arial" panose="020B0604020202020204" pitchFamily="34" charset="0"/>
-              <a:buChar char="•"/>
-            </a:pPr>
-            <a:r>
-              <a:rPr lang="en-US" dirty="0"/>
-              <a:t>Retail</a:t>
-            </a:r>
-          </a:p>
-          <a:p>
-            <a:pPr marL="171450" indent="-171450">
-              <a:buFont typeface="Arial" panose="020B0604020202020204" pitchFamily="34" charset="0"/>
-              <a:buChar char="•"/>
-            </a:pPr>
-            <a:r>
-              <a:rPr lang="en-US" dirty="0"/>
-              <a:t>Energy</a:t>
-            </a:r>
-          </a:p>
-          <a:p>
-            <a:pPr marL="171450" indent="-171450">
-              <a:buFont typeface="Arial" panose="020B0604020202020204" pitchFamily="34" charset="0"/>
-              <a:buChar char="•"/>
-            </a:pPr>
-            <a:r>
-              <a:rPr lang="en-US" dirty="0"/>
-              <a:t>Automotive and Aerospace</a:t>
-            </a:r>
-          </a:p>
-          <a:p>
-            <a:pPr marL="171450" indent="-171450">
-              <a:buFont typeface="Arial" panose="020B0604020202020204" pitchFamily="34" charset="0"/>
-              <a:buChar char="•"/>
-            </a:pPr>
-            <a:r>
-              <a:rPr lang="en-US" dirty="0"/>
-              <a:t>Smart cities</a:t>
-            </a:r>
-          </a:p>
-          <a:p>
-            <a:pPr marL="0" indent="0">
-              <a:buFont typeface="Arial" panose="020B0604020202020204" pitchFamily="34" charset="0"/>
-              <a:buNone/>
-            </a:pPr>
-            <a:r>
-              <a:rPr lang="en-US" dirty="0"/>
-              <a:t>Devices here are at the edge of the network. The leaf nodes</a:t>
-            </a:r>
-          </a:p>
-          <a:p>
-            <a:pPr marL="0" indent="0">
-              <a:buFont typeface="Arial" panose="020B0604020202020204" pitchFamily="34" charset="0"/>
-              <a:buNone/>
-            </a:pPr>
-            <a:r>
-              <a:rPr lang="en-US" dirty="0"/>
-              <a:t>With that, lets take a look at Node Feature Discovery</a:t>
-            </a:r>
-          </a:p>
-          <a:p>
-            <a:pPr marL="0" indent="0">
-              <a:buFont typeface="Arial" panose="020B0604020202020204" pitchFamily="34" charset="0"/>
-              <a:buNone/>
-            </a:pPr>
-            <a:endParaRPr lang="en-US" dirty="0"/>
+            <a:endParaRPr lang="en-US"/>
           </a:p>
         </p:txBody>
       </p:sp>
@@ -651,7 +565,7 @@
           <a:p>
             <a:fld id="{24C3BB9B-1652-6142-95CE-EACF6A735017}" type="slidenum">
               <a:rPr lang="en-US" smtClean="0"/>
-              <a:t>2</a:t>
+              <a:t>1</a:t>
             </a:fld>
             <a:endParaRPr lang="en-US"/>
           </a:p>
@@ -660,7 +574,7 @@
     </p:spTree>
     <p:extLst>
       <p:ext uri="{BB962C8B-B14F-4D97-AF65-F5344CB8AC3E}">
-        <p14:creationId xmlns:p14="http://schemas.microsoft.com/office/powerpoint/2010/main" val="3371478868"/>
+        <p14:creationId xmlns:p14="http://schemas.microsoft.com/office/powerpoint/2010/main" val="2011209553"/>
       </p:ext>
     </p:extLst>
   </p:cSld>
@@ -714,40 +628,7 @@
           <a:bodyPr/>
           <a:lstStyle/>
           <a:p>
-            <a:pPr marL="171450" indent="-171450">
-              <a:buFont typeface="Arial" panose="020B0604020202020204" pitchFamily="34" charset="0"/>
-              <a:buChar char="•"/>
-            </a:pPr>
-            <a:r>
-              <a:rPr lang="en-US" sz="1200" b="0" i="0" kern="1200" dirty="0">
-                <a:solidFill>
-                  <a:schemeClr val="tx1"/>
-                </a:solidFill>
-                <a:effectLst/>
-                <a:latin typeface="+mn-lt"/>
-                <a:ea typeface="+mn-ea"/>
-                <a:cs typeface="+mn-cs"/>
-              </a:rPr>
-              <a:t>Red lines represent the cluster boundaries.</a:t>
-            </a:r>
-          </a:p>
-          <a:p>
-            <a:pPr marL="171450" indent="-171450">
-              <a:buFont typeface="Arial" panose="020B0604020202020204" pitchFamily="34" charset="0"/>
-              <a:buChar char="•"/>
-            </a:pPr>
-            <a:r>
-              <a:rPr lang="en-US" sz="1200" b="0" i="0" kern="1200" dirty="0">
-                <a:solidFill>
-                  <a:schemeClr val="tx1"/>
-                </a:solidFill>
-                <a:effectLst/>
-                <a:latin typeface="+mn-lt"/>
-                <a:ea typeface="+mn-ea"/>
-                <a:cs typeface="+mn-cs"/>
-              </a:rPr>
-              <a:t>This is a typical scenario in cloud and data centers</a:t>
-            </a:r>
+            <a:endParaRPr lang="en-US" dirty="0"/>
           </a:p>
         </p:txBody>
       </p:sp>
@@ -768,7 +649,7 @@
           <a:p>
             <a:fld id="{24C3BB9B-1652-6142-95CE-EACF6A735017}" type="slidenum">
               <a:rPr lang="en-US" smtClean="0"/>
-              <a:t>13</a:t>
+              <a:t>12</a:t>
             </a:fld>
             <a:endParaRPr lang="en-US"/>
           </a:p>
@@ -777,7 +658,7 @@
     </p:spTree>
     <p:extLst>
       <p:ext uri="{BB962C8B-B14F-4D97-AF65-F5344CB8AC3E}">
-        <p14:creationId xmlns:p14="http://schemas.microsoft.com/office/powerpoint/2010/main" val="2410251111"/>
+        <p14:creationId xmlns:p14="http://schemas.microsoft.com/office/powerpoint/2010/main" val="3566344617"/>
       </p:ext>
     </p:extLst>
   </p:cSld>
@@ -831,190 +712,16 @@
           <a:bodyPr/>
           <a:lstStyle/>
           <a:p>
+            <a:r>
+              <a:rPr lang="en-US" dirty="0"/>
+              <a:t>I’d like to show you Node Feature Discovery in action. So, let’s have a short demo.</a:t>
+            </a:r>
+          </a:p>
+          <a:p>
             <a:pPr marL="0" indent="0">
               <a:buFont typeface="Arial" panose="020B0604020202020204" pitchFamily="34" charset="0"/>
               <a:buNone/>
             </a:pPr>
-            <a:r>
-              <a:rPr lang="en-US" sz="1200" b="0" i="0" kern="1200" dirty="0">
-                <a:solidFill>
-                  <a:schemeClr val="tx1"/>
-                </a:solidFill>
-                <a:effectLst/>
-                <a:latin typeface="+mn-lt"/>
-                <a:ea typeface="+mn-ea"/>
-                <a:cs typeface="+mn-cs"/>
-              </a:rPr>
-              <a:t>Compare that with a tiny edge scenario</a:t>
-            </a:r>
-          </a:p>
-          <a:p>
-            <a:pPr marL="171450" indent="-171450">
-              <a:buFont typeface="Arial" panose="020B0604020202020204" pitchFamily="34" charset="0"/>
-              <a:buChar char="•"/>
-            </a:pPr>
-            <a:r>
-              <a:rPr lang="en-US" sz="1200" b="0" i="0" kern="1200" dirty="0">
-                <a:solidFill>
-                  <a:schemeClr val="tx1"/>
-                </a:solidFill>
-                <a:effectLst/>
-                <a:latin typeface="+mn-lt"/>
-                <a:ea typeface="+mn-ea"/>
-                <a:cs typeface="+mn-cs"/>
-              </a:rPr>
-              <a:t>There are only 32 clusters in the edge image so we’re talking easily 10 or 100x this visual representation for some deployments</a:t>
-            </a:r>
-          </a:p>
-          <a:p>
-            <a:pPr marL="171450" indent="-171450">
-              <a:buFont typeface="Arial" panose="020B0604020202020204" pitchFamily="34" charset="0"/>
-              <a:buChar char="•"/>
-            </a:pPr>
-            <a:r>
-              <a:rPr lang="en-US" sz="1200" b="0" i="0" kern="1200" dirty="0">
-                <a:solidFill>
-                  <a:schemeClr val="tx1"/>
-                </a:solidFill>
-                <a:effectLst/>
-                <a:latin typeface="+mn-lt"/>
-                <a:ea typeface="+mn-ea"/>
-                <a:cs typeface="+mn-cs"/>
-              </a:rPr>
-              <a:t>Now, in your mind, add and remove a few clusters at the edge - let the clusters be ephemeral </a:t>
-            </a:r>
-          </a:p>
-          <a:p>
-            <a:pPr marL="171450" indent="-171450">
-              <a:buFont typeface="Arial" panose="020B0604020202020204" pitchFamily="34" charset="0"/>
-              <a:buChar char="•"/>
-            </a:pPr>
-            <a:r>
-              <a:rPr lang="en-US" sz="1200" b="0" i="0" kern="1200" dirty="0">
-                <a:solidFill>
-                  <a:schemeClr val="tx1"/>
-                </a:solidFill>
-                <a:effectLst/>
-                <a:latin typeface="+mn-lt"/>
-                <a:ea typeface="+mn-ea"/>
-                <a:cs typeface="+mn-cs"/>
-              </a:rPr>
-              <a:t>What changed on the new devices you added, </a:t>
-            </a:r>
-          </a:p>
-          <a:p>
-            <a:pPr marL="171450" indent="-171450">
-              <a:buFont typeface="Arial" panose="020B0604020202020204" pitchFamily="34" charset="0"/>
-              <a:buChar char="•"/>
-            </a:pPr>
-            <a:r>
-              <a:rPr lang="en-US" sz="1200" b="0" i="0" kern="1200" dirty="0">
-                <a:solidFill>
-                  <a:schemeClr val="tx1"/>
-                </a:solidFill>
-                <a:effectLst/>
-                <a:latin typeface="+mn-lt"/>
-                <a:ea typeface="+mn-ea"/>
-                <a:cs typeface="+mn-cs"/>
-              </a:rPr>
-              <a:t>Go Fish?</a:t>
-            </a:r>
-          </a:p>
-          <a:p>
-            <a:pPr marL="628650" lvl="1" indent="-171450">
-              <a:buFont typeface="Arial" panose="020B0604020202020204" pitchFamily="34" charset="0"/>
-              <a:buChar char="•"/>
-            </a:pPr>
-            <a:r>
-              <a:rPr lang="en-US" sz="1200" b="0" i="0" kern="1200" dirty="0">
-                <a:solidFill>
-                  <a:schemeClr val="tx1"/>
-                </a:solidFill>
-                <a:effectLst/>
-                <a:latin typeface="+mn-lt"/>
-                <a:ea typeface="+mn-ea"/>
-                <a:cs typeface="+mn-cs"/>
-              </a:rPr>
-              <a:t>I don’t think so</a:t>
-            </a:r>
-          </a:p>
-          <a:p>
-            <a:pPr marL="171450" indent="-171450">
-              <a:buFont typeface="Arial" panose="020B0604020202020204" pitchFamily="34" charset="0"/>
-              <a:buChar char="•"/>
-            </a:pPr>
-            <a:endParaRPr lang="en-US" sz="1200" b="0" i="0" kern="1200" dirty="0">
-              <a:solidFill>
-                <a:schemeClr val="tx1"/>
-              </a:solidFill>
-              <a:effectLst/>
-              <a:latin typeface="+mn-lt"/>
-              <a:ea typeface="+mn-ea"/>
-              <a:cs typeface="+mn-cs"/>
-            </a:endParaRPr>
-          </a:p>
-          <a:p>
-            <a:pPr marL="171450" indent="-171450">
-              <a:buFont typeface="Arial" panose="020B0604020202020204" pitchFamily="34" charset="0"/>
-              <a:buChar char="•"/>
-            </a:pPr>
-            <a:r>
-              <a:rPr lang="en-US" sz="1200" b="0" i="0" kern="1200" dirty="0">
-                <a:solidFill>
-                  <a:schemeClr val="tx1"/>
-                </a:solidFill>
-                <a:effectLst/>
-                <a:latin typeface="+mn-lt"/>
-                <a:ea typeface="+mn-ea"/>
-                <a:cs typeface="+mn-cs"/>
-              </a:rPr>
-              <a:t>So, I ask again, At the Edge</a:t>
-            </a:r>
-          </a:p>
-          <a:p>
-            <a:r>
-              <a:rPr lang="en-US" dirty="0"/>
-              <a:t>Which would you rather do:</a:t>
-            </a:r>
-          </a:p>
-          <a:p>
-            <a:pPr marL="171450" indent="-171450">
-              <a:buFont typeface="Arial" panose="020B0604020202020204" pitchFamily="34" charset="0"/>
-              <a:buChar char="•"/>
-            </a:pPr>
-            <a:r>
-              <a:rPr lang="en-US" dirty="0"/>
-              <a:t>Manage one config map or</a:t>
-            </a:r>
-          </a:p>
-          <a:p>
-            <a:pPr marL="171450" indent="-171450">
-              <a:buFont typeface="Arial" panose="020B0604020202020204" pitchFamily="34" charset="0"/>
-              <a:buChar char="•"/>
-            </a:pPr>
-            <a:r>
-              <a:rPr lang="en-US" dirty="0"/>
-              <a:t>Manage the management of multiple </a:t>
-            </a:r>
-            <a:r>
-              <a:rPr lang="en-US" dirty="0" err="1"/>
-              <a:t>configmaps</a:t>
-            </a:r>
-            <a:r>
-              <a:rPr lang="en-US" dirty="0"/>
-              <a:t>.</a:t>
-            </a:r>
-            <a:endParaRPr lang="en-US" sz="1200" b="0" i="0" kern="1200" dirty="0">
-              <a:solidFill>
-                <a:schemeClr val="tx1"/>
-              </a:solidFill>
-              <a:effectLst/>
-              <a:latin typeface="+mn-lt"/>
-              <a:ea typeface="+mn-ea"/>
-              <a:cs typeface="+mn-cs"/>
-            </a:endParaRPr>
-          </a:p>
-          <a:p>
             <a:endParaRPr lang="en-US" dirty="0"/>
           </a:p>
         </p:txBody>
@@ -1036,7 +743,7 @@
           <a:p>
             <a:fld id="{24C3BB9B-1652-6142-95CE-EACF6A735017}" type="slidenum">
               <a:rPr lang="en-US" smtClean="0"/>
-              <a:t>14</a:t>
+              <a:t>15</a:t>
             </a:fld>
             <a:endParaRPr lang="en-US"/>
           </a:p>
@@ -1045,7 +752,7 @@
     </p:spTree>
     <p:extLst>
       <p:ext uri="{BB962C8B-B14F-4D97-AF65-F5344CB8AC3E}">
-        <p14:creationId xmlns:p14="http://schemas.microsoft.com/office/powerpoint/2010/main" val="2764957082"/>
+        <p14:creationId xmlns:p14="http://schemas.microsoft.com/office/powerpoint/2010/main" val="3451466558"/>
       </p:ext>
     </p:extLst>
   </p:cSld>
@@ -1099,62 +806,107 @@
           <a:bodyPr/>
           <a:lstStyle/>
           <a:p>
-            <a:r>
-              <a:rPr lang="en-US" dirty="0"/>
-              <a:t>Hopefully you chose to manage one single </a:t>
-            </a:r>
-            <a:r>
-              <a:rPr lang="en-US" dirty="0" err="1"/>
-              <a:t>configmap</a:t>
-            </a:r>
-            <a:r>
-              <a:rPr lang="en-US" dirty="0"/>
-              <a:t>.</a:t>
-            </a:r>
-          </a:p>
-          <a:p>
+            <a:pPr marL="171450" indent="-171450">
+              <a:buFont typeface="Arial" panose="020B0604020202020204" pitchFamily="34" charset="0"/>
+              <a:buChar char="•"/>
+            </a:pPr>
+            <a:r>
+              <a:rPr lang="en-US" sz="1200" b="0" i="0" kern="1200" dirty="0">
+                <a:solidFill>
+                  <a:schemeClr val="tx1"/>
+                </a:solidFill>
+                <a:effectLst/>
+                <a:latin typeface="+mn-lt"/>
+                <a:ea typeface="+mn-ea"/>
+                <a:cs typeface="+mn-cs"/>
+              </a:rPr>
+              <a:t>Very simply</a:t>
+            </a:r>
+          </a:p>
+          <a:p>
+            <a:pPr marL="628650" lvl="1" indent="-171450">
+              <a:buFont typeface="Arial" panose="020B0604020202020204" pitchFamily="34" charset="0"/>
+              <a:buChar char="•"/>
+            </a:pPr>
+            <a:r>
+              <a:rPr lang="en-US" sz="1200" b="0" i="0" kern="1200" dirty="0">
+                <a:solidFill>
+                  <a:schemeClr val="tx1"/>
+                </a:solidFill>
+                <a:effectLst/>
+                <a:latin typeface="+mn-lt"/>
+                <a:ea typeface="+mn-ea"/>
+                <a:cs typeface="+mn-cs"/>
+              </a:rPr>
+              <a:t>NFD-Master is a Deployment and it is responsible for communication towards the Kubernetes API. That is, it receives labeling requests from the worker and modifies node objects accordingly.</a:t>
+            </a:r>
+          </a:p>
+          <a:p>
+            <a:pPr marL="628650" lvl="1" indent="-171450">
+              <a:buFont typeface="Arial" panose="020B0604020202020204" pitchFamily="34" charset="0"/>
+              <a:buChar char="•"/>
+            </a:pPr>
+            <a:r>
+              <a:rPr lang="en-US" sz="1200" b="0" i="0" kern="1200" dirty="0">
+                <a:solidFill>
+                  <a:schemeClr val="tx1"/>
+                </a:solidFill>
+                <a:effectLst/>
+                <a:latin typeface="+mn-lt"/>
+                <a:ea typeface="+mn-ea"/>
+                <a:cs typeface="+mn-cs"/>
+              </a:rPr>
+              <a:t>NFD-Worker is a </a:t>
+            </a:r>
+            <a:r>
+              <a:rPr lang="en-US" sz="1200" b="0" i="0" kern="1200" dirty="0" err="1">
+                <a:solidFill>
+                  <a:schemeClr val="tx1"/>
+                </a:solidFill>
+                <a:effectLst/>
+                <a:latin typeface="+mn-lt"/>
+                <a:ea typeface="+mn-ea"/>
+                <a:cs typeface="+mn-cs"/>
+              </a:rPr>
+              <a:t>DaemonSet</a:t>
+            </a:r>
+            <a:r>
+              <a:rPr lang="en-US" sz="1200" b="0" i="0" kern="1200" dirty="0">
+                <a:solidFill>
+                  <a:schemeClr val="tx1"/>
+                </a:solidFill>
+                <a:effectLst/>
+                <a:latin typeface="+mn-lt"/>
+                <a:ea typeface="+mn-ea"/>
+                <a:cs typeface="+mn-cs"/>
+              </a:rPr>
+              <a:t> and it is responsible for feature detection. It then communicates the information to </a:t>
+            </a:r>
+            <a:r>
+              <a:rPr lang="en-US" sz="1200" b="0" i="0" kern="1200" dirty="0" err="1">
+                <a:solidFill>
+                  <a:schemeClr val="tx1"/>
+                </a:solidFill>
+                <a:effectLst/>
+                <a:latin typeface="+mn-lt"/>
+                <a:ea typeface="+mn-ea"/>
+                <a:cs typeface="+mn-cs"/>
+              </a:rPr>
+              <a:t>nfd</a:t>
+            </a:r>
+            <a:r>
+              <a:rPr lang="en-US" sz="1200" b="0" i="0" kern="1200" dirty="0">
+                <a:solidFill>
+                  <a:schemeClr val="tx1"/>
+                </a:solidFill>
+                <a:effectLst/>
+                <a:latin typeface="+mn-lt"/>
+                <a:ea typeface="+mn-ea"/>
+                <a:cs typeface="+mn-cs"/>
+              </a:rPr>
+              <a:t>-master which does the actual node labeling. </a:t>
+            </a:r>
             <a:endParaRPr lang="en-US" dirty="0"/>
-          </a:p>
-          <a:p>
-            <a:r>
-              <a:rPr lang="en-US" dirty="0"/>
-              <a:t>Of these 3 tools, I am only familiar with Fleet so I cannot really talk about the other 2.</a:t>
-            </a:r>
-          </a:p>
-          <a:p>
-            <a:r>
-              <a:rPr lang="en-US" dirty="0"/>
-              <a:t>In Fleet, it is possible to manage large numbers of clusters and target workloads and custom configs to the clusters based on matching.</a:t>
-            </a:r>
-          </a:p>
-          <a:p>
-            <a:endParaRPr lang="en-US" dirty="0"/>
-          </a:p>
-          <a:p>
-            <a:r>
-              <a:rPr lang="en-US" dirty="0"/>
-              <a:t>One gap here is that we do not have an auto cluster labeler, we have an </a:t>
-            </a:r>
-          </a:p>
-          <a:p>
-            <a:r>
-              <a:rPr lang="en-US" dirty="0"/>
-              <a:t>Cluster is a CRD in fleet, not in Kubernetes. That means each </a:t>
-            </a:r>
-            <a:r>
-              <a:rPr lang="en-US" dirty="0" err="1"/>
-              <a:t>gitops</a:t>
-            </a:r>
-            <a:r>
-              <a:rPr lang="en-US" dirty="0"/>
-              <a:t> tool may be offering a different solution</a:t>
-            </a:r>
-          </a:p>
-          <a:p>
-            <a:r>
-              <a:rPr lang="en-US" dirty="0"/>
-              <a:t>Cluster API may hold the answer.</a:t>
-            </a:r>
           </a:p>
         </p:txBody>
       </p:sp>
@@ -1175,7 +927,7 @@
           <a:p>
             <a:fld id="{24C3BB9B-1652-6142-95CE-EACF6A735017}" type="slidenum">
               <a:rPr lang="en-US" smtClean="0"/>
-              <a:t>15</a:t>
+              <a:t>16</a:t>
             </a:fld>
             <a:endParaRPr lang="en-US"/>
           </a:p>
@@ -1184,7 +936,7 @@
     </p:spTree>
     <p:extLst>
       <p:ext uri="{BB962C8B-B14F-4D97-AF65-F5344CB8AC3E}">
-        <p14:creationId xmlns:p14="http://schemas.microsoft.com/office/powerpoint/2010/main" val="3239888080"/>
+        <p14:creationId xmlns:p14="http://schemas.microsoft.com/office/powerpoint/2010/main" val="995859425"/>
       </p:ext>
     </p:extLst>
   </p:cSld>
@@ -1259,7 +1011,7 @@
           <a:p>
             <a:fld id="{24C3BB9B-1652-6142-95CE-EACF6A735017}" type="slidenum">
               <a:rPr lang="en-US" smtClean="0"/>
-              <a:t>16</a:t>
+              <a:t>17</a:t>
             </a:fld>
             <a:endParaRPr lang="en-US"/>
           </a:p>
@@ -1268,7 +1020,7 @@
     </p:spTree>
     <p:extLst>
       <p:ext uri="{BB962C8B-B14F-4D97-AF65-F5344CB8AC3E}">
-        <p14:creationId xmlns:p14="http://schemas.microsoft.com/office/powerpoint/2010/main" val="2632072971"/>
+        <p14:creationId xmlns:p14="http://schemas.microsoft.com/office/powerpoint/2010/main" val="3196346759"/>
       </p:ext>
     </p:extLst>
   </p:cSld>
@@ -1322,7 +1074,18 @@
           <a:bodyPr/>
           <a:lstStyle/>
           <a:p>
-            <a:endParaRPr lang="en-US" dirty="0"/>
+            <a:r>
+              <a:rPr lang="en-US" dirty="0"/>
+              <a:t>Actually you can pass arguments to the worker container using the --config flag. When the underlying </a:t>
+            </a:r>
+            <a:r>
+              <a:rPr lang="en-US" dirty="0" err="1"/>
+              <a:t>configmap</a:t>
+            </a:r>
+            <a:r>
+              <a:rPr lang="en-US" dirty="0"/>
+              <a:t> changes, the worker reloads it.</a:t>
+            </a:r>
           </a:p>
         </p:txBody>
       </p:sp>
@@ -1343,7 +1106,7 @@
           <a:p>
             <a:fld id="{24C3BB9B-1652-6142-95CE-EACF6A735017}" type="slidenum">
               <a:rPr lang="en-US" smtClean="0"/>
-              <a:t>17</a:t>
+              <a:t>18</a:t>
             </a:fld>
             <a:endParaRPr lang="en-US"/>
           </a:p>
@@ -1352,7 +1115,7 @@
     </p:spTree>
     <p:extLst>
       <p:ext uri="{BB962C8B-B14F-4D97-AF65-F5344CB8AC3E}">
-        <p14:creationId xmlns:p14="http://schemas.microsoft.com/office/powerpoint/2010/main" val="1900311284"/>
+        <p14:creationId xmlns:p14="http://schemas.microsoft.com/office/powerpoint/2010/main" val="3963903752"/>
       </p:ext>
     </p:extLst>
   </p:cSld>
@@ -1408,38 +1171,60 @@
           <a:p>
             <a:r>
               <a:rPr lang="en-US" dirty="0"/>
-              <a:t>Notice, on the first output line, that’s the Ethernet adapter. </a:t>
-            </a:r>
-          </a:p>
-          <a:p>
-            <a:r>
-              <a:rPr lang="en-US" dirty="0"/>
-              <a:t>This is a </a:t>
+              <a:t>This is pretty simple, I run NFD with my unique configuration and labeling happens.</a:t>
+            </a:r>
+          </a:p>
+          <a:p>
+            <a:r>
+              <a:rPr lang="en-US" dirty="0"/>
+              <a:t>There is one small issue.</a:t>
+            </a:r>
+          </a:p>
+          <a:p>
+            <a:r>
+              <a:rPr lang="en-US" dirty="0"/>
+              <a:t>Operations that are managing 100s or thousands of devices, also periodically add, remove or update their systems.</a:t>
+            </a:r>
+          </a:p>
+          <a:p>
+            <a:r>
+              <a:rPr lang="en-US" dirty="0"/>
+              <a:t>Now my configuration has to change accordingly or else I need to start managing multiple versions of it.</a:t>
+            </a:r>
+          </a:p>
+          <a:p>
+            <a:endParaRPr lang="en-US" dirty="0"/>
+          </a:p>
+          <a:p>
+            <a:r>
+              <a:rPr lang="en-US" dirty="0"/>
+              <a:t>Which would you rather do:</a:t>
+            </a:r>
+          </a:p>
+          <a:p>
+            <a:r>
+              <a:rPr lang="en-US" dirty="0"/>
+              <a:t>Manage one config map or </a:t>
+            </a:r>
+          </a:p>
+          <a:p>
+            <a:r>
+              <a:rPr lang="en-US" dirty="0"/>
+              <a:t>Manage the management of multiple </a:t>
             </a:r>
             <a:r>
               <a:rPr lang="en-US" dirty="0" err="1"/>
-              <a:t>turingpi</a:t>
-            </a:r>
-            <a:r>
-              <a:rPr lang="en-US" dirty="0"/>
-              <a:t> with 7 </a:t>
-            </a:r>
-            <a:r>
-              <a:rPr lang="en-US" dirty="0" err="1"/>
-              <a:t>RasberryPi</a:t>
-            </a:r>
-            <a:r>
-              <a:rPr lang="en-US" dirty="0"/>
-              <a:t> CM3+ modules attached.</a:t>
-            </a:r>
-          </a:p>
-          <a:p>
-            <a:endParaRPr lang="en-US" dirty="0"/>
-          </a:p>
-          <a:p>
-            <a:r>
-              <a:rPr lang="en-US" dirty="0"/>
-              <a:t>Let’s see if we can detect something plugged into one of the hubs on device 002 or 001</a:t>
+              <a:t>configmaps</a:t>
+            </a:r>
+            <a:r>
+              <a:rPr lang="en-US" dirty="0"/>
+              <a:t>.</a:t>
+            </a:r>
+          </a:p>
+          <a:p>
+            <a:r>
+              <a:rPr lang="en-US" dirty="0"/>
+              <a:t>To illustrate why I’m asking this question, let’s do a quick review of edge architectures.</a:t>
             </a:r>
           </a:p>
         </p:txBody>
@@ -1461,7 +1246,7 @@
           <a:p>
             <a:fld id="{24C3BB9B-1652-6142-95CE-EACF6A735017}" type="slidenum">
               <a:rPr lang="en-US" smtClean="0"/>
-              <a:t>18</a:t>
+              <a:t>19</a:t>
             </a:fld>
             <a:endParaRPr lang="en-US"/>
           </a:p>
@@ -1470,7 +1255,7 @@
     </p:spTree>
     <p:extLst>
       <p:ext uri="{BB962C8B-B14F-4D97-AF65-F5344CB8AC3E}">
-        <p14:creationId xmlns:p14="http://schemas.microsoft.com/office/powerpoint/2010/main" val="2838795427"/>
+        <p14:creationId xmlns:p14="http://schemas.microsoft.com/office/powerpoint/2010/main" val="4030414243"/>
       </p:ext>
     </p:extLst>
   </p:cSld>
@@ -1524,33 +1309,76 @@
           <a:bodyPr/>
           <a:lstStyle/>
           <a:p>
-            <a:r>
-              <a:rPr lang="en-US" dirty="0"/>
-              <a:t>Here’s a diagram of the device.</a:t>
-            </a:r>
-          </a:p>
-          <a:p>
-            <a:r>
-              <a:rPr lang="en-US" dirty="0"/>
-              <a:t>My master node is on the last one labeled #7 in this diagram</a:t>
-            </a:r>
-          </a:p>
-          <a:p>
-            <a:r>
-              <a:rPr lang="en-US" dirty="0"/>
-              <a:t>I plugged a device into the </a:t>
-            </a:r>
-            <a:r>
-              <a:rPr lang="en-US" dirty="0" err="1"/>
-              <a:t>usb</a:t>
-            </a:r>
-            <a:r>
-              <a:rPr lang="en-US" dirty="0"/>
-              <a:t> port that’s connected to #4 (which is named turingpi03 in my cluster)</a:t>
-            </a:r>
-          </a:p>
-          <a:p>
-            <a:endParaRPr lang="en-US" dirty="0"/>
+            <a:pPr marL="171450" indent="-171450">
+              <a:buFont typeface="Arial" panose="020B0604020202020204" pitchFamily="34" charset="0"/>
+              <a:buChar char="•"/>
+            </a:pPr>
+            <a:r>
+              <a:rPr lang="en-US" sz="1200" b="0" i="0" kern="1200" dirty="0">
+                <a:solidFill>
+                  <a:schemeClr val="tx1"/>
+                </a:solidFill>
+                <a:effectLst/>
+                <a:latin typeface="+mn-lt"/>
+                <a:ea typeface="+mn-ea"/>
+                <a:cs typeface="+mn-cs"/>
+              </a:rPr>
+              <a:t>Red lines represent the cluster boundaries.</a:t>
+            </a:r>
+          </a:p>
+          <a:p>
+            <a:pPr marL="171450" indent="-171450">
+              <a:buFont typeface="Arial" panose="020B0604020202020204" pitchFamily="34" charset="0"/>
+              <a:buChar char="•"/>
+            </a:pPr>
+            <a:r>
+              <a:rPr lang="en-US" sz="1200" b="0" i="0" kern="1200" dirty="0">
+                <a:solidFill>
+                  <a:schemeClr val="tx1"/>
+                </a:solidFill>
+                <a:effectLst/>
+                <a:latin typeface="+mn-lt"/>
+                <a:ea typeface="+mn-ea"/>
+                <a:cs typeface="+mn-cs"/>
+              </a:rPr>
+              <a:t>This is a typical scenario in cloud and data centers</a:t>
+            </a:r>
+          </a:p>
+          <a:p>
+            <a:pPr marL="171450" indent="-171450">
+              <a:buFont typeface="Arial" panose="020B0604020202020204" pitchFamily="34" charset="0"/>
+              <a:buChar char="•"/>
+            </a:pPr>
+            <a:r>
+              <a:rPr lang="en-US" sz="1200" b="0" i="0" kern="1200" dirty="0">
+                <a:solidFill>
+                  <a:schemeClr val="tx1"/>
+                </a:solidFill>
+                <a:effectLst/>
+                <a:latin typeface="+mn-lt"/>
+                <a:ea typeface="+mn-ea"/>
+                <a:cs typeface="+mn-cs"/>
+              </a:rPr>
+              <a:t>My little cluster represents something akin to one of these environments</a:t>
+            </a:r>
+          </a:p>
+          <a:p>
+            <a:pPr marL="171450" indent="-171450">
+              <a:buFont typeface="Arial" panose="020B0604020202020204" pitchFamily="34" charset="0"/>
+              <a:buChar char="•"/>
+            </a:pPr>
+            <a:r>
+              <a:rPr lang="en-US" sz="1200" b="0" i="0" kern="1200" dirty="0">
+                <a:solidFill>
+                  <a:schemeClr val="tx1"/>
+                </a:solidFill>
+                <a:effectLst/>
+                <a:latin typeface="+mn-lt"/>
+                <a:ea typeface="+mn-ea"/>
+                <a:cs typeface="+mn-cs"/>
+              </a:rPr>
+              <a:t>In the real world however, Kubernetes at the edge is not composed of environments with highly available clusters</a:t>
+            </a:r>
           </a:p>
         </p:txBody>
       </p:sp>
@@ -1571,7 +1399,7 @@
           <a:p>
             <a:fld id="{24C3BB9B-1652-6142-95CE-EACF6A735017}" type="slidenum">
               <a:rPr lang="en-US" smtClean="0"/>
-              <a:t>19</a:t>
+              <a:t>20</a:t>
             </a:fld>
             <a:endParaRPr lang="en-US"/>
           </a:p>
@@ -1580,7 +1408,7 @@
     </p:spTree>
     <p:extLst>
       <p:ext uri="{BB962C8B-B14F-4D97-AF65-F5344CB8AC3E}">
-        <p14:creationId xmlns:p14="http://schemas.microsoft.com/office/powerpoint/2010/main" val="2446115188"/>
+        <p14:creationId xmlns:p14="http://schemas.microsoft.com/office/powerpoint/2010/main" val="2410251111"/>
       </p:ext>
     </p:extLst>
   </p:cSld>
@@ -1634,6 +1462,271 @@
           <a:bodyPr/>
           <a:lstStyle/>
           <a:p>
+            <a:pPr marL="0" indent="0">
+              <a:buFont typeface="Arial" panose="020B0604020202020204" pitchFamily="34" charset="0"/>
+              <a:buNone/>
+            </a:pPr>
+            <a:r>
+              <a:rPr lang="en-US" sz="1200" b="0" i="0" kern="1200" dirty="0">
+                <a:solidFill>
+                  <a:schemeClr val="tx1"/>
+                </a:solidFill>
+                <a:effectLst/>
+                <a:latin typeface="+mn-lt"/>
+                <a:ea typeface="+mn-ea"/>
+                <a:cs typeface="+mn-cs"/>
+              </a:rPr>
+              <a:t>Compare the data center with the edge scenario</a:t>
+            </a:r>
+          </a:p>
+          <a:p>
+            <a:pPr marL="171450" indent="-171450">
+              <a:buFont typeface="Arial" panose="020B0604020202020204" pitchFamily="34" charset="0"/>
+              <a:buChar char="•"/>
+            </a:pPr>
+            <a:r>
+              <a:rPr lang="en-US" sz="1200" b="0" i="0" kern="1200" dirty="0">
+                <a:solidFill>
+                  <a:schemeClr val="tx1"/>
+                </a:solidFill>
+                <a:effectLst/>
+                <a:latin typeface="+mn-lt"/>
+                <a:ea typeface="+mn-ea"/>
+                <a:cs typeface="+mn-cs"/>
+              </a:rPr>
+              <a:t>There are only 32 clusters in the edge image you see here</a:t>
+            </a:r>
+          </a:p>
+          <a:p>
+            <a:pPr marL="628650" lvl="1" indent="-171450">
+              <a:buFont typeface="Arial" panose="020B0604020202020204" pitchFamily="34" charset="0"/>
+              <a:buChar char="•"/>
+            </a:pPr>
+            <a:r>
+              <a:rPr lang="en-US" sz="1200" b="0" i="0" kern="1200" dirty="0">
+                <a:solidFill>
+                  <a:schemeClr val="tx1"/>
+                </a:solidFill>
+                <a:effectLst/>
+                <a:latin typeface="+mn-lt"/>
+                <a:ea typeface="+mn-ea"/>
+                <a:cs typeface="+mn-cs"/>
+              </a:rPr>
+              <a:t>so we’re talking easily 10 or 100x this visual representation for some enterprise edge deployments</a:t>
+            </a:r>
+          </a:p>
+          <a:p>
+            <a:pPr marL="171450" indent="-171450">
+              <a:buFont typeface="Arial" panose="020B0604020202020204" pitchFamily="34" charset="0"/>
+              <a:buChar char="•"/>
+            </a:pPr>
+            <a:r>
+              <a:rPr lang="en-US" sz="1200" b="0" i="0" kern="1200" dirty="0">
+                <a:solidFill>
+                  <a:schemeClr val="tx1"/>
+                </a:solidFill>
+                <a:effectLst/>
+                <a:latin typeface="+mn-lt"/>
+                <a:ea typeface="+mn-ea"/>
+                <a:cs typeface="+mn-cs"/>
+              </a:rPr>
+              <a:t>Now, in your mind, add and remove a few clusters at the edge - let the clusters be ephemeral </a:t>
+            </a:r>
+          </a:p>
+          <a:p>
+            <a:pPr marL="628650" lvl="1" indent="-171450">
+              <a:buFont typeface="Arial" panose="020B0604020202020204" pitchFamily="34" charset="0"/>
+              <a:buChar char="•"/>
+            </a:pPr>
+            <a:r>
+              <a:rPr lang="en-US" sz="1200" b="0" i="0" kern="1200" dirty="0">
+                <a:solidFill>
+                  <a:schemeClr val="tx1"/>
+                </a:solidFill>
+                <a:effectLst/>
+                <a:latin typeface="+mn-lt"/>
+                <a:ea typeface="+mn-ea"/>
+                <a:cs typeface="+mn-cs"/>
+              </a:rPr>
+              <a:t>This is the practical implication of edge </a:t>
+            </a:r>
+            <a:r>
+              <a:rPr lang="en-US" sz="1200" b="0" i="0" kern="1200" dirty="0" err="1">
+                <a:solidFill>
+                  <a:schemeClr val="tx1"/>
+                </a:solidFill>
+                <a:effectLst/>
+                <a:latin typeface="+mn-lt"/>
+                <a:ea typeface="+mn-ea"/>
+                <a:cs typeface="+mn-cs"/>
+              </a:rPr>
+              <a:t>kubernetes</a:t>
+            </a:r>
+            <a:endParaRPr lang="en-US" sz="1200" b="0" i="0" kern="1200" dirty="0">
+              <a:solidFill>
+                <a:schemeClr val="tx1"/>
+              </a:solidFill>
+              <a:effectLst/>
+              <a:latin typeface="+mn-lt"/>
+              <a:ea typeface="+mn-ea"/>
+              <a:cs typeface="+mn-cs"/>
+            </a:endParaRPr>
+          </a:p>
+          <a:p>
+            <a:pPr marL="171450" indent="-171450">
+              <a:buFont typeface="Arial" panose="020B0604020202020204" pitchFamily="34" charset="0"/>
+              <a:buChar char="•"/>
+            </a:pPr>
+            <a:r>
+              <a:rPr lang="en-US" sz="1200" b="0" i="0" kern="1200" dirty="0">
+                <a:solidFill>
+                  <a:schemeClr val="tx1"/>
+                </a:solidFill>
+                <a:effectLst/>
+                <a:latin typeface="+mn-lt"/>
+                <a:ea typeface="+mn-ea"/>
+                <a:cs typeface="+mn-cs"/>
+              </a:rPr>
+              <a:t>So, what changed on the new devices you added, </a:t>
+            </a:r>
+          </a:p>
+          <a:p>
+            <a:pPr marL="628650" lvl="1" indent="-171450">
+              <a:buFont typeface="Arial" panose="020B0604020202020204" pitchFamily="34" charset="0"/>
+              <a:buChar char="•"/>
+            </a:pPr>
+            <a:r>
+              <a:rPr lang="en-US" sz="1200" b="0" i="0" kern="1200" dirty="0">
+                <a:solidFill>
+                  <a:schemeClr val="tx1"/>
+                </a:solidFill>
+                <a:effectLst/>
+                <a:latin typeface="+mn-lt"/>
+                <a:ea typeface="+mn-ea"/>
+                <a:cs typeface="+mn-cs"/>
+              </a:rPr>
+              <a:t>Go Fish?</a:t>
+            </a:r>
+          </a:p>
+          <a:p>
+            <a:pPr marL="628650" lvl="1" indent="-171450">
+              <a:buFont typeface="Arial" panose="020B0604020202020204" pitchFamily="34" charset="0"/>
+              <a:buChar char="•"/>
+            </a:pPr>
+            <a:r>
+              <a:rPr lang="en-US" sz="1200" b="0" i="0" kern="1200" dirty="0">
+                <a:solidFill>
+                  <a:schemeClr val="tx1"/>
+                </a:solidFill>
+                <a:effectLst/>
+                <a:latin typeface="+mn-lt"/>
+                <a:ea typeface="+mn-ea"/>
+                <a:cs typeface="+mn-cs"/>
+              </a:rPr>
+              <a:t>I don’t think so</a:t>
+            </a:r>
+          </a:p>
+          <a:p>
+            <a:pPr marL="171450" indent="-171450">
+              <a:buFont typeface="Arial" panose="020B0604020202020204" pitchFamily="34" charset="0"/>
+              <a:buChar char="•"/>
+            </a:pPr>
+            <a:endParaRPr lang="en-US" sz="1200" b="0" i="0" kern="1200" dirty="0">
+              <a:solidFill>
+                <a:schemeClr val="tx1"/>
+              </a:solidFill>
+              <a:effectLst/>
+              <a:latin typeface="+mn-lt"/>
+              <a:ea typeface="+mn-ea"/>
+              <a:cs typeface="+mn-cs"/>
+            </a:endParaRPr>
+          </a:p>
+          <a:p>
+            <a:pPr marL="171450" indent="-171450">
+              <a:buFont typeface="Arial" panose="020B0604020202020204" pitchFamily="34" charset="0"/>
+              <a:buChar char="•"/>
+            </a:pPr>
+            <a:r>
+              <a:rPr lang="en-US" sz="1200" b="0" i="0" kern="1200" dirty="0">
+                <a:solidFill>
+                  <a:schemeClr val="tx1"/>
+                </a:solidFill>
+                <a:effectLst/>
+                <a:latin typeface="+mn-lt"/>
+                <a:ea typeface="+mn-ea"/>
+                <a:cs typeface="+mn-cs"/>
+              </a:rPr>
+              <a:t>So, I ask again, At the Edge</a:t>
+            </a:r>
+          </a:p>
+          <a:p>
+            <a:r>
+              <a:rPr lang="en-US" dirty="0"/>
+              <a:t>Which would you rather do:</a:t>
+            </a:r>
+          </a:p>
+          <a:p>
+            <a:pPr marL="171450" indent="-171450">
+              <a:buFont typeface="Arial" panose="020B0604020202020204" pitchFamily="34" charset="0"/>
+              <a:buChar char="•"/>
+            </a:pPr>
+            <a:r>
+              <a:rPr lang="en-US" dirty="0"/>
+              <a:t>Manage one config map or</a:t>
+            </a:r>
+          </a:p>
+          <a:p>
+            <a:pPr marL="171450" indent="-171450">
+              <a:buFont typeface="Arial" panose="020B0604020202020204" pitchFamily="34" charset="0"/>
+              <a:buChar char="•"/>
+            </a:pPr>
+            <a:r>
+              <a:rPr lang="en-US" dirty="0"/>
+              <a:t>Manage the management of multiple </a:t>
+            </a:r>
+            <a:r>
+              <a:rPr lang="en-US" dirty="0" err="1"/>
+              <a:t>configmaps</a:t>
+            </a:r>
+            <a:r>
+              <a:rPr lang="en-US" dirty="0"/>
+              <a:t>.</a:t>
+            </a:r>
+          </a:p>
+          <a:p>
+            <a:pPr marL="171450" indent="-171450">
+              <a:buFont typeface="Arial" panose="020B0604020202020204" pitchFamily="34" charset="0"/>
+              <a:buChar char="•"/>
+            </a:pPr>
+            <a:endParaRPr lang="en-US" sz="1200" b="0" i="0" kern="1200" dirty="0">
+              <a:solidFill>
+                <a:schemeClr val="tx1"/>
+              </a:solidFill>
+              <a:effectLst/>
+              <a:latin typeface="+mn-lt"/>
+              <a:ea typeface="+mn-ea"/>
+              <a:cs typeface="+mn-cs"/>
+            </a:endParaRPr>
+          </a:p>
+          <a:p>
+            <a:pPr marL="171450" indent="-171450">
+              <a:buFont typeface="Arial" panose="020B0604020202020204" pitchFamily="34" charset="0"/>
+              <a:buChar char="•"/>
+            </a:pPr>
+            <a:r>
+              <a:rPr lang="en-US" sz="1200" b="0" i="0" kern="1200" dirty="0">
+                <a:solidFill>
+                  <a:schemeClr val="tx1"/>
+                </a:solidFill>
+                <a:effectLst/>
+                <a:latin typeface="+mn-lt"/>
+                <a:ea typeface="+mn-ea"/>
+                <a:cs typeface="+mn-cs"/>
+              </a:rPr>
+              <a:t>The extent of NFD at the edge requires a higher level of management</a:t>
+            </a:r>
+          </a:p>
+          <a:p>
             <a:endParaRPr lang="en-US" dirty="0"/>
           </a:p>
         </p:txBody>
@@ -1655,7 +1748,7 @@
           <a:p>
             <a:fld id="{24C3BB9B-1652-6142-95CE-EACF6A735017}" type="slidenum">
               <a:rPr lang="en-US" smtClean="0"/>
-              <a:t>20</a:t>
+              <a:t>21</a:t>
             </a:fld>
             <a:endParaRPr lang="en-US"/>
           </a:p>
@@ -1664,7 +1757,7 @@
     </p:spTree>
     <p:extLst>
       <p:ext uri="{BB962C8B-B14F-4D97-AF65-F5344CB8AC3E}">
-        <p14:creationId xmlns:p14="http://schemas.microsoft.com/office/powerpoint/2010/main" val="91413251"/>
+        <p14:creationId xmlns:p14="http://schemas.microsoft.com/office/powerpoint/2010/main" val="2764957082"/>
       </p:ext>
     </p:extLst>
   </p:cSld>
@@ -1720,25 +1813,52 @@
           <a:p>
             <a:r>
               <a:rPr lang="en-US" dirty="0"/>
-              <a:t>Comparing it to the other node we looked at, </a:t>
-            </a:r>
-          </a:p>
-          <a:p>
-            <a:r>
-              <a:rPr lang="en-US" dirty="0"/>
-              <a:t>we can see now a </a:t>
+              <a:t>Hopefully you chose to manage one single configuration.</a:t>
+            </a:r>
+          </a:p>
+          <a:p>
+            <a:endParaRPr lang="en-US" dirty="0"/>
+          </a:p>
+          <a:p>
+            <a:r>
+              <a:rPr lang="en-US" dirty="0"/>
+              <a:t>Of these 3 tools, I am really only familiar with Fleet </a:t>
+            </a:r>
+          </a:p>
+          <a:p>
+            <a:r>
+              <a:rPr lang="en-US" dirty="0"/>
+              <a:t>In Fleet, it is possible to manage large numbers of clusters and target workloads and custom configs to the clusters based on matching.</a:t>
+            </a:r>
+          </a:p>
+          <a:p>
+            <a:endParaRPr lang="en-US" dirty="0"/>
+          </a:p>
+          <a:p>
+            <a:r>
+              <a:rPr lang="en-US" dirty="0"/>
+              <a:t>One gap still here is that we do not have an auto cluster labeler. </a:t>
+            </a:r>
+          </a:p>
+          <a:p>
+            <a:r>
+              <a:rPr lang="en-US" dirty="0"/>
+              <a:t>Cluster is a CRD in fleet but not in Kubernetes. That means each </a:t>
             </a:r>
             <a:r>
               <a:rPr lang="en-US" dirty="0" err="1"/>
-              <a:t>microdia</a:t>
-            </a:r>
-            <a:r>
-              <a:rPr lang="en-US" dirty="0"/>
-              <a:t> device</a:t>
-            </a:r>
-          </a:p>
-          <a:p>
-            <a:endParaRPr lang="en-US" dirty="0"/>
+              <a:t>gitops</a:t>
+            </a:r>
+            <a:r>
+              <a:rPr lang="en-US" dirty="0"/>
+              <a:t> tool may be offering a different solution for centralized node label management</a:t>
+            </a:r>
+          </a:p>
+          <a:p>
+            <a:r>
+              <a:rPr lang="en-US" dirty="0"/>
+              <a:t>I think the Kubernetes SIG Cluster API may hold the answer.</a:t>
+            </a:r>
           </a:p>
         </p:txBody>
       </p:sp>
@@ -1759,7 +1879,7 @@
           <a:p>
             <a:fld id="{24C3BB9B-1652-6142-95CE-EACF6A735017}" type="slidenum">
               <a:rPr lang="en-US" smtClean="0"/>
-              <a:t>21</a:t>
+              <a:t>22</a:t>
             </a:fld>
             <a:endParaRPr lang="en-US"/>
           </a:p>
@@ -1768,7 +1888,7 @@
     </p:spTree>
     <p:extLst>
       <p:ext uri="{BB962C8B-B14F-4D97-AF65-F5344CB8AC3E}">
-        <p14:creationId xmlns:p14="http://schemas.microsoft.com/office/powerpoint/2010/main" val="1138057163"/>
+        <p14:creationId xmlns:p14="http://schemas.microsoft.com/office/powerpoint/2010/main" val="3239888080"/>
       </p:ext>
     </p:extLst>
   </p:cSld>
@@ -1824,16 +1944,60 @@
           <a:p>
             <a:r>
               <a:rPr lang="en-US" dirty="0"/>
-              <a:t>But it still doesn’t show up as a label on our node</a:t>
-            </a:r>
-          </a:p>
-          <a:p>
-            <a:r>
-              <a:rPr lang="en-US" dirty="0"/>
-              <a:t>Let’s find out the configuration we need to set up</a:t>
-            </a:r>
-          </a:p>
-          <a:p>
+              <a:t>Here is what I envision the </a:t>
+            </a:r>
+            <a:r>
+              <a:rPr lang="en-US" dirty="0" err="1"/>
+              <a:t>gitops</a:t>
+            </a:r>
+            <a:r>
+              <a:rPr lang="en-US" dirty="0"/>
+              <a:t> pipeline</a:t>
+            </a:r>
+          </a:p>
+          <a:p>
+            <a:r>
+              <a:rPr lang="en-US" dirty="0"/>
+              <a:t>First install NFD using the </a:t>
+            </a:r>
+            <a:r>
+              <a:rPr lang="en-US" dirty="0" err="1"/>
+              <a:t>gitops</a:t>
+            </a:r>
+            <a:r>
+              <a:rPr lang="en-US" dirty="0"/>
+              <a:t> pipeline itself.</a:t>
+            </a:r>
+          </a:p>
+          <a:p>
+            <a:r>
+              <a:rPr lang="en-US" dirty="0"/>
+              <a:t>Second - Of course, setup your configuration. </a:t>
+            </a:r>
+          </a:p>
+          <a:p>
+            <a:r>
+              <a:rPr lang="en-US" dirty="0"/>
+              <a:t>Number 3 is a passive stakeholder however it will impact how the </a:t>
+            </a:r>
+            <a:r>
+              <a:rPr lang="en-US" dirty="0" err="1"/>
+              <a:t>gitops</a:t>
+            </a:r>
+            <a:r>
+              <a:rPr lang="en-US" dirty="0"/>
+              <a:t> tooling targets devices - At least with Fleet, this is how it works.</a:t>
+            </a:r>
+          </a:p>
+          <a:p>
+            <a:r>
+              <a:rPr lang="en-US" dirty="0"/>
+              <a:t>Finally, notify developers what labels they should target resources using </a:t>
+            </a:r>
+            <a:r>
+              <a:rPr lang="en-US" dirty="0" err="1"/>
+              <a:t>nodeSelectors</a:t>
+            </a:r>
             <a:endParaRPr lang="en-US" dirty="0"/>
           </a:p>
         </p:txBody>
@@ -1855,7 +2019,7 @@
           <a:p>
             <a:fld id="{24C3BB9B-1652-6142-95CE-EACF6A735017}" type="slidenum">
               <a:rPr lang="en-US" smtClean="0"/>
-              <a:t>22</a:t>
+              <a:t>23</a:t>
             </a:fld>
             <a:endParaRPr lang="en-US"/>
           </a:p>
@@ -1864,7 +2028,7 @@
     </p:spTree>
     <p:extLst>
       <p:ext uri="{BB962C8B-B14F-4D97-AF65-F5344CB8AC3E}">
-        <p14:creationId xmlns:p14="http://schemas.microsoft.com/office/powerpoint/2010/main" val="4018940237"/>
+        <p14:creationId xmlns:p14="http://schemas.microsoft.com/office/powerpoint/2010/main" val="2632072971"/>
       </p:ext>
     </p:extLst>
   </p:cSld>
@@ -1920,26 +2084,103 @@
           <a:p>
             <a:r>
               <a:rPr lang="en-US" dirty="0"/>
-              <a:t>Automating work is what we do</a:t>
-            </a:r>
-          </a:p>
-          <a:p>
-            <a:r>
-              <a:rPr lang="en-US" dirty="0"/>
-              <a:t>With massive numbers of devices, we need to get it right. </a:t>
-            </a:r>
-          </a:p>
-          <a:p>
-            <a:r>
-              <a:rPr lang="en-US" dirty="0"/>
-              <a:t>Automated labeling can be a great time saver for large numbers of devices</a:t>
-            </a:r>
-          </a:p>
-          <a:p>
-            <a:r>
-              <a:rPr lang="en-US" dirty="0"/>
-              <a:t>The resource types we are targeting don’t fall neatly into the CPU and RAM category</a:t>
-            </a:r>
+              <a:t>First of all, I just want to take a minute to say that the edge means different things to different stakeholders.</a:t>
+            </a:r>
+          </a:p>
+          <a:p>
+            <a:r>
+              <a:rPr lang="en-US" dirty="0"/>
+              <a:t>For some, the edge is the edge of the cloud - call it a silver lining if you like</a:t>
+            </a:r>
+          </a:p>
+          <a:p>
+            <a:r>
+              <a:rPr lang="en-US" dirty="0"/>
+              <a:t>In this presentation, I am talking about the edge beyond the silver lining. I’m looking at the vast blue skies beyond the clouds</a:t>
+            </a:r>
+          </a:p>
+          <a:p>
+            <a:r>
+              <a:rPr lang="en-US" dirty="0"/>
+              <a:t>For example</a:t>
+            </a:r>
+          </a:p>
+          <a:p>
+            <a:pPr marL="171450" indent="-171450">
+              <a:buFont typeface="Arial" panose="020B0604020202020204" pitchFamily="34" charset="0"/>
+              <a:buChar char="•"/>
+            </a:pPr>
+            <a:r>
+              <a:rPr lang="en-US" dirty="0"/>
+              <a:t>Factories</a:t>
+            </a:r>
+          </a:p>
+          <a:p>
+            <a:pPr marL="171450" indent="-171450">
+              <a:buFont typeface="Arial" panose="020B0604020202020204" pitchFamily="34" charset="0"/>
+              <a:buChar char="•"/>
+            </a:pPr>
+            <a:r>
+              <a:rPr lang="en-US" dirty="0"/>
+              <a:t>Retail</a:t>
+            </a:r>
+          </a:p>
+          <a:p>
+            <a:pPr marL="171450" indent="-171450">
+              <a:buFont typeface="Arial" panose="020B0604020202020204" pitchFamily="34" charset="0"/>
+              <a:buChar char="•"/>
+            </a:pPr>
+            <a:r>
+              <a:rPr lang="en-US" dirty="0"/>
+              <a:t>Energy</a:t>
+            </a:r>
+          </a:p>
+          <a:p>
+            <a:pPr marL="171450" indent="-171450">
+              <a:buFont typeface="Arial" panose="020B0604020202020204" pitchFamily="34" charset="0"/>
+              <a:buChar char="•"/>
+            </a:pPr>
+            <a:r>
+              <a:rPr lang="en-US" dirty="0"/>
+              <a:t>Automotive and Aerospace</a:t>
+            </a:r>
+          </a:p>
+          <a:p>
+            <a:pPr marL="171450" indent="-171450">
+              <a:buFont typeface="Arial" panose="020B0604020202020204" pitchFamily="34" charset="0"/>
+              <a:buChar char="•"/>
+            </a:pPr>
+            <a:r>
+              <a:rPr lang="en-US" dirty="0"/>
+              <a:t>Smart cities</a:t>
+            </a:r>
+          </a:p>
+          <a:p>
+            <a:pPr marL="0" indent="0">
+              <a:buFont typeface="Arial" panose="020B0604020202020204" pitchFamily="34" charset="0"/>
+              <a:buNone/>
+            </a:pPr>
+            <a:r>
+              <a:rPr lang="en-US" dirty="0"/>
+              <a:t>Devices here are at the edge of the network. The leaf nodes</a:t>
+            </a:r>
+          </a:p>
+          <a:p>
+            <a:pPr marL="0" indent="0">
+              <a:buFont typeface="Arial" panose="020B0604020202020204" pitchFamily="34" charset="0"/>
+              <a:buNone/>
+            </a:pPr>
+            <a:r>
+              <a:rPr lang="en-US" dirty="0"/>
+              <a:t>With that, lets take a look at Node Feature Discovery</a:t>
+            </a:r>
+          </a:p>
+          <a:p>
+            <a:pPr marL="0" indent="0">
+              <a:buFont typeface="Arial" panose="020B0604020202020204" pitchFamily="34" charset="0"/>
+              <a:buNone/>
+            </a:pPr>
+            <a:endParaRPr lang="en-US" dirty="0"/>
           </a:p>
         </p:txBody>
       </p:sp>
@@ -1960,7 +2201,7 @@
           <a:p>
             <a:fld id="{24C3BB9B-1652-6142-95CE-EACF6A735017}" type="slidenum">
               <a:rPr lang="en-US" smtClean="0"/>
-              <a:t>4</a:t>
+              <a:t>2</a:t>
             </a:fld>
             <a:endParaRPr lang="en-US"/>
           </a:p>
@@ -1969,7 +2210,7 @@
     </p:spTree>
     <p:extLst>
       <p:ext uri="{BB962C8B-B14F-4D97-AF65-F5344CB8AC3E}">
-        <p14:creationId xmlns:p14="http://schemas.microsoft.com/office/powerpoint/2010/main" val="506127137"/>
+        <p14:creationId xmlns:p14="http://schemas.microsoft.com/office/powerpoint/2010/main" val="3371478868"/>
       </p:ext>
     </p:extLst>
   </p:cSld>
@@ -2025,28 +2266,47 @@
           <a:p>
             <a:r>
               <a:rPr lang="en-US" dirty="0"/>
-              <a:t>We need more info and we’ll cross reference the device specs at </a:t>
-            </a:r>
-            <a:r>
-              <a:rPr lang="en-US" dirty="0" err="1"/>
-              <a:t>usb.org</a:t>
-            </a:r>
+              <a:t>It is possible to configure TLS between the NFD services</a:t>
+            </a:r>
+          </a:p>
+          <a:p>
             <a:endParaRPr lang="en-US" dirty="0"/>
           </a:p>
           <a:p>
             <a:r>
               <a:rPr lang="en-US" dirty="0"/>
-              <a:t>hex 03 is what we’re looking for.</a:t>
-            </a:r>
-          </a:p>
-          <a:p>
-            <a:endParaRPr lang="en-US" dirty="0"/>
-          </a:p>
-          <a:p>
-            <a:endParaRPr lang="en-US" dirty="0"/>
-          </a:p>
-          <a:p>
-            <a:endParaRPr lang="en-US" dirty="0"/>
+              <a:t>There is a security risk in the local feature functionality as it will execute any script or binary in that directory </a:t>
+            </a:r>
+          </a:p>
+          <a:p>
+            <a:pPr marL="171450" indent="-171450">
+              <a:buFontTx/>
+              <a:buChar char="-"/>
+            </a:pPr>
+            <a:r>
+              <a:rPr lang="en-US" dirty="0"/>
+              <a:t>of course this is inside the container</a:t>
+            </a:r>
+          </a:p>
+          <a:p>
+            <a:pPr marL="171450" indent="-171450">
+              <a:buFontTx/>
+              <a:buChar char="-"/>
+            </a:pPr>
+            <a:r>
+              <a:rPr lang="en-US" dirty="0"/>
+              <a:t>You could reduce the footprint of feature capabilities by configuration</a:t>
+            </a:r>
+          </a:p>
+          <a:p>
+            <a:pPr marL="628650" lvl="1" indent="-171450">
+              <a:buFontTx/>
+              <a:buChar char="-"/>
+            </a:pPr>
+            <a:r>
+              <a:rPr lang="en-US" dirty="0"/>
+              <a:t>The Fleet tooling enables the ability to send different configurations from a single source to different targets</a:t>
+            </a:r>
           </a:p>
         </p:txBody>
       </p:sp>
@@ -2067,7 +2327,7 @@
           <a:p>
             <a:fld id="{24C3BB9B-1652-6142-95CE-EACF6A735017}" type="slidenum">
               <a:rPr lang="en-US" smtClean="0"/>
-              <a:t>23</a:t>
+              <a:t>24</a:t>
             </a:fld>
             <a:endParaRPr lang="en-US"/>
           </a:p>
@@ -2076,7 +2336,7 @@
     </p:spTree>
     <p:extLst>
       <p:ext uri="{BB962C8B-B14F-4D97-AF65-F5344CB8AC3E}">
-        <p14:creationId xmlns:p14="http://schemas.microsoft.com/office/powerpoint/2010/main" val="3435147908"/>
+        <p14:creationId xmlns:p14="http://schemas.microsoft.com/office/powerpoint/2010/main" val="3161015116"/>
       </p:ext>
     </p:extLst>
   </p:cSld>
@@ -2132,12 +2392,6 @@
           <a:p>
             <a:endParaRPr lang="en-US" dirty="0"/>
           </a:p>
-          <a:p>
-            <a:endParaRPr lang="en-US" dirty="0"/>
-          </a:p>
-          <a:p>
-            <a:endParaRPr lang="en-US" dirty="0"/>
-          </a:p>
         </p:txBody>
       </p:sp>
       <p:sp>
@@ -2157,7 +2411,7 @@
           <a:p>
             <a:fld id="{24C3BB9B-1652-6142-95CE-EACF6A735017}" type="slidenum">
               <a:rPr lang="en-US" smtClean="0"/>
-              <a:t>24</a:t>
+              <a:t>25</a:t>
             </a:fld>
             <a:endParaRPr lang="en-US"/>
           </a:p>
@@ -2166,7 +2420,7 @@
     </p:spTree>
     <p:extLst>
       <p:ext uri="{BB962C8B-B14F-4D97-AF65-F5344CB8AC3E}">
-        <p14:creationId xmlns:p14="http://schemas.microsoft.com/office/powerpoint/2010/main" val="1385684396"/>
+        <p14:creationId xmlns:p14="http://schemas.microsoft.com/office/powerpoint/2010/main" val="661118425"/>
       </p:ext>
     </p:extLst>
   </p:cSld>
@@ -2220,12 +2474,6 @@
           <a:bodyPr/>
           <a:lstStyle/>
           <a:p>
-            <a:r>
-              <a:rPr lang="en-US" dirty="0"/>
-              <a:t>I do not know how it found the USB ethernet device</a:t>
-            </a:r>
-          </a:p>
-          <a:p>
             <a:endParaRPr lang="en-US" dirty="0"/>
           </a:p>
         </p:txBody>
@@ -2247,7 +2495,7 @@
           <a:p>
             <a:fld id="{24C3BB9B-1652-6142-95CE-EACF6A735017}" type="slidenum">
               <a:rPr lang="en-US" smtClean="0"/>
-              <a:t>25</a:t>
+              <a:t>26</a:t>
             </a:fld>
             <a:endParaRPr lang="en-US"/>
           </a:p>
@@ -2256,7 +2504,704 @@
     </p:spTree>
     <p:extLst>
       <p:ext uri="{BB962C8B-B14F-4D97-AF65-F5344CB8AC3E}">
-        <p14:creationId xmlns:p14="http://schemas.microsoft.com/office/powerpoint/2010/main" val="1242233439"/>
+        <p14:creationId xmlns:p14="http://schemas.microsoft.com/office/powerpoint/2010/main" val="1294612300"/>
+      </p:ext>
+    </p:extLst>
+  </p:cSld>
+  <p:clrMapOvr>
+    <a:masterClrMapping/>
+  </p:clrMapOvr>
+</p:notes>
+</file>
+
+<file path=ppt/notesSlides/notesSlide23.xml><?xml version="1.0" encoding="utf-8"?>
+<p:notes xmlns:a="http://schemas.openxmlformats.org/drawingml/2006/main" xmlns:r="http://schemas.openxmlformats.org/officeDocument/2006/relationships" xmlns:p="http://schemas.openxmlformats.org/presentationml/2006/main">
+  <p:cSld>
+    <p:spTree>
+      <p:nvGrpSpPr>
+        <p:cNvPr id="1" name=""/>
+        <p:cNvGrpSpPr/>
+        <p:nvPr/>
+      </p:nvGrpSpPr>
+      <p:grpSpPr>
+        <a:xfrm>
+          <a:off x="0" y="0"/>
+          <a:ext cx="0" cy="0"/>
+          <a:chOff x="0" y="0"/>
+          <a:chExt cx="0" cy="0"/>
+        </a:xfrm>
+      </p:grpSpPr>
+      <p:sp>
+        <p:nvSpPr>
+          <p:cNvPr id="2" name="Slide Image Placeholder 1"/>
+          <p:cNvSpPr>
+            <a:spLocks noGrp="1" noRot="1" noChangeAspect="1"/>
+          </p:cNvSpPr>
+          <p:nvPr>
+            <p:ph type="sldImg"/>
+          </p:nvPr>
+        </p:nvSpPr>
+        <p:spPr/>
+      </p:sp>
+      <p:sp>
+        <p:nvSpPr>
+          <p:cNvPr id="3" name="Notes Placeholder 2"/>
+          <p:cNvSpPr>
+            <a:spLocks noGrp="1"/>
+          </p:cNvSpPr>
+          <p:nvPr>
+            <p:ph type="body" idx="1"/>
+          </p:nvPr>
+        </p:nvSpPr>
+        <p:spPr/>
+        <p:txBody>
+          <a:bodyPr/>
+          <a:lstStyle/>
+          <a:p>
+            <a:endParaRPr lang="en-US" dirty="0"/>
+          </a:p>
+        </p:txBody>
+      </p:sp>
+      <p:sp>
+        <p:nvSpPr>
+          <p:cNvPr id="4" name="Slide Number Placeholder 3"/>
+          <p:cNvSpPr>
+            <a:spLocks noGrp="1"/>
+          </p:cNvSpPr>
+          <p:nvPr>
+            <p:ph type="sldNum" sz="quarter" idx="5"/>
+          </p:nvPr>
+        </p:nvSpPr>
+        <p:spPr/>
+        <p:txBody>
+          <a:bodyPr/>
+          <a:lstStyle/>
+          <a:p>
+            <a:fld id="{24C3BB9B-1652-6142-95CE-EACF6A735017}" type="slidenum">
+              <a:rPr lang="en-US" smtClean="0"/>
+              <a:t>27</a:t>
+            </a:fld>
+            <a:endParaRPr lang="en-US"/>
+          </a:p>
+        </p:txBody>
+      </p:sp>
+    </p:spTree>
+    <p:extLst>
+      <p:ext uri="{BB962C8B-B14F-4D97-AF65-F5344CB8AC3E}">
+        <p14:creationId xmlns:p14="http://schemas.microsoft.com/office/powerpoint/2010/main" val="316336268"/>
+      </p:ext>
+    </p:extLst>
+  </p:cSld>
+  <p:clrMapOvr>
+    <a:masterClrMapping/>
+  </p:clrMapOvr>
+</p:notes>
+</file>
+
+<file path=ppt/notesSlides/notesSlide24.xml><?xml version="1.0" encoding="utf-8"?>
+<p:notes xmlns:a="http://schemas.openxmlformats.org/drawingml/2006/main" xmlns:r="http://schemas.openxmlformats.org/officeDocument/2006/relationships" xmlns:p="http://schemas.openxmlformats.org/presentationml/2006/main">
+  <p:cSld>
+    <p:spTree>
+      <p:nvGrpSpPr>
+        <p:cNvPr id="1" name=""/>
+        <p:cNvGrpSpPr/>
+        <p:nvPr/>
+      </p:nvGrpSpPr>
+      <p:grpSpPr>
+        <a:xfrm>
+          <a:off x="0" y="0"/>
+          <a:ext cx="0" cy="0"/>
+          <a:chOff x="0" y="0"/>
+          <a:chExt cx="0" cy="0"/>
+        </a:xfrm>
+      </p:grpSpPr>
+      <p:sp>
+        <p:nvSpPr>
+          <p:cNvPr id="2" name="Slide Image Placeholder 1"/>
+          <p:cNvSpPr>
+            <a:spLocks noGrp="1" noRot="1" noChangeAspect="1"/>
+          </p:cNvSpPr>
+          <p:nvPr>
+            <p:ph type="sldImg"/>
+          </p:nvPr>
+        </p:nvSpPr>
+        <p:spPr/>
+      </p:sp>
+      <p:sp>
+        <p:nvSpPr>
+          <p:cNvPr id="3" name="Notes Placeholder 2"/>
+          <p:cNvSpPr>
+            <a:spLocks noGrp="1"/>
+          </p:cNvSpPr>
+          <p:nvPr>
+            <p:ph type="body" idx="1"/>
+          </p:nvPr>
+        </p:nvSpPr>
+        <p:spPr/>
+        <p:txBody>
+          <a:bodyPr/>
+          <a:lstStyle/>
+          <a:p>
+            <a:endParaRPr lang="en-US" dirty="0"/>
+          </a:p>
+        </p:txBody>
+      </p:sp>
+      <p:sp>
+        <p:nvSpPr>
+          <p:cNvPr id="4" name="Slide Number Placeholder 3"/>
+          <p:cNvSpPr>
+            <a:spLocks noGrp="1"/>
+          </p:cNvSpPr>
+          <p:nvPr>
+            <p:ph type="sldNum" sz="quarter" idx="5"/>
+          </p:nvPr>
+        </p:nvSpPr>
+        <p:spPr/>
+        <p:txBody>
+          <a:bodyPr/>
+          <a:lstStyle/>
+          <a:p>
+            <a:fld id="{24C3BB9B-1652-6142-95CE-EACF6A735017}" type="slidenum">
+              <a:rPr lang="en-US" smtClean="0"/>
+              <a:t>28</a:t>
+            </a:fld>
+            <a:endParaRPr lang="en-US"/>
+          </a:p>
+        </p:txBody>
+      </p:sp>
+    </p:spTree>
+    <p:extLst>
+      <p:ext uri="{BB962C8B-B14F-4D97-AF65-F5344CB8AC3E}">
+        <p14:creationId xmlns:p14="http://schemas.microsoft.com/office/powerpoint/2010/main" val="1900311284"/>
+      </p:ext>
+    </p:extLst>
+  </p:cSld>
+  <p:clrMapOvr>
+    <a:masterClrMapping/>
+  </p:clrMapOvr>
+</p:notes>
+</file>
+
+<file path=ppt/notesSlides/notesSlide25.xml><?xml version="1.0" encoding="utf-8"?>
+<p:notes xmlns:a="http://schemas.openxmlformats.org/drawingml/2006/main" xmlns:r="http://schemas.openxmlformats.org/officeDocument/2006/relationships" xmlns:p="http://schemas.openxmlformats.org/presentationml/2006/main">
+  <p:cSld>
+    <p:spTree>
+      <p:nvGrpSpPr>
+        <p:cNvPr id="1" name=""/>
+        <p:cNvGrpSpPr/>
+        <p:nvPr/>
+      </p:nvGrpSpPr>
+      <p:grpSpPr>
+        <a:xfrm>
+          <a:off x="0" y="0"/>
+          <a:ext cx="0" cy="0"/>
+          <a:chOff x="0" y="0"/>
+          <a:chExt cx="0" cy="0"/>
+        </a:xfrm>
+      </p:grpSpPr>
+      <p:sp>
+        <p:nvSpPr>
+          <p:cNvPr id="2" name="Slide Image Placeholder 1"/>
+          <p:cNvSpPr>
+            <a:spLocks noGrp="1" noRot="1" noChangeAspect="1"/>
+          </p:cNvSpPr>
+          <p:nvPr>
+            <p:ph type="sldImg"/>
+          </p:nvPr>
+        </p:nvSpPr>
+        <p:spPr/>
+      </p:sp>
+      <p:sp>
+        <p:nvSpPr>
+          <p:cNvPr id="3" name="Notes Placeholder 2"/>
+          <p:cNvSpPr>
+            <a:spLocks noGrp="1"/>
+          </p:cNvSpPr>
+          <p:nvPr>
+            <p:ph type="body" idx="1"/>
+          </p:nvPr>
+        </p:nvSpPr>
+        <p:spPr/>
+        <p:txBody>
+          <a:bodyPr/>
+          <a:lstStyle/>
+          <a:p>
+            <a:pPr marL="0" marR="0" lvl="0" indent="0" algn="l" defTabSz="914400" rtl="0" eaLnBrk="1" fontAlgn="auto" latinLnBrk="0" hangingPunct="1">
+              <a:lnSpc>
+                <a:spcPct val="100000"/>
+              </a:lnSpc>
+              <a:spcBef>
+                <a:spcPts val="0"/>
+              </a:spcBef>
+              <a:spcAft>
+                <a:spcPts val="0"/>
+              </a:spcAft>
+              <a:buClrTx/>
+              <a:buSzTx/>
+              <a:buFontTx/>
+              <a:buNone/>
+              <a:tabLst/>
+              <a:defRPr/>
+            </a:pPr>
+            <a:r>
+              <a:rPr lang="en-US" dirty="0"/>
+              <a:t>I contribute to open source and you can too.</a:t>
+            </a:r>
+          </a:p>
+          <a:p>
+            <a:endParaRPr lang="en-US" dirty="0"/>
+          </a:p>
+          <a:p>
+            <a:r>
+              <a:rPr lang="en-US" dirty="0"/>
+              <a:t>Thank you</a:t>
+            </a:r>
+          </a:p>
+        </p:txBody>
+      </p:sp>
+      <p:sp>
+        <p:nvSpPr>
+          <p:cNvPr id="4" name="Slide Number Placeholder 3"/>
+          <p:cNvSpPr>
+            <a:spLocks noGrp="1"/>
+          </p:cNvSpPr>
+          <p:nvPr>
+            <p:ph type="sldNum" sz="quarter" idx="5"/>
+          </p:nvPr>
+        </p:nvSpPr>
+        <p:spPr/>
+        <p:txBody>
+          <a:bodyPr/>
+          <a:lstStyle/>
+          <a:p>
+            <a:fld id="{24C3BB9B-1652-6142-95CE-EACF6A735017}" type="slidenum">
+              <a:rPr lang="en-US" smtClean="0"/>
+              <a:t>29</a:t>
+            </a:fld>
+            <a:endParaRPr lang="en-US"/>
+          </a:p>
+        </p:txBody>
+      </p:sp>
+    </p:spTree>
+    <p:extLst>
+      <p:ext uri="{BB962C8B-B14F-4D97-AF65-F5344CB8AC3E}">
+        <p14:creationId xmlns:p14="http://schemas.microsoft.com/office/powerpoint/2010/main" val="1613394180"/>
+      </p:ext>
+    </p:extLst>
+  </p:cSld>
+  <p:clrMapOvr>
+    <a:masterClrMapping/>
+  </p:clrMapOvr>
+</p:notes>
+</file>
+
+<file path=ppt/notesSlides/notesSlide26.xml><?xml version="1.0" encoding="utf-8"?>
+<p:notes xmlns:a="http://schemas.openxmlformats.org/drawingml/2006/main" xmlns:r="http://schemas.openxmlformats.org/officeDocument/2006/relationships" xmlns:p="http://schemas.openxmlformats.org/presentationml/2006/main">
+  <p:cSld>
+    <p:spTree>
+      <p:nvGrpSpPr>
+        <p:cNvPr id="1" name=""/>
+        <p:cNvGrpSpPr/>
+        <p:nvPr/>
+      </p:nvGrpSpPr>
+      <p:grpSpPr>
+        <a:xfrm>
+          <a:off x="0" y="0"/>
+          <a:ext cx="0" cy="0"/>
+          <a:chOff x="0" y="0"/>
+          <a:chExt cx="0" cy="0"/>
+        </a:xfrm>
+      </p:grpSpPr>
+      <p:sp>
+        <p:nvSpPr>
+          <p:cNvPr id="2" name="Slide Image Placeholder 1"/>
+          <p:cNvSpPr>
+            <a:spLocks noGrp="1" noRot="1" noChangeAspect="1"/>
+          </p:cNvSpPr>
+          <p:nvPr>
+            <p:ph type="sldImg"/>
+          </p:nvPr>
+        </p:nvSpPr>
+        <p:spPr/>
+      </p:sp>
+      <p:sp>
+        <p:nvSpPr>
+          <p:cNvPr id="3" name="Notes Placeholder 2"/>
+          <p:cNvSpPr>
+            <a:spLocks noGrp="1"/>
+          </p:cNvSpPr>
+          <p:nvPr>
+            <p:ph type="body" idx="1"/>
+          </p:nvPr>
+        </p:nvSpPr>
+        <p:spPr/>
+        <p:txBody>
+          <a:bodyPr/>
+          <a:lstStyle/>
+          <a:p>
+            <a:r>
+              <a:rPr lang="en-US" dirty="0"/>
+              <a:t>Notice, on the first output line, that’s the Ethernet adapter. </a:t>
+            </a:r>
+          </a:p>
+          <a:p>
+            <a:r>
+              <a:rPr lang="en-US" dirty="0"/>
+              <a:t>This is a </a:t>
+            </a:r>
+            <a:r>
+              <a:rPr lang="en-US" dirty="0" err="1"/>
+              <a:t>turingpi</a:t>
+            </a:r>
+            <a:r>
+              <a:rPr lang="en-US" dirty="0"/>
+              <a:t> with 7 </a:t>
+            </a:r>
+            <a:r>
+              <a:rPr lang="en-US" dirty="0" err="1"/>
+              <a:t>RasberryPi</a:t>
+            </a:r>
+            <a:r>
+              <a:rPr lang="en-US" dirty="0"/>
+              <a:t> CM3+ modules attached.</a:t>
+            </a:r>
+          </a:p>
+          <a:p>
+            <a:endParaRPr lang="en-US" dirty="0"/>
+          </a:p>
+          <a:p>
+            <a:r>
+              <a:rPr lang="en-US" dirty="0"/>
+              <a:t>Let’s see if we can detect something plugged into one of the hubs on device 002 or 001</a:t>
+            </a:r>
+          </a:p>
+        </p:txBody>
+      </p:sp>
+      <p:sp>
+        <p:nvSpPr>
+          <p:cNvPr id="4" name="Slide Number Placeholder 3"/>
+          <p:cNvSpPr>
+            <a:spLocks noGrp="1"/>
+          </p:cNvSpPr>
+          <p:nvPr>
+            <p:ph type="sldNum" sz="quarter" idx="5"/>
+          </p:nvPr>
+        </p:nvSpPr>
+        <p:spPr/>
+        <p:txBody>
+          <a:bodyPr/>
+          <a:lstStyle/>
+          <a:p>
+            <a:fld id="{24C3BB9B-1652-6142-95CE-EACF6A735017}" type="slidenum">
+              <a:rPr lang="en-US" smtClean="0"/>
+              <a:t>30</a:t>
+            </a:fld>
+            <a:endParaRPr lang="en-US"/>
+          </a:p>
+        </p:txBody>
+      </p:sp>
+    </p:spTree>
+    <p:extLst>
+      <p:ext uri="{BB962C8B-B14F-4D97-AF65-F5344CB8AC3E}">
+        <p14:creationId xmlns:p14="http://schemas.microsoft.com/office/powerpoint/2010/main" val="2838795427"/>
+      </p:ext>
+    </p:extLst>
+  </p:cSld>
+  <p:clrMapOvr>
+    <a:masterClrMapping/>
+  </p:clrMapOvr>
+</p:notes>
+</file>
+
+<file path=ppt/notesSlides/notesSlide27.xml><?xml version="1.0" encoding="utf-8"?>
+<p:notes xmlns:a="http://schemas.openxmlformats.org/drawingml/2006/main" xmlns:r="http://schemas.openxmlformats.org/officeDocument/2006/relationships" xmlns:p="http://schemas.openxmlformats.org/presentationml/2006/main">
+  <p:cSld>
+    <p:spTree>
+      <p:nvGrpSpPr>
+        <p:cNvPr id="1" name=""/>
+        <p:cNvGrpSpPr/>
+        <p:nvPr/>
+      </p:nvGrpSpPr>
+      <p:grpSpPr>
+        <a:xfrm>
+          <a:off x="0" y="0"/>
+          <a:ext cx="0" cy="0"/>
+          <a:chOff x="0" y="0"/>
+          <a:chExt cx="0" cy="0"/>
+        </a:xfrm>
+      </p:grpSpPr>
+      <p:sp>
+        <p:nvSpPr>
+          <p:cNvPr id="2" name="Slide Image Placeholder 1"/>
+          <p:cNvSpPr>
+            <a:spLocks noGrp="1" noRot="1" noChangeAspect="1"/>
+          </p:cNvSpPr>
+          <p:nvPr>
+            <p:ph type="sldImg"/>
+          </p:nvPr>
+        </p:nvSpPr>
+        <p:spPr/>
+      </p:sp>
+      <p:sp>
+        <p:nvSpPr>
+          <p:cNvPr id="3" name="Notes Placeholder 2"/>
+          <p:cNvSpPr>
+            <a:spLocks noGrp="1"/>
+          </p:cNvSpPr>
+          <p:nvPr>
+            <p:ph type="body" idx="1"/>
+          </p:nvPr>
+        </p:nvSpPr>
+        <p:spPr/>
+        <p:txBody>
+          <a:bodyPr/>
+          <a:lstStyle/>
+          <a:p>
+            <a:r>
+              <a:rPr lang="en-US" dirty="0"/>
+              <a:t>Here’s a diagram of the device.</a:t>
+            </a:r>
+          </a:p>
+          <a:p>
+            <a:r>
+              <a:rPr lang="en-US" dirty="0"/>
+              <a:t>My master node is on the last one labeled #7 in this diagram</a:t>
+            </a:r>
+          </a:p>
+          <a:p>
+            <a:r>
+              <a:rPr lang="en-US" dirty="0"/>
+              <a:t>I plugged a device into the </a:t>
+            </a:r>
+            <a:r>
+              <a:rPr lang="en-US" dirty="0" err="1"/>
+              <a:t>usb</a:t>
+            </a:r>
+            <a:r>
+              <a:rPr lang="en-US" dirty="0"/>
+              <a:t> port that’s connected to #4 (which is named turingpi03 in my cluster)</a:t>
+            </a:r>
+          </a:p>
+          <a:p>
+            <a:endParaRPr lang="en-US" dirty="0"/>
+          </a:p>
+        </p:txBody>
+      </p:sp>
+      <p:sp>
+        <p:nvSpPr>
+          <p:cNvPr id="4" name="Slide Number Placeholder 3"/>
+          <p:cNvSpPr>
+            <a:spLocks noGrp="1"/>
+          </p:cNvSpPr>
+          <p:nvPr>
+            <p:ph type="sldNum" sz="quarter" idx="5"/>
+          </p:nvPr>
+        </p:nvSpPr>
+        <p:spPr/>
+        <p:txBody>
+          <a:bodyPr/>
+          <a:lstStyle/>
+          <a:p>
+            <a:fld id="{24C3BB9B-1652-6142-95CE-EACF6A735017}" type="slidenum">
+              <a:rPr lang="en-US" smtClean="0"/>
+              <a:t>31</a:t>
+            </a:fld>
+            <a:endParaRPr lang="en-US"/>
+          </a:p>
+        </p:txBody>
+      </p:sp>
+    </p:spTree>
+    <p:extLst>
+      <p:ext uri="{BB962C8B-B14F-4D97-AF65-F5344CB8AC3E}">
+        <p14:creationId xmlns:p14="http://schemas.microsoft.com/office/powerpoint/2010/main" val="2446115188"/>
+      </p:ext>
+    </p:extLst>
+  </p:cSld>
+  <p:clrMapOvr>
+    <a:masterClrMapping/>
+  </p:clrMapOvr>
+</p:notes>
+</file>
+
+<file path=ppt/notesSlides/notesSlide28.xml><?xml version="1.0" encoding="utf-8"?>
+<p:notes xmlns:a="http://schemas.openxmlformats.org/drawingml/2006/main" xmlns:r="http://schemas.openxmlformats.org/officeDocument/2006/relationships" xmlns:p="http://schemas.openxmlformats.org/presentationml/2006/main">
+  <p:cSld>
+    <p:spTree>
+      <p:nvGrpSpPr>
+        <p:cNvPr id="1" name=""/>
+        <p:cNvGrpSpPr/>
+        <p:nvPr/>
+      </p:nvGrpSpPr>
+      <p:grpSpPr>
+        <a:xfrm>
+          <a:off x="0" y="0"/>
+          <a:ext cx="0" cy="0"/>
+          <a:chOff x="0" y="0"/>
+          <a:chExt cx="0" cy="0"/>
+        </a:xfrm>
+      </p:grpSpPr>
+      <p:sp>
+        <p:nvSpPr>
+          <p:cNvPr id="2" name="Slide Image Placeholder 1"/>
+          <p:cNvSpPr>
+            <a:spLocks noGrp="1" noRot="1" noChangeAspect="1"/>
+          </p:cNvSpPr>
+          <p:nvPr>
+            <p:ph type="sldImg"/>
+          </p:nvPr>
+        </p:nvSpPr>
+        <p:spPr/>
+      </p:sp>
+      <p:sp>
+        <p:nvSpPr>
+          <p:cNvPr id="3" name="Notes Placeholder 2"/>
+          <p:cNvSpPr>
+            <a:spLocks noGrp="1"/>
+          </p:cNvSpPr>
+          <p:nvPr>
+            <p:ph type="body" idx="1"/>
+          </p:nvPr>
+        </p:nvSpPr>
+        <p:spPr/>
+        <p:txBody>
+          <a:bodyPr/>
+          <a:lstStyle/>
+          <a:p>
+            <a:endParaRPr lang="en-US" dirty="0"/>
+          </a:p>
+        </p:txBody>
+      </p:sp>
+      <p:sp>
+        <p:nvSpPr>
+          <p:cNvPr id="4" name="Slide Number Placeholder 3"/>
+          <p:cNvSpPr>
+            <a:spLocks noGrp="1"/>
+          </p:cNvSpPr>
+          <p:nvPr>
+            <p:ph type="sldNum" sz="quarter" idx="5"/>
+          </p:nvPr>
+        </p:nvSpPr>
+        <p:spPr/>
+        <p:txBody>
+          <a:bodyPr/>
+          <a:lstStyle/>
+          <a:p>
+            <a:fld id="{24C3BB9B-1652-6142-95CE-EACF6A735017}" type="slidenum">
+              <a:rPr lang="en-US" smtClean="0"/>
+              <a:t>32</a:t>
+            </a:fld>
+            <a:endParaRPr lang="en-US"/>
+          </a:p>
+        </p:txBody>
+      </p:sp>
+    </p:spTree>
+    <p:extLst>
+      <p:ext uri="{BB962C8B-B14F-4D97-AF65-F5344CB8AC3E}">
+        <p14:creationId xmlns:p14="http://schemas.microsoft.com/office/powerpoint/2010/main" val="91413251"/>
+      </p:ext>
+    </p:extLst>
+  </p:cSld>
+  <p:clrMapOvr>
+    <a:masterClrMapping/>
+  </p:clrMapOvr>
+</p:notes>
+</file>
+
+<file path=ppt/notesSlides/notesSlide29.xml><?xml version="1.0" encoding="utf-8"?>
+<p:notes xmlns:a="http://schemas.openxmlformats.org/drawingml/2006/main" xmlns:r="http://schemas.openxmlformats.org/officeDocument/2006/relationships" xmlns:p="http://schemas.openxmlformats.org/presentationml/2006/main">
+  <p:cSld>
+    <p:spTree>
+      <p:nvGrpSpPr>
+        <p:cNvPr id="1" name=""/>
+        <p:cNvGrpSpPr/>
+        <p:nvPr/>
+      </p:nvGrpSpPr>
+      <p:grpSpPr>
+        <a:xfrm>
+          <a:off x="0" y="0"/>
+          <a:ext cx="0" cy="0"/>
+          <a:chOff x="0" y="0"/>
+          <a:chExt cx="0" cy="0"/>
+        </a:xfrm>
+      </p:grpSpPr>
+      <p:sp>
+        <p:nvSpPr>
+          <p:cNvPr id="2" name="Slide Image Placeholder 1"/>
+          <p:cNvSpPr>
+            <a:spLocks noGrp="1" noRot="1" noChangeAspect="1"/>
+          </p:cNvSpPr>
+          <p:nvPr>
+            <p:ph type="sldImg"/>
+          </p:nvPr>
+        </p:nvSpPr>
+        <p:spPr/>
+      </p:sp>
+      <p:sp>
+        <p:nvSpPr>
+          <p:cNvPr id="3" name="Notes Placeholder 2"/>
+          <p:cNvSpPr>
+            <a:spLocks noGrp="1"/>
+          </p:cNvSpPr>
+          <p:nvPr>
+            <p:ph type="body" idx="1"/>
+          </p:nvPr>
+        </p:nvSpPr>
+        <p:spPr/>
+        <p:txBody>
+          <a:bodyPr/>
+          <a:lstStyle/>
+          <a:p>
+            <a:r>
+              <a:rPr lang="en-US" dirty="0"/>
+              <a:t>Comparing it to the other node we looked at, </a:t>
+            </a:r>
+          </a:p>
+          <a:p>
+            <a:r>
+              <a:rPr lang="en-US" dirty="0"/>
+              <a:t>we can see now a </a:t>
+            </a:r>
+            <a:r>
+              <a:rPr lang="en-US" dirty="0" err="1"/>
+              <a:t>microdia</a:t>
+            </a:r>
+            <a:r>
+              <a:rPr lang="en-US" dirty="0"/>
+              <a:t> device</a:t>
+            </a:r>
+          </a:p>
+          <a:p>
+            <a:endParaRPr lang="en-US" dirty="0"/>
+          </a:p>
+        </p:txBody>
+      </p:sp>
+      <p:sp>
+        <p:nvSpPr>
+          <p:cNvPr id="4" name="Slide Number Placeholder 3"/>
+          <p:cNvSpPr>
+            <a:spLocks noGrp="1"/>
+          </p:cNvSpPr>
+          <p:nvPr>
+            <p:ph type="sldNum" sz="quarter" idx="5"/>
+          </p:nvPr>
+        </p:nvSpPr>
+        <p:spPr/>
+        <p:txBody>
+          <a:bodyPr/>
+          <a:lstStyle/>
+          <a:p>
+            <a:fld id="{24C3BB9B-1652-6142-95CE-EACF6A735017}" type="slidenum">
+              <a:rPr lang="en-US" smtClean="0"/>
+              <a:t>33</a:t>
+            </a:fld>
+            <a:endParaRPr lang="en-US"/>
+          </a:p>
+        </p:txBody>
+      </p:sp>
+    </p:spTree>
+    <p:extLst>
+      <p:ext uri="{BB962C8B-B14F-4D97-AF65-F5344CB8AC3E}">
+        <p14:creationId xmlns:p14="http://schemas.microsoft.com/office/powerpoint/2010/main" val="1138057163"/>
       </p:ext>
     </p:extLst>
   </p:cSld>
@@ -2334,7 +3279,7 @@
           <a:p>
             <a:fld id="{24C3BB9B-1652-6142-95CE-EACF6A735017}" type="slidenum">
               <a:rPr lang="en-US" smtClean="0"/>
-              <a:t>5</a:t>
+              <a:t>4</a:t>
             </a:fld>
             <a:endParaRPr lang="en-US"/>
           </a:p>
@@ -2344,6 +3289,389 @@
     <p:extLst>
       <p:ext uri="{BB962C8B-B14F-4D97-AF65-F5344CB8AC3E}">
         <p14:creationId xmlns:p14="http://schemas.microsoft.com/office/powerpoint/2010/main" val="3231248344"/>
+      </p:ext>
+    </p:extLst>
+  </p:cSld>
+  <p:clrMapOvr>
+    <a:masterClrMapping/>
+  </p:clrMapOvr>
+</p:notes>
+</file>
+
+<file path=ppt/notesSlides/notesSlide30.xml><?xml version="1.0" encoding="utf-8"?>
+<p:notes xmlns:a="http://schemas.openxmlformats.org/drawingml/2006/main" xmlns:r="http://schemas.openxmlformats.org/officeDocument/2006/relationships" xmlns:p="http://schemas.openxmlformats.org/presentationml/2006/main">
+  <p:cSld>
+    <p:spTree>
+      <p:nvGrpSpPr>
+        <p:cNvPr id="1" name=""/>
+        <p:cNvGrpSpPr/>
+        <p:nvPr/>
+      </p:nvGrpSpPr>
+      <p:grpSpPr>
+        <a:xfrm>
+          <a:off x="0" y="0"/>
+          <a:ext cx="0" cy="0"/>
+          <a:chOff x="0" y="0"/>
+          <a:chExt cx="0" cy="0"/>
+        </a:xfrm>
+      </p:grpSpPr>
+      <p:sp>
+        <p:nvSpPr>
+          <p:cNvPr id="2" name="Slide Image Placeholder 1"/>
+          <p:cNvSpPr>
+            <a:spLocks noGrp="1" noRot="1" noChangeAspect="1"/>
+          </p:cNvSpPr>
+          <p:nvPr>
+            <p:ph type="sldImg"/>
+          </p:nvPr>
+        </p:nvSpPr>
+        <p:spPr/>
+      </p:sp>
+      <p:sp>
+        <p:nvSpPr>
+          <p:cNvPr id="3" name="Notes Placeholder 2"/>
+          <p:cNvSpPr>
+            <a:spLocks noGrp="1"/>
+          </p:cNvSpPr>
+          <p:nvPr>
+            <p:ph type="body" idx="1"/>
+          </p:nvPr>
+        </p:nvSpPr>
+        <p:spPr/>
+        <p:txBody>
+          <a:bodyPr/>
+          <a:lstStyle/>
+          <a:p>
+            <a:r>
+              <a:rPr lang="en-US" dirty="0"/>
+              <a:t>But it still doesn’t show up as a label on our node</a:t>
+            </a:r>
+          </a:p>
+          <a:p>
+            <a:r>
+              <a:rPr lang="en-US" dirty="0"/>
+              <a:t>Let’s find out the configuration we need to set up</a:t>
+            </a:r>
+          </a:p>
+          <a:p>
+            <a:endParaRPr lang="en-US" dirty="0"/>
+          </a:p>
+        </p:txBody>
+      </p:sp>
+      <p:sp>
+        <p:nvSpPr>
+          <p:cNvPr id="4" name="Slide Number Placeholder 3"/>
+          <p:cNvSpPr>
+            <a:spLocks noGrp="1"/>
+          </p:cNvSpPr>
+          <p:nvPr>
+            <p:ph type="sldNum" sz="quarter" idx="5"/>
+          </p:nvPr>
+        </p:nvSpPr>
+        <p:spPr/>
+        <p:txBody>
+          <a:bodyPr/>
+          <a:lstStyle/>
+          <a:p>
+            <a:fld id="{24C3BB9B-1652-6142-95CE-EACF6A735017}" type="slidenum">
+              <a:rPr lang="en-US" smtClean="0"/>
+              <a:t>34</a:t>
+            </a:fld>
+            <a:endParaRPr lang="en-US"/>
+          </a:p>
+        </p:txBody>
+      </p:sp>
+    </p:spTree>
+    <p:extLst>
+      <p:ext uri="{BB962C8B-B14F-4D97-AF65-F5344CB8AC3E}">
+        <p14:creationId xmlns:p14="http://schemas.microsoft.com/office/powerpoint/2010/main" val="4018940237"/>
+      </p:ext>
+    </p:extLst>
+  </p:cSld>
+  <p:clrMapOvr>
+    <a:masterClrMapping/>
+  </p:clrMapOvr>
+</p:notes>
+</file>
+
+<file path=ppt/notesSlides/notesSlide31.xml><?xml version="1.0" encoding="utf-8"?>
+<p:notes xmlns:a="http://schemas.openxmlformats.org/drawingml/2006/main" xmlns:r="http://schemas.openxmlformats.org/officeDocument/2006/relationships" xmlns:p="http://schemas.openxmlformats.org/presentationml/2006/main">
+  <p:cSld>
+    <p:spTree>
+      <p:nvGrpSpPr>
+        <p:cNvPr id="1" name=""/>
+        <p:cNvGrpSpPr/>
+        <p:nvPr/>
+      </p:nvGrpSpPr>
+      <p:grpSpPr>
+        <a:xfrm>
+          <a:off x="0" y="0"/>
+          <a:ext cx="0" cy="0"/>
+          <a:chOff x="0" y="0"/>
+          <a:chExt cx="0" cy="0"/>
+        </a:xfrm>
+      </p:grpSpPr>
+      <p:sp>
+        <p:nvSpPr>
+          <p:cNvPr id="2" name="Slide Image Placeholder 1"/>
+          <p:cNvSpPr>
+            <a:spLocks noGrp="1" noRot="1" noChangeAspect="1"/>
+          </p:cNvSpPr>
+          <p:nvPr>
+            <p:ph type="sldImg"/>
+          </p:nvPr>
+        </p:nvSpPr>
+        <p:spPr/>
+      </p:sp>
+      <p:sp>
+        <p:nvSpPr>
+          <p:cNvPr id="3" name="Notes Placeholder 2"/>
+          <p:cNvSpPr>
+            <a:spLocks noGrp="1"/>
+          </p:cNvSpPr>
+          <p:nvPr>
+            <p:ph type="body" idx="1"/>
+          </p:nvPr>
+        </p:nvSpPr>
+        <p:spPr/>
+        <p:txBody>
+          <a:bodyPr/>
+          <a:lstStyle/>
+          <a:p>
+            <a:r>
+              <a:rPr lang="en-US" dirty="0"/>
+              <a:t>We need more info and we’ll cross reference the device specs at </a:t>
+            </a:r>
+            <a:r>
+              <a:rPr lang="en-US" dirty="0" err="1"/>
+              <a:t>usb.org</a:t>
+            </a:r>
+            <a:endParaRPr lang="en-US" dirty="0"/>
+          </a:p>
+          <a:p>
+            <a:r>
+              <a:rPr lang="en-US" dirty="0"/>
+              <a:t>hex 03 is what we’re looking for.</a:t>
+            </a:r>
+          </a:p>
+          <a:p>
+            <a:endParaRPr lang="en-US" dirty="0"/>
+          </a:p>
+          <a:p>
+            <a:endParaRPr lang="en-US" dirty="0"/>
+          </a:p>
+          <a:p>
+            <a:endParaRPr lang="en-US" dirty="0"/>
+          </a:p>
+        </p:txBody>
+      </p:sp>
+      <p:sp>
+        <p:nvSpPr>
+          <p:cNvPr id="4" name="Slide Number Placeholder 3"/>
+          <p:cNvSpPr>
+            <a:spLocks noGrp="1"/>
+          </p:cNvSpPr>
+          <p:nvPr>
+            <p:ph type="sldNum" sz="quarter" idx="5"/>
+          </p:nvPr>
+        </p:nvSpPr>
+        <p:spPr/>
+        <p:txBody>
+          <a:bodyPr/>
+          <a:lstStyle/>
+          <a:p>
+            <a:fld id="{24C3BB9B-1652-6142-95CE-EACF6A735017}" type="slidenum">
+              <a:rPr lang="en-US" smtClean="0"/>
+              <a:t>35</a:t>
+            </a:fld>
+            <a:endParaRPr lang="en-US"/>
+          </a:p>
+        </p:txBody>
+      </p:sp>
+    </p:spTree>
+    <p:extLst>
+      <p:ext uri="{BB962C8B-B14F-4D97-AF65-F5344CB8AC3E}">
+        <p14:creationId xmlns:p14="http://schemas.microsoft.com/office/powerpoint/2010/main" val="3435147908"/>
+      </p:ext>
+    </p:extLst>
+  </p:cSld>
+  <p:clrMapOvr>
+    <a:masterClrMapping/>
+  </p:clrMapOvr>
+</p:notes>
+</file>
+
+<file path=ppt/notesSlides/notesSlide32.xml><?xml version="1.0" encoding="utf-8"?>
+<p:notes xmlns:a="http://schemas.openxmlformats.org/drawingml/2006/main" xmlns:r="http://schemas.openxmlformats.org/officeDocument/2006/relationships" xmlns:p="http://schemas.openxmlformats.org/presentationml/2006/main">
+  <p:cSld>
+    <p:spTree>
+      <p:nvGrpSpPr>
+        <p:cNvPr id="1" name=""/>
+        <p:cNvGrpSpPr/>
+        <p:nvPr/>
+      </p:nvGrpSpPr>
+      <p:grpSpPr>
+        <a:xfrm>
+          <a:off x="0" y="0"/>
+          <a:ext cx="0" cy="0"/>
+          <a:chOff x="0" y="0"/>
+          <a:chExt cx="0" cy="0"/>
+        </a:xfrm>
+      </p:grpSpPr>
+      <p:sp>
+        <p:nvSpPr>
+          <p:cNvPr id="2" name="Slide Image Placeholder 1"/>
+          <p:cNvSpPr>
+            <a:spLocks noGrp="1" noRot="1" noChangeAspect="1"/>
+          </p:cNvSpPr>
+          <p:nvPr>
+            <p:ph type="sldImg"/>
+          </p:nvPr>
+        </p:nvSpPr>
+        <p:spPr/>
+      </p:sp>
+      <p:sp>
+        <p:nvSpPr>
+          <p:cNvPr id="3" name="Notes Placeholder 2"/>
+          <p:cNvSpPr>
+            <a:spLocks noGrp="1"/>
+          </p:cNvSpPr>
+          <p:nvPr>
+            <p:ph type="body" idx="1"/>
+          </p:nvPr>
+        </p:nvSpPr>
+        <p:spPr/>
+        <p:txBody>
+          <a:bodyPr/>
+          <a:lstStyle/>
+          <a:p>
+            <a:endParaRPr lang="en-US" dirty="0"/>
+          </a:p>
+          <a:p>
+            <a:endParaRPr lang="en-US" dirty="0"/>
+          </a:p>
+          <a:p>
+            <a:endParaRPr lang="en-US" dirty="0"/>
+          </a:p>
+        </p:txBody>
+      </p:sp>
+      <p:sp>
+        <p:nvSpPr>
+          <p:cNvPr id="4" name="Slide Number Placeholder 3"/>
+          <p:cNvSpPr>
+            <a:spLocks noGrp="1"/>
+          </p:cNvSpPr>
+          <p:nvPr>
+            <p:ph type="sldNum" sz="quarter" idx="5"/>
+          </p:nvPr>
+        </p:nvSpPr>
+        <p:spPr/>
+        <p:txBody>
+          <a:bodyPr/>
+          <a:lstStyle/>
+          <a:p>
+            <a:fld id="{24C3BB9B-1652-6142-95CE-EACF6A735017}" type="slidenum">
+              <a:rPr lang="en-US" smtClean="0"/>
+              <a:t>36</a:t>
+            </a:fld>
+            <a:endParaRPr lang="en-US"/>
+          </a:p>
+        </p:txBody>
+      </p:sp>
+    </p:spTree>
+    <p:extLst>
+      <p:ext uri="{BB962C8B-B14F-4D97-AF65-F5344CB8AC3E}">
+        <p14:creationId xmlns:p14="http://schemas.microsoft.com/office/powerpoint/2010/main" val="1385684396"/>
+      </p:ext>
+    </p:extLst>
+  </p:cSld>
+  <p:clrMapOvr>
+    <a:masterClrMapping/>
+  </p:clrMapOvr>
+</p:notes>
+</file>
+
+<file path=ppt/notesSlides/notesSlide33.xml><?xml version="1.0" encoding="utf-8"?>
+<p:notes xmlns:a="http://schemas.openxmlformats.org/drawingml/2006/main" xmlns:r="http://schemas.openxmlformats.org/officeDocument/2006/relationships" xmlns:p="http://schemas.openxmlformats.org/presentationml/2006/main">
+  <p:cSld>
+    <p:spTree>
+      <p:nvGrpSpPr>
+        <p:cNvPr id="1" name=""/>
+        <p:cNvGrpSpPr/>
+        <p:nvPr/>
+      </p:nvGrpSpPr>
+      <p:grpSpPr>
+        <a:xfrm>
+          <a:off x="0" y="0"/>
+          <a:ext cx="0" cy="0"/>
+          <a:chOff x="0" y="0"/>
+          <a:chExt cx="0" cy="0"/>
+        </a:xfrm>
+      </p:grpSpPr>
+      <p:sp>
+        <p:nvSpPr>
+          <p:cNvPr id="2" name="Slide Image Placeholder 1"/>
+          <p:cNvSpPr>
+            <a:spLocks noGrp="1" noRot="1" noChangeAspect="1"/>
+          </p:cNvSpPr>
+          <p:nvPr>
+            <p:ph type="sldImg"/>
+          </p:nvPr>
+        </p:nvSpPr>
+        <p:spPr/>
+      </p:sp>
+      <p:sp>
+        <p:nvSpPr>
+          <p:cNvPr id="3" name="Notes Placeholder 2"/>
+          <p:cNvSpPr>
+            <a:spLocks noGrp="1"/>
+          </p:cNvSpPr>
+          <p:nvPr>
+            <p:ph type="body" idx="1"/>
+          </p:nvPr>
+        </p:nvSpPr>
+        <p:spPr/>
+        <p:txBody>
+          <a:bodyPr/>
+          <a:lstStyle/>
+          <a:p>
+            <a:r>
+              <a:rPr lang="en-US" dirty="0"/>
+              <a:t>I do not know how it found the USB ethernet device</a:t>
+            </a:r>
+          </a:p>
+          <a:p>
+            <a:endParaRPr lang="en-US" dirty="0"/>
+          </a:p>
+        </p:txBody>
+      </p:sp>
+      <p:sp>
+        <p:nvSpPr>
+          <p:cNvPr id="4" name="Slide Number Placeholder 3"/>
+          <p:cNvSpPr>
+            <a:spLocks noGrp="1"/>
+          </p:cNvSpPr>
+          <p:nvPr>
+            <p:ph type="sldNum" sz="quarter" idx="5"/>
+          </p:nvPr>
+        </p:nvSpPr>
+        <p:spPr/>
+        <p:txBody>
+          <a:bodyPr/>
+          <a:lstStyle/>
+          <a:p>
+            <a:fld id="{24C3BB9B-1652-6142-95CE-EACF6A735017}" type="slidenum">
+              <a:rPr lang="en-US" smtClean="0"/>
+              <a:t>37</a:t>
+            </a:fld>
+            <a:endParaRPr lang="en-US"/>
+          </a:p>
+        </p:txBody>
+      </p:sp>
+    </p:spTree>
+    <p:extLst>
+      <p:ext uri="{BB962C8B-B14F-4D97-AF65-F5344CB8AC3E}">
+        <p14:creationId xmlns:p14="http://schemas.microsoft.com/office/powerpoint/2010/main" val="1242233439"/>
       </p:ext>
     </p:extLst>
   </p:cSld>
@@ -2399,121 +3727,31 @@
           <a:p>
             <a:r>
               <a:rPr lang="en-US" dirty="0"/>
-              <a:t>What id meant by unbounded resources?</a:t>
-            </a:r>
-          </a:p>
-          <a:p>
-            <a:r>
-              <a:rPr lang="en-US" dirty="0"/>
-              <a:t>I say unbounded because they are not infinite, but there is really no limit to what device might be attached to your node.</a:t>
-            </a:r>
-          </a:p>
-          <a:p>
-            <a:r>
-              <a:rPr lang="en-US" dirty="0"/>
-              <a:t>Within your individual use case, there is a finite set of target resources. That’s good</a:t>
-            </a:r>
-          </a:p>
-          <a:p>
-            <a:r>
-              <a:rPr lang="en-US" dirty="0"/>
-              <a:t>At the edge, these could be</a:t>
-            </a:r>
-          </a:p>
-          <a:p>
-            <a:pPr marL="171450" indent="-171450">
-              <a:buFont typeface="Arial" panose="020B0604020202020204" pitchFamily="34" charset="0"/>
-              <a:buChar char="•"/>
-            </a:pPr>
-            <a:r>
-              <a:rPr lang="en-US" dirty="0"/>
-              <a:t>USB</a:t>
-            </a:r>
-          </a:p>
-          <a:p>
-            <a:pPr marL="171450" indent="-171450">
-              <a:buFont typeface="Arial" panose="020B0604020202020204" pitchFamily="34" charset="0"/>
-              <a:buChar char="•"/>
-            </a:pPr>
-            <a:r>
-              <a:rPr lang="en-US" dirty="0"/>
-              <a:t>GPU</a:t>
-            </a:r>
-          </a:p>
-          <a:p>
-            <a:pPr marL="171450" indent="-171450">
-              <a:buFont typeface="Arial" panose="020B0604020202020204" pitchFamily="34" charset="0"/>
-              <a:buChar char="•"/>
-            </a:pPr>
-            <a:r>
-              <a:rPr lang="en-US" dirty="0"/>
-              <a:t>NIC</a:t>
-            </a:r>
-          </a:p>
-          <a:p>
-            <a:pPr marL="171450" indent="-171450">
-              <a:buFont typeface="Arial" panose="020B0604020202020204" pitchFamily="34" charset="0"/>
-              <a:buChar char="•"/>
-            </a:pPr>
-            <a:r>
-              <a:rPr lang="en-US" dirty="0"/>
-              <a:t>FPGA</a:t>
-            </a:r>
-          </a:p>
-          <a:p>
-            <a:pPr marL="171450" indent="-171450">
-              <a:buFont typeface="Arial" panose="020B0604020202020204" pitchFamily="34" charset="0"/>
-              <a:buChar char="•"/>
-            </a:pPr>
-            <a:r>
-              <a:rPr lang="en-US" dirty="0"/>
-              <a:t>Video IN/OUT</a:t>
-            </a:r>
-          </a:p>
-          <a:p>
-            <a:pPr marL="171450" indent="-171450">
-              <a:buFont typeface="Arial" panose="020B0604020202020204" pitchFamily="34" charset="0"/>
-              <a:buChar char="•"/>
-            </a:pPr>
-            <a:r>
-              <a:rPr lang="en-US" dirty="0"/>
-              <a:t>Radios (</a:t>
-            </a:r>
-            <a:r>
-              <a:rPr lang="en-US" dirty="0" err="1"/>
-              <a:t>LoRA</a:t>
-            </a:r>
-            <a:r>
-              <a:rPr lang="en-US" dirty="0"/>
-              <a:t>/BLE/</a:t>
-            </a:r>
-            <a:r>
-              <a:rPr lang="en-US" dirty="0" err="1"/>
-              <a:t>WiFi</a:t>
-            </a:r>
-            <a:r>
-              <a:rPr lang="en-US" dirty="0"/>
-              <a:t>)</a:t>
-            </a:r>
-          </a:p>
-          <a:p>
-            <a:pPr marL="171450" indent="-171450">
-              <a:buFont typeface="Arial" panose="020B0604020202020204" pitchFamily="34" charset="0"/>
-              <a:buChar char="•"/>
-            </a:pPr>
-            <a:r>
-              <a:rPr lang="en-US" dirty="0"/>
-              <a:t>I2C or other Serial interfaces</a:t>
-            </a:r>
-          </a:p>
-          <a:p>
-            <a:pPr marL="171450" indent="-171450">
-              <a:buFont typeface="Arial" panose="020B0604020202020204" pitchFamily="34" charset="0"/>
-              <a:buChar char="•"/>
-            </a:pPr>
-            <a:r>
-              <a:rPr lang="en-US" dirty="0"/>
-              <a:t>ETC.</a:t>
+              <a:t>Automating work is what we do</a:t>
+            </a:r>
+          </a:p>
+          <a:p>
+            <a:r>
+              <a:rPr lang="en-US" dirty="0"/>
+              <a:t>With massive numbers of devices, we need to get it right. </a:t>
+            </a:r>
+          </a:p>
+          <a:p>
+            <a:r>
+              <a:rPr lang="en-US" dirty="0"/>
+              <a:t>Automated labeling can be a great time saver for large numbers of devices</a:t>
+            </a:r>
+          </a:p>
+          <a:p>
+            <a:r>
+              <a:rPr lang="en-US" dirty="0"/>
+              <a:t>The resource types we are targeting don’t fall neatly into the CPU and RAM category</a:t>
+            </a:r>
+          </a:p>
+          <a:p>
+            <a:r>
+              <a:rPr lang="en-US" dirty="0"/>
+              <a:t>Edge resource capabilities are unbounded</a:t>
             </a:r>
           </a:p>
         </p:txBody>
@@ -2535,7 +3773,7 @@
           <a:p>
             <a:fld id="{24C3BB9B-1652-6142-95CE-EACF6A735017}" type="slidenum">
               <a:rPr lang="en-US" smtClean="0"/>
-              <a:t>6</a:t>
+              <a:t>5</a:t>
             </a:fld>
             <a:endParaRPr lang="en-US"/>
           </a:p>
@@ -2544,7 +3782,7 @@
     </p:spTree>
     <p:extLst>
       <p:ext uri="{BB962C8B-B14F-4D97-AF65-F5344CB8AC3E}">
-        <p14:creationId xmlns:p14="http://schemas.microsoft.com/office/powerpoint/2010/main" val="1008861028"/>
+        <p14:creationId xmlns:p14="http://schemas.microsoft.com/office/powerpoint/2010/main" val="506127137"/>
       </p:ext>
     </p:extLst>
   </p:cSld>
@@ -2598,13 +3836,43 @@
           <a:bodyPr/>
           <a:lstStyle/>
           <a:p>
+            <a:r>
+              <a:rPr lang="en-US" dirty="0"/>
+              <a:t>What do I mean by unbounded resources?</a:t>
+            </a:r>
+          </a:p>
+          <a:p>
+            <a:r>
+              <a:rPr lang="en-US" dirty="0"/>
+              <a:t>I say unbounded because they are not infinite, but there is really no limit to what device might be attached to your node.</a:t>
+            </a:r>
+          </a:p>
+          <a:p>
+            <a:r>
+              <a:rPr lang="en-US" dirty="0"/>
+              <a:t>Within your individual use case, there is a finite set of target resources. That’s good.</a:t>
+            </a:r>
+          </a:p>
+          <a:p>
+            <a:r>
+              <a:rPr lang="en-US" dirty="0"/>
+              <a:t>- NFD labels can be used to classify and give logical boundaries relevant to each enterprise</a:t>
+            </a:r>
+          </a:p>
+          <a:p>
+            <a:r>
+              <a:rPr lang="en-US" dirty="0"/>
+              <a:t>At the edge, resource examples are</a:t>
+            </a:r>
+          </a:p>
+          <a:p>
             <a:pPr marL="171450" indent="-171450">
               <a:buFont typeface="Arial" panose="020B0604020202020204" pitchFamily="34" charset="0"/>
               <a:buChar char="•"/>
             </a:pPr>
             <a:r>
               <a:rPr lang="en-US" dirty="0"/>
-              <a:t>Without NFD and large numbers of clusters it is like playing a game of go fish. </a:t>
+              <a:t>USB</a:t>
             </a:r>
           </a:p>
           <a:p>
@@ -2614,27 +3882,7 @@
             </a:pPr>
             <a:r>
               <a:rPr lang="en-US" dirty="0"/>
-              <a:t>I don’t know if you are familiar with this game</a:t>
-            </a:r>
-          </a:p>
-          <a:p>
-            <a:pPr marL="628650" lvl="1" indent="-171450">
-              <a:buFont typeface="Arial" panose="020B0604020202020204" pitchFamily="34" charset="0"/>
-              <a:buChar char="•"/>
-            </a:pPr>
-            <a:r>
-              <a:rPr lang="en-US" dirty="0"/>
-              <a:t>basically you take turns with your opponents asking if they have the resource you need</a:t>
-            </a:r>
-          </a:p>
-          <a:p>
-            <a:pPr marL="628650" lvl="1" indent="-171450">
-              <a:buFont typeface="Arial" panose="020B0604020202020204" pitchFamily="34" charset="0"/>
-              <a:buChar char="•"/>
-            </a:pPr>
-            <a:r>
-              <a:rPr lang="en-US" dirty="0"/>
-              <a:t>it’s a guessing</a:t>
+              <a:t>GPU</a:t>
             </a:r>
           </a:p>
           <a:p>
@@ -2644,17 +3892,7 @@
             </a:pPr>
             <a:r>
               <a:rPr lang="en-US" dirty="0"/>
-              <a:t>In the real world, you shouldn’t just guess which devices have the right resources</a:t>
-            </a:r>
-          </a:p>
-          <a:p>
-            <a:pPr marL="628650" lvl="1" indent="-171450">
-              <a:buFont typeface="Arial" panose="020B0604020202020204" pitchFamily="34" charset="0"/>
-              <a:buChar char="•"/>
-            </a:pPr>
-            <a:r>
-              <a:rPr lang="en-US" dirty="0"/>
-              <a:t>NFD takes the guesswork out of it</a:t>
+              <a:t>NIC</a:t>
             </a:r>
           </a:p>
           <a:p>
@@ -2662,7 +3900,66 @@
               <a:buFont typeface="Arial" panose="020B0604020202020204" pitchFamily="34" charset="0"/>
               <a:buChar char="•"/>
             </a:pPr>
-            <a:endParaRPr lang="en-US" dirty="0"/>
+            <a:r>
+              <a:rPr lang="en-US" dirty="0"/>
+              <a:t>FPGA</a:t>
+            </a:r>
+          </a:p>
+          <a:p>
+            <a:pPr marL="171450" indent="-171450">
+              <a:buFont typeface="Arial" panose="020B0604020202020204" pitchFamily="34" charset="0"/>
+              <a:buChar char="•"/>
+            </a:pPr>
+            <a:r>
+              <a:rPr lang="en-US" dirty="0"/>
+              <a:t>Video IN/OUT</a:t>
+            </a:r>
+          </a:p>
+          <a:p>
+            <a:pPr marL="171450" indent="-171450">
+              <a:buFont typeface="Arial" panose="020B0604020202020204" pitchFamily="34" charset="0"/>
+              <a:buChar char="•"/>
+            </a:pPr>
+            <a:r>
+              <a:rPr lang="en-US" dirty="0"/>
+              <a:t>Radios (</a:t>
+            </a:r>
+            <a:r>
+              <a:rPr lang="en-US" dirty="0" err="1"/>
+              <a:t>LoRA</a:t>
+            </a:r>
+            <a:r>
+              <a:rPr lang="en-US" dirty="0"/>
+              <a:t>/BLE/</a:t>
+            </a:r>
+            <a:r>
+              <a:rPr lang="en-US" dirty="0" err="1"/>
+              <a:t>WiFi</a:t>
+            </a:r>
+            <a:r>
+              <a:rPr lang="en-US" dirty="0"/>
+              <a:t>)</a:t>
+            </a:r>
+          </a:p>
+          <a:p>
+            <a:pPr marL="171450" indent="-171450">
+              <a:buFont typeface="Arial" panose="020B0604020202020204" pitchFamily="34" charset="0"/>
+              <a:buChar char="•"/>
+            </a:pPr>
+            <a:r>
+              <a:rPr lang="en-US" dirty="0"/>
+              <a:t>I2C or other Serial interfaces</a:t>
+            </a:r>
+          </a:p>
+          <a:p>
+            <a:pPr marL="171450" indent="-171450">
+              <a:buFont typeface="Arial" panose="020B0604020202020204" pitchFamily="34" charset="0"/>
+              <a:buChar char="•"/>
+            </a:pPr>
+            <a:r>
+              <a:rPr lang="en-US" dirty="0"/>
+              <a:t>ETC.</a:t>
+            </a:r>
           </a:p>
         </p:txBody>
       </p:sp>
@@ -2683,7 +3980,7 @@
           <a:p>
             <a:fld id="{24C3BB9B-1652-6142-95CE-EACF6A735017}" type="slidenum">
               <a:rPr lang="en-US" smtClean="0"/>
-              <a:t>7</a:t>
+              <a:t>6</a:t>
             </a:fld>
             <a:endParaRPr lang="en-US"/>
           </a:p>
@@ -2692,7 +3989,7 @@
     </p:spTree>
     <p:extLst>
       <p:ext uri="{BB962C8B-B14F-4D97-AF65-F5344CB8AC3E}">
-        <p14:creationId xmlns:p14="http://schemas.microsoft.com/office/powerpoint/2010/main" val="3395128113"/>
+        <p14:creationId xmlns:p14="http://schemas.microsoft.com/office/powerpoint/2010/main" val="1008861028"/>
       </p:ext>
     </p:extLst>
   </p:cSld>
@@ -2746,37 +4043,13 @@
           <a:bodyPr/>
           <a:lstStyle/>
           <a:p>
-            <a:r>
-              <a:rPr lang="en-US" dirty="0"/>
-              <a:t>Typically within an enterprise, there are constraints.</a:t>
-            </a:r>
-          </a:p>
-          <a:p>
-            <a:r>
-              <a:rPr lang="en-US" dirty="0"/>
-              <a:t>If we buy 1k or 100k computers, we try and buy similar systems. </a:t>
-            </a:r>
-          </a:p>
-          <a:p>
-            <a:r>
-              <a:rPr lang="en-US" dirty="0"/>
-              <a:t>There is an efficiency in both cost and management when doing this.</a:t>
-            </a:r>
-          </a:p>
-          <a:p>
-            <a:r>
-              <a:rPr lang="en-US" dirty="0"/>
-              <a:t>Also, typically we are using devices to address a specific problem.</a:t>
-            </a:r>
-          </a:p>
-          <a:p>
             <a:pPr marL="171450" indent="-171450">
               <a:buFont typeface="Arial" panose="020B0604020202020204" pitchFamily="34" charset="0"/>
               <a:buChar char="•"/>
             </a:pPr>
             <a:r>
               <a:rPr lang="en-US" dirty="0"/>
-              <a:t>For some a camera is an AI input device</a:t>
+              <a:t>Without NFD and large numbers of clusters it is like playing a game of go fish. </a:t>
             </a:r>
           </a:p>
           <a:p>
@@ -2786,38 +4059,55 @@
             </a:pPr>
             <a:r>
               <a:rPr lang="en-US" dirty="0"/>
-              <a:t>For others a camera is a security input device</a:t>
-            </a:r>
-          </a:p>
-          <a:p>
-            <a:pPr marL="0" indent="0">
+              <a:t>I don’t know if you are familiar with this game</a:t>
+            </a:r>
+          </a:p>
+          <a:p>
+            <a:pPr marL="628650" lvl="1" indent="-171450">
               <a:buFont typeface="Arial" panose="020B0604020202020204" pitchFamily="34" charset="0"/>
-              <a:buNone/>
+              <a:buChar char="•"/>
             </a:pPr>
             <a:r>
               <a:rPr lang="en-US" dirty="0"/>
-              <a:t>Even if we have 10 different cameras, that is a constraint and we can use it to our advantage when working with large numbers of devices.</a:t>
-            </a:r>
-          </a:p>
-          <a:p>
-            <a:pPr marL="0" indent="0">
+              <a:t>basically you take turns with your opponents asking if they have the resource you need</a:t>
+            </a:r>
+          </a:p>
+          <a:p>
+            <a:pPr marL="628650" lvl="1" indent="-171450">
               <a:buFont typeface="Arial" panose="020B0604020202020204" pitchFamily="34" charset="0"/>
-              <a:buNone/>
+              <a:buChar char="•"/>
             </a:pPr>
             <a:r>
               <a:rPr lang="en-US" dirty="0"/>
-              <a:t>Fortunately, NFD is flexible so you can target Any camera or a specific model of camera.</a:t>
-            </a:r>
-          </a:p>
-          <a:p>
-            <a:pPr marL="0" indent="0">
+              <a:t>it’s a guessing game</a:t>
+            </a:r>
+          </a:p>
+          <a:p>
+            <a:pPr marL="171450" indent="-171450">
               <a:buFont typeface="Arial" panose="020B0604020202020204" pitchFamily="34" charset="0"/>
-              <a:buNone/>
+              <a:buChar char="•"/>
             </a:pPr>
             <a:r>
               <a:rPr lang="en-US" dirty="0"/>
-              <a:t>These are just examples. Not everything is a camera of course.</a:t>
-            </a:r>
+              <a:t>In the real world, you shouldn’t just guess which devices have the right resources</a:t>
+            </a:r>
+          </a:p>
+          <a:p>
+            <a:pPr marL="628650" lvl="1" indent="-171450">
+              <a:buFont typeface="Arial" panose="020B0604020202020204" pitchFamily="34" charset="0"/>
+              <a:buChar char="•"/>
+            </a:pPr>
+            <a:r>
+              <a:rPr lang="en-US" dirty="0"/>
+              <a:t>NFD takes the guesswork out of it</a:t>
+            </a:r>
+          </a:p>
+          <a:p>
+            <a:pPr marL="171450" indent="-171450">
+              <a:buFont typeface="Arial" panose="020B0604020202020204" pitchFamily="34" charset="0"/>
+              <a:buChar char="•"/>
+            </a:pPr>
+            <a:endParaRPr lang="en-US" dirty="0"/>
           </a:p>
         </p:txBody>
       </p:sp>
@@ -2838,7 +4128,7 @@
           <a:p>
             <a:fld id="{24C3BB9B-1652-6142-95CE-EACF6A735017}" type="slidenum">
               <a:rPr lang="en-US" smtClean="0"/>
-              <a:t>8</a:t>
+              <a:t>7</a:t>
             </a:fld>
             <a:endParaRPr lang="en-US"/>
           </a:p>
@@ -2847,7 +4137,7 @@
     </p:spTree>
     <p:extLst>
       <p:ext uri="{BB962C8B-B14F-4D97-AF65-F5344CB8AC3E}">
-        <p14:creationId xmlns:p14="http://schemas.microsoft.com/office/powerpoint/2010/main" val="3745888889"/>
+        <p14:creationId xmlns:p14="http://schemas.microsoft.com/office/powerpoint/2010/main" val="3395128113"/>
       </p:ext>
     </p:extLst>
   </p:cSld>
@@ -2901,106 +4191,44 @@
           <a:bodyPr/>
           <a:lstStyle/>
           <a:p>
-            <a:pPr marL="171450" indent="-171450">
-              <a:buFont typeface="Arial" panose="020B0604020202020204" pitchFamily="34" charset="0"/>
-              <a:buChar char="•"/>
-            </a:pPr>
-            <a:r>
-              <a:rPr lang="en-US" sz="1200" b="0" i="0" kern="1200" dirty="0">
-                <a:solidFill>
-                  <a:schemeClr val="tx1"/>
-                </a:solidFill>
-                <a:effectLst/>
-                <a:latin typeface="+mn-lt"/>
-                <a:ea typeface="+mn-ea"/>
-                <a:cs typeface="+mn-cs"/>
-              </a:rPr>
-              <a:t>Very simply</a:t>
-            </a:r>
-          </a:p>
-          <a:p>
-            <a:pPr marL="628650" lvl="1" indent="-171450">
-              <a:buFont typeface="Arial" panose="020B0604020202020204" pitchFamily="34" charset="0"/>
-              <a:buChar char="•"/>
-            </a:pPr>
-            <a:r>
-              <a:rPr lang="en-US" sz="1200" b="0" i="0" kern="1200" dirty="0">
-                <a:solidFill>
-                  <a:schemeClr val="tx1"/>
-                </a:solidFill>
-                <a:effectLst/>
-                <a:latin typeface="+mn-lt"/>
-                <a:ea typeface="+mn-ea"/>
-                <a:cs typeface="+mn-cs"/>
-              </a:rPr>
-              <a:t>NFD-Master is a Deployment and it is responsible for communication towards the Kubernetes API. That is, it receives labeling requests from the worker and modifies node objects accordingly.</a:t>
-            </a:r>
-          </a:p>
-          <a:p>
-            <a:pPr marL="628650" lvl="1" indent="-171450">
-              <a:buFont typeface="Arial" panose="020B0604020202020204" pitchFamily="34" charset="0"/>
-              <a:buChar char="•"/>
-            </a:pPr>
-            <a:r>
-              <a:rPr lang="en-US" sz="1200" b="0" i="0" kern="1200" dirty="0">
-                <a:solidFill>
-                  <a:schemeClr val="tx1"/>
-                </a:solidFill>
-                <a:effectLst/>
-                <a:latin typeface="+mn-lt"/>
-                <a:ea typeface="+mn-ea"/>
-                <a:cs typeface="+mn-cs"/>
-              </a:rPr>
-              <a:t>NFD-Worker is a </a:t>
-            </a:r>
-            <a:r>
-              <a:rPr lang="en-US" sz="1200" b="0" i="0" kern="1200" dirty="0" err="1">
-                <a:solidFill>
-                  <a:schemeClr val="tx1"/>
-                </a:solidFill>
-                <a:effectLst/>
-                <a:latin typeface="+mn-lt"/>
-                <a:ea typeface="+mn-ea"/>
-                <a:cs typeface="+mn-cs"/>
-              </a:rPr>
-              <a:t>DaemonSet</a:t>
-            </a:r>
-            <a:r>
-              <a:rPr lang="en-US" sz="1200" b="0" i="0" kern="1200" dirty="0">
-                <a:solidFill>
-                  <a:schemeClr val="tx1"/>
-                </a:solidFill>
-                <a:effectLst/>
-                <a:latin typeface="+mn-lt"/>
-                <a:ea typeface="+mn-ea"/>
-                <a:cs typeface="+mn-cs"/>
-              </a:rPr>
-              <a:t> and it is responsible for feature detection. It then communicates the information to </a:t>
-            </a:r>
-            <a:r>
-              <a:rPr lang="en-US" sz="1200" b="0" i="0" kern="1200" dirty="0" err="1">
-                <a:solidFill>
-                  <a:schemeClr val="tx1"/>
-                </a:solidFill>
-                <a:effectLst/>
-                <a:latin typeface="+mn-lt"/>
-                <a:ea typeface="+mn-ea"/>
-                <a:cs typeface="+mn-cs"/>
-              </a:rPr>
-              <a:t>nfd</a:t>
-            </a:r>
-            <a:r>
-              <a:rPr lang="en-US" sz="1200" b="0" i="0" kern="1200" dirty="0">
-                <a:solidFill>
-                  <a:schemeClr val="tx1"/>
-                </a:solidFill>
-                <a:effectLst/>
-                <a:latin typeface="+mn-lt"/>
-                <a:ea typeface="+mn-ea"/>
-                <a:cs typeface="+mn-cs"/>
-              </a:rPr>
-              <a:t>-master which does the actual node labeling. </a:t>
-            </a:r>
+            <a:r>
+              <a:rPr lang="en-US" dirty="0"/>
+              <a:t>This is a </a:t>
+            </a:r>
+            <a:r>
+              <a:rPr lang="en-US" dirty="0" err="1"/>
+              <a:t>turingpi</a:t>
+            </a:r>
+            <a:r>
+              <a:rPr lang="en-US" dirty="0"/>
+              <a:t> v1 board</a:t>
+            </a:r>
+          </a:p>
+          <a:p>
+            <a:r>
+              <a:rPr lang="en-US" dirty="0"/>
+              <a:t>It has 7 raspberry pi compute modules </a:t>
+            </a:r>
+          </a:p>
+          <a:p>
+            <a:r>
+              <a:rPr lang="en-US" dirty="0"/>
+              <a:t>Each module is a version 3 plus with 1 gig RAM and 4 CPU per device</a:t>
+            </a:r>
+          </a:p>
+          <a:p>
+            <a:endParaRPr lang="en-US" dirty="0"/>
+          </a:p>
+          <a:p>
+            <a:r>
+              <a:rPr lang="en-US" dirty="0"/>
+              <a:t>On device node 7, I run the master and the remaining 6 devices are workers.</a:t>
+            </a:r>
+          </a:p>
+          <a:p>
+            <a:endParaRPr lang="en-US" dirty="0"/>
+          </a:p>
+          <a:p>
             <a:endParaRPr lang="en-US" dirty="0"/>
           </a:p>
         </p:txBody>
@@ -3031,7 +4259,7 @@
     </p:spTree>
     <p:extLst>
       <p:ext uri="{BB962C8B-B14F-4D97-AF65-F5344CB8AC3E}">
-        <p14:creationId xmlns:p14="http://schemas.microsoft.com/office/powerpoint/2010/main" val="995859425"/>
+        <p14:creationId xmlns:p14="http://schemas.microsoft.com/office/powerpoint/2010/main" val="1826576901"/>
       </p:ext>
     </p:extLst>
   </p:cSld>
@@ -3085,6 +4313,12 @@
           <a:bodyPr/>
           <a:lstStyle/>
           <a:p>
+            <a:r>
+              <a:rPr lang="en-US" dirty="0"/>
+              <a:t>Node numbers and names do not match up with the device numbers in this diagram.</a:t>
+            </a:r>
+          </a:p>
+          <a:p>
             <a:endParaRPr lang="en-US" dirty="0"/>
           </a:p>
         </p:txBody>
@@ -3115,7 +4349,7 @@
     </p:spTree>
     <p:extLst>
       <p:ext uri="{BB962C8B-B14F-4D97-AF65-F5344CB8AC3E}">
-        <p14:creationId xmlns:p14="http://schemas.microsoft.com/office/powerpoint/2010/main" val="3196346759"/>
+        <p14:creationId xmlns:p14="http://schemas.microsoft.com/office/powerpoint/2010/main" val="575078177"/>
       </p:ext>
     </p:extLst>
   </p:cSld>
@@ -3169,76 +4403,7 @@
           <a:bodyPr/>
           <a:lstStyle/>
           <a:p>
-            <a:r>
-              <a:rPr lang="en-US" dirty="0"/>
-              <a:t>This is pretty simple, I run NFD with my unique </a:t>
-            </a:r>
-            <a:r>
-              <a:rPr lang="en-US" dirty="0" err="1"/>
-              <a:t>configmap</a:t>
-            </a:r>
-            <a:r>
-              <a:rPr lang="en-US" dirty="0"/>
-              <a:t> and labeling happens.</a:t>
-            </a:r>
-          </a:p>
-          <a:p>
-            <a:r>
-              <a:rPr lang="en-US" dirty="0"/>
-              <a:t>There is one small issue.</a:t>
-            </a:r>
-          </a:p>
-          <a:p>
-            <a:r>
-              <a:rPr lang="en-US" dirty="0"/>
-              <a:t>Operations that are managing 100s or thousands of devices, also periodically add, remove or update their systems.</a:t>
-            </a:r>
-          </a:p>
-          <a:p>
-            <a:r>
-              <a:rPr lang="en-US" dirty="0"/>
-              <a:t>Now my </a:t>
-            </a:r>
-            <a:r>
-              <a:rPr lang="en-US" dirty="0" err="1"/>
-              <a:t>configmap</a:t>
-            </a:r>
-            <a:r>
-              <a:rPr lang="en-US" dirty="0"/>
-              <a:t> has to change accordingly or else I need to start managing multiple versions of it.</a:t>
-            </a:r>
-          </a:p>
-          <a:p>
-            <a:r>
-              <a:rPr lang="en-US" dirty="0"/>
-              <a:t>Which would you rather do:</a:t>
-            </a:r>
-          </a:p>
-          <a:p>
-            <a:r>
-              <a:rPr lang="en-US" dirty="0"/>
-              <a:t>Manage one config map or </a:t>
-            </a:r>
-          </a:p>
-          <a:p>
-            <a:r>
-              <a:rPr lang="en-US" dirty="0"/>
-              <a:t>Manage the management of multiple </a:t>
-            </a:r>
-            <a:r>
-              <a:rPr lang="en-US" dirty="0" err="1"/>
-              <a:t>configmaps</a:t>
-            </a:r>
-            <a:r>
-              <a:rPr lang="en-US" dirty="0"/>
-              <a:t>.</a:t>
-            </a:r>
-          </a:p>
-          <a:p>
-            <a:r>
-              <a:rPr lang="en-US" dirty="0"/>
-              <a:t>To illustrate why I’m asking this question, let’s do a quick review of edge architectures.</a:t>
-            </a:r>
+            <a:endParaRPr lang="en-US" dirty="0"/>
           </a:p>
         </p:txBody>
       </p:sp>
@@ -3259,7 +4424,7 @@
           <a:p>
             <a:fld id="{24C3BB9B-1652-6142-95CE-EACF6A735017}" type="slidenum">
               <a:rPr lang="en-US" smtClean="0"/>
-              <a:t>12</a:t>
+              <a:t>11</a:t>
             </a:fld>
             <a:endParaRPr lang="en-US"/>
           </a:p>
@@ -3268,7 +4433,7 @@
     </p:spTree>
     <p:extLst>
       <p:ext uri="{BB962C8B-B14F-4D97-AF65-F5344CB8AC3E}">
-        <p14:creationId xmlns:p14="http://schemas.microsoft.com/office/powerpoint/2010/main" val="4030414243"/>
+        <p14:creationId xmlns:p14="http://schemas.microsoft.com/office/powerpoint/2010/main" val="2010193963"/>
       </p:ext>
     </p:extLst>
   </p:cSld>
@@ -3386,7 +4551,7 @@
           <a:p>
             <a:fld id="{55B1F604-BC3A-7249-8689-657AF7B88D6C}" type="datetimeFigureOut">
               <a:rPr lang="en-US" smtClean="0"/>
-              <a:t>3/24/21</a:t>
+              <a:t>3/27/21</a:t>
             </a:fld>
             <a:endParaRPr lang="en-US"/>
           </a:p>
@@ -3697,7 +4862,7 @@
           <a:p>
             <a:fld id="{55B1F604-BC3A-7249-8689-657AF7B88D6C}" type="datetimeFigureOut">
               <a:rPr lang="en-US" smtClean="0"/>
-              <a:t>3/24/21</a:t>
+              <a:t>3/27/21</a:t>
             </a:fld>
             <a:endParaRPr lang="en-US"/>
           </a:p>
@@ -3985,7 +5150,7 @@
           <a:p>
             <a:fld id="{55B1F604-BC3A-7249-8689-657AF7B88D6C}" type="datetimeFigureOut">
               <a:rPr lang="en-US" smtClean="0"/>
-              <a:t>3/24/21</a:t>
+              <a:t>3/27/21</a:t>
             </a:fld>
             <a:endParaRPr lang="en-US"/>
           </a:p>
@@ -4183,7 +5348,7 @@
           <a:p>
             <a:fld id="{55B1F604-BC3A-7249-8689-657AF7B88D6C}" type="datetimeFigureOut">
               <a:rPr lang="en-US" smtClean="0"/>
-              <a:t>3/24/21</a:t>
+              <a:t>3/27/21</a:t>
             </a:fld>
             <a:endParaRPr lang="en-US"/>
           </a:p>
@@ -4391,7 +5556,7 @@
           <a:p>
             <a:fld id="{55B1F604-BC3A-7249-8689-657AF7B88D6C}" type="datetimeFigureOut">
               <a:rPr lang="en-US" smtClean="0"/>
-              <a:t>3/24/21</a:t>
+              <a:t>3/27/21</a:t>
             </a:fld>
             <a:endParaRPr lang="en-US"/>
           </a:p>
@@ -5519,7 +6684,7 @@
           <a:p>
             <a:fld id="{55B1F604-BC3A-7249-8689-657AF7B88D6C}" type="datetimeFigureOut">
               <a:rPr lang="en-US" smtClean="0"/>
-              <a:t>3/24/21</a:t>
+              <a:t>3/27/21</a:t>
             </a:fld>
             <a:endParaRPr lang="en-US"/>
           </a:p>
@@ -5784,7 +6949,7 @@
           <a:p>
             <a:fld id="{55B1F604-BC3A-7249-8689-657AF7B88D6C}" type="datetimeFigureOut">
               <a:rPr lang="en-US" smtClean="0"/>
-              <a:t>3/24/21</a:t>
+              <a:t>3/27/21</a:t>
             </a:fld>
             <a:endParaRPr lang="en-US"/>
           </a:p>
@@ -6196,7 +7361,7 @@
           <a:p>
             <a:fld id="{55B1F604-BC3A-7249-8689-657AF7B88D6C}" type="datetimeFigureOut">
               <a:rPr lang="en-US" smtClean="0"/>
-              <a:t>3/24/21</a:t>
+              <a:t>3/27/21</a:t>
             </a:fld>
             <a:endParaRPr lang="en-US"/>
           </a:p>
@@ -6337,7 +7502,7 @@
           <a:p>
             <a:fld id="{55B1F604-BC3A-7249-8689-657AF7B88D6C}" type="datetimeFigureOut">
               <a:rPr lang="en-US" smtClean="0"/>
-              <a:t>3/24/21</a:t>
+              <a:t>3/27/21</a:t>
             </a:fld>
             <a:endParaRPr lang="en-US"/>
           </a:p>
@@ -6578,7 +7743,7 @@
           <a:p>
             <a:fld id="{55B1F604-BC3A-7249-8689-657AF7B88D6C}" type="datetimeFigureOut">
               <a:rPr lang="en-US" smtClean="0"/>
-              <a:t>3/24/21</a:t>
+              <a:t>3/27/21</a:t>
             </a:fld>
             <a:endParaRPr lang="en-US"/>
           </a:p>
@@ -7030,10 +8195,10 @@
       </p:grpSpPr>
       <p:sp>
         <p:nvSpPr>
-          <p:cNvPr id="2" name="Vertical Text Placeholder 1">
-            <a:extLst>
-              <a:ext uri="{FF2B5EF4-FFF2-40B4-BE49-F238E27FC236}">
-                <a16:creationId xmlns:a16="http://schemas.microsoft.com/office/drawing/2014/main" id="{58DD0272-D8B6-D04A-A524-3608B6EB5490}"/>
+          <p:cNvPr id="5" name="Title 4">
+            <a:extLst>
+              <a:ext uri="{FF2B5EF4-FFF2-40B4-BE49-F238E27FC236}">
+                <a16:creationId xmlns:a16="http://schemas.microsoft.com/office/drawing/2014/main" id="{44E7DD98-FF12-FA40-B1B4-09574C9E64D7}"/>
               </a:ext>
             </a:extLst>
           </p:cNvPr>
@@ -7041,7 +8206,7 @@
             <a:spLocks noGrp="1"/>
           </p:cNvSpPr>
           <p:nvPr>
-            <p:ph type="body" orient="vert" idx="1"/>
+            <p:ph type="title"/>
           </p:nvPr>
         </p:nvSpPr>
         <p:spPr/>
@@ -7051,38 +8216,147 @@
           <a:p>
             <a:r>
               <a:rPr lang="en-US" dirty="0"/>
-              <a:t>Operations team responsibilities</a:t>
+              <a:t>Demo Infrastructure - </a:t>
+            </a:r>
+            <a:r>
+              <a:rPr lang="en-US" dirty="0" err="1"/>
+              <a:t>turingpi</a:t>
+            </a:r>
+            <a:r>
+              <a:rPr lang="en-US" dirty="0"/>
+              <a:t> v1</a:t>
+            </a:r>
+          </a:p>
+        </p:txBody>
+      </p:sp>
+      <p:sp>
+        <p:nvSpPr>
+          <p:cNvPr id="8" name="Content Placeholder 7">
+            <a:extLst>
+              <a:ext uri="{FF2B5EF4-FFF2-40B4-BE49-F238E27FC236}">
+                <a16:creationId xmlns:a16="http://schemas.microsoft.com/office/drawing/2014/main" id="{6FA5C5CE-835C-1D4B-B678-2258B99F1AEF}"/>
+              </a:ext>
+            </a:extLst>
+          </p:cNvPr>
+          <p:cNvSpPr>
+            <a:spLocks noGrp="1"/>
+          </p:cNvSpPr>
+          <p:nvPr>
+            <p:ph sz="half" idx="1"/>
+          </p:nvPr>
+        </p:nvSpPr>
+        <p:spPr/>
+        <p:txBody>
+          <a:bodyPr>
+            <a:normAutofit lnSpcReduction="10000"/>
+          </a:bodyPr>
+          <a:lstStyle/>
+          <a:p>
+            <a:r>
+              <a:rPr lang="en-US" dirty="0">
+                <a:solidFill>
+                  <a:srgbClr val="FF0000"/>
+                </a:solidFill>
+              </a:rPr>
+              <a:t>7 </a:t>
+            </a:r>
+            <a:r>
+              <a:rPr lang="en-US" dirty="0" err="1">
+                <a:solidFill>
+                  <a:srgbClr val="FF0000"/>
+                </a:solidFill>
+              </a:rPr>
+              <a:t>RaspberryPi</a:t>
+            </a:r>
+            <a:r>
+              <a:rPr lang="en-US" dirty="0">
+                <a:solidFill>
+                  <a:srgbClr val="FF0000"/>
+                </a:solidFill>
+              </a:rPr>
+              <a:t> CM3+ modules</a:t>
             </a:r>
           </a:p>
           <a:p>
             <a:pPr lvl="1"/>
             <a:r>
-              <a:rPr lang="en-US" dirty="0"/>
-              <a:t>Know your devices</a:t>
+              <a:rPr lang="en-US" dirty="0">
+                <a:solidFill>
+                  <a:srgbClr val="FF0000"/>
+                </a:solidFill>
+              </a:rPr>
+              <a:t>1GB RAM</a:t>
             </a:r>
           </a:p>
           <a:p>
             <a:pPr lvl="1"/>
             <a:r>
-              <a:rPr lang="en-US" dirty="0"/>
-              <a:t>Create configuration defining known resources</a:t>
+              <a:rPr lang="en-US" dirty="0">
+                <a:solidFill>
+                  <a:srgbClr val="FF0000"/>
+                </a:solidFill>
+              </a:rPr>
+              <a:t>4 CPU</a:t>
+            </a:r>
+          </a:p>
+          <a:p>
+            <a:r>
+              <a:rPr lang="en-US" dirty="0"/>
+              <a:t>8 USB ports</a:t>
             </a:r>
           </a:p>
           <a:p>
             <a:pPr lvl="1"/>
             <a:r>
               <a:rPr lang="en-US" dirty="0"/>
-              <a:t>NFD does the rest</a:t>
-            </a:r>
-          </a:p>
-        </p:txBody>
-      </p:sp>
-      <p:sp>
-        <p:nvSpPr>
-          <p:cNvPr id="3" name="Title 2">
-            <a:extLst>
-              <a:ext uri="{FF2B5EF4-FFF2-40B4-BE49-F238E27FC236}">
-                <a16:creationId xmlns:a16="http://schemas.microsoft.com/office/drawing/2014/main" id="{F97EBA32-0B1F-B247-B5C5-3107826B5E44}"/>
+              <a:t>Map to only 4 devices</a:t>
+            </a:r>
+          </a:p>
+          <a:p>
+            <a:r>
+              <a:rPr lang="en-US" dirty="0"/>
+              <a:t>I2C interface </a:t>
+            </a:r>
+          </a:p>
+          <a:p>
+            <a:pPr lvl="1"/>
+            <a:r>
+              <a:rPr lang="en-US" dirty="0"/>
+              <a:t>Maps to all devices</a:t>
+            </a:r>
+          </a:p>
+          <a:p>
+            <a:pPr lvl="1"/>
+            <a:r>
+              <a:rPr lang="en-US" dirty="0"/>
+              <a:t>Communication between devices</a:t>
+            </a:r>
+          </a:p>
+          <a:p>
+            <a:r>
+              <a:rPr lang="en-US" dirty="0"/>
+              <a:t>GPIO </a:t>
+            </a:r>
+          </a:p>
+          <a:p>
+            <a:pPr lvl="1"/>
+            <a:r>
+              <a:rPr lang="en-US" dirty="0"/>
+              <a:t>40 pins for each device</a:t>
+            </a:r>
+          </a:p>
+          <a:p>
+            <a:pPr lvl="1"/>
+            <a:endParaRPr lang="en-US" dirty="0"/>
+          </a:p>
+        </p:txBody>
+      </p:sp>
+      <p:sp>
+        <p:nvSpPr>
+          <p:cNvPr id="9" name="Content Placeholder 8">
+            <a:extLst>
+              <a:ext uri="{FF2B5EF4-FFF2-40B4-BE49-F238E27FC236}">
+                <a16:creationId xmlns:a16="http://schemas.microsoft.com/office/drawing/2014/main" id="{6730BE8A-6D5B-5C49-A152-22CEE19D0913}"/>
               </a:ext>
             </a:extLst>
           </p:cNvPr>
@@ -7090,7 +8364,7 @@
             <a:spLocks noGrp="1"/>
           </p:cNvSpPr>
           <p:nvPr>
-            <p:ph type="title"/>
+            <p:ph sz="half" idx="2"/>
           </p:nvPr>
         </p:nvSpPr>
         <p:spPr/>
@@ -7098,17 +8372,456 @@
           <a:bodyPr/>
           <a:lstStyle/>
           <a:p>
-            <a:r>
-              <a:rPr lang="en-US" dirty="0"/>
-              <a:t>How does it work</a:t>
-            </a:r>
-          </a:p>
-        </p:txBody>
-      </p:sp>
+            <a:endParaRPr lang="en-US"/>
+          </a:p>
+        </p:txBody>
+      </p:sp>
+      <p:pic>
+        <p:nvPicPr>
+          <p:cNvPr id="7" name="Picture 2">
+            <a:extLst>
+              <a:ext uri="{FF2B5EF4-FFF2-40B4-BE49-F238E27FC236}">
+                <a16:creationId xmlns:a16="http://schemas.microsoft.com/office/drawing/2014/main" id="{0A9A330A-2AA1-974A-85EC-E936F89CB4DE}"/>
+              </a:ext>
+            </a:extLst>
+          </p:cNvPr>
+          <p:cNvPicPr>
+            <a:picLocks noChangeAspect="1" noChangeArrowheads="1"/>
+          </p:cNvPicPr>
+          <p:nvPr/>
+        </p:nvPicPr>
+        <p:blipFill>
+          <a:blip r:embed="rId3">
+            <a:extLst>
+              <a:ext uri="{28A0092B-C50C-407E-A947-70E740481C1C}">
+                <a14:useLocalDpi xmlns:a14="http://schemas.microsoft.com/office/drawing/2010/main" val="0"/>
+              </a:ext>
+            </a:extLst>
+          </a:blip>
+          <a:srcRect/>
+          <a:stretch>
+            <a:fillRect/>
+          </a:stretch>
+        </p:blipFill>
+        <p:spPr bwMode="auto">
+          <a:xfrm>
+            <a:off x="6125953" y="1680898"/>
+            <a:ext cx="5612994" cy="4640792"/>
+          </a:xfrm>
+          <a:prstGeom prst="rect">
+            <a:avLst/>
+          </a:prstGeom>
+          <a:noFill/>
+          <a:extLst>
+            <a:ext uri="{909E8E84-426E-40DD-AFC4-6F175D3DCCD1}">
+              <a14:hiddenFill xmlns:a14="http://schemas.microsoft.com/office/drawing/2010/main">
+                <a:solidFill>
+                  <a:srgbClr val="FFFFFF"/>
+                </a:solidFill>
+              </a14:hiddenFill>
+            </a:ext>
+          </a:extLst>
+        </p:spPr>
+      </p:pic>
+      <p:sp>
+        <p:nvSpPr>
+          <p:cNvPr id="10" name="Rectangle 9">
+            <a:extLst>
+              <a:ext uri="{FF2B5EF4-FFF2-40B4-BE49-F238E27FC236}">
+                <a16:creationId xmlns:a16="http://schemas.microsoft.com/office/drawing/2014/main" id="{CCF8DC52-451D-CA4F-A49B-D44981F444B9}"/>
+              </a:ext>
+            </a:extLst>
+          </p:cNvPr>
+          <p:cNvSpPr/>
+          <p:nvPr/>
+        </p:nvSpPr>
+        <p:spPr>
+          <a:xfrm>
+            <a:off x="7327726" y="2555310"/>
+            <a:ext cx="1402915" cy="2818356"/>
+          </a:xfrm>
+          <a:prstGeom prst="rect">
+            <a:avLst/>
+          </a:prstGeom>
+          <a:noFill/>
+          <a:ln w="28575">
+            <a:solidFill>
+              <a:srgbClr val="FF0000"/>
+            </a:solidFill>
+          </a:ln>
+        </p:spPr>
+        <p:style>
+          <a:lnRef idx="2">
+            <a:schemeClr val="accent1">
+              <a:shade val="50000"/>
+            </a:schemeClr>
+          </a:lnRef>
+          <a:fillRef idx="1">
+            <a:schemeClr val="accent1"/>
+          </a:fillRef>
+          <a:effectRef idx="0">
+            <a:schemeClr val="accent1"/>
+          </a:effectRef>
+          <a:fontRef idx="minor">
+            <a:schemeClr val="lt1"/>
+          </a:fontRef>
+        </p:style>
+        <p:txBody>
+          <a:bodyPr rtlCol="0" anchor="ctr"/>
+          <a:lstStyle/>
+          <a:p>
+            <a:pPr algn="ctr"/>
+            <a:endParaRPr lang="en-US"/>
+          </a:p>
+        </p:txBody>
+      </p:sp>
+      <p:sp>
+        <p:nvSpPr>
+          <p:cNvPr id="4" name="TextBox 3">
+            <a:extLst>
+              <a:ext uri="{FF2B5EF4-FFF2-40B4-BE49-F238E27FC236}">
+                <a16:creationId xmlns:a16="http://schemas.microsoft.com/office/drawing/2014/main" id="{7ACCF05F-8C69-314F-9D97-840381033B37}"/>
+              </a:ext>
+            </a:extLst>
+          </p:cNvPr>
+          <p:cNvSpPr txBox="1"/>
+          <p:nvPr/>
+        </p:nvSpPr>
+        <p:spPr>
+          <a:xfrm>
+            <a:off x="7441267" y="2965269"/>
+            <a:ext cx="453053" cy="369332"/>
+          </a:xfrm>
+          <a:prstGeom prst="rect">
+            <a:avLst/>
+          </a:prstGeom>
+          <a:noFill/>
+        </p:spPr>
+        <p:txBody>
+          <a:bodyPr wrap="square" rtlCol="0">
+            <a:spAutoFit/>
+          </a:bodyPr>
+          <a:lstStyle/>
+          <a:p>
+            <a:r>
+              <a:rPr lang="en-US" b="1" dirty="0">
+                <a:latin typeface="Arial Rounded MT Bold" panose="020F0704030504030204" pitchFamily="34" charset="77"/>
+              </a:rPr>
+              <a:t>1</a:t>
+            </a:r>
+          </a:p>
+        </p:txBody>
+      </p:sp>
+      <p:sp>
+        <p:nvSpPr>
+          <p:cNvPr id="13" name="TextBox 12">
+            <a:extLst>
+              <a:ext uri="{FF2B5EF4-FFF2-40B4-BE49-F238E27FC236}">
+                <a16:creationId xmlns:a16="http://schemas.microsoft.com/office/drawing/2014/main" id="{A8148EF3-E074-E04F-BB59-0ADB2EDF357C}"/>
+              </a:ext>
+            </a:extLst>
+          </p:cNvPr>
+          <p:cNvSpPr txBox="1"/>
+          <p:nvPr/>
+        </p:nvSpPr>
+        <p:spPr>
+          <a:xfrm>
+            <a:off x="7426554" y="3404661"/>
+            <a:ext cx="453053" cy="369332"/>
+          </a:xfrm>
+          <a:prstGeom prst="rect">
+            <a:avLst/>
+          </a:prstGeom>
+          <a:noFill/>
+        </p:spPr>
+        <p:txBody>
+          <a:bodyPr wrap="square" rtlCol="0">
+            <a:spAutoFit/>
+          </a:bodyPr>
+          <a:lstStyle/>
+          <a:p>
+            <a:r>
+              <a:rPr lang="en-US" b="1" dirty="0">
+                <a:latin typeface="Arial Rounded MT Bold" panose="020F0704030504030204" pitchFamily="34" charset="77"/>
+              </a:rPr>
+              <a:t>2</a:t>
+            </a:r>
+          </a:p>
+        </p:txBody>
+      </p:sp>
+      <p:sp>
+        <p:nvSpPr>
+          <p:cNvPr id="14" name="TextBox 13">
+            <a:extLst>
+              <a:ext uri="{FF2B5EF4-FFF2-40B4-BE49-F238E27FC236}">
+                <a16:creationId xmlns:a16="http://schemas.microsoft.com/office/drawing/2014/main" id="{0C227945-AF1B-BA4A-B45E-3C9336AD6474}"/>
+              </a:ext>
+            </a:extLst>
+          </p:cNvPr>
+          <p:cNvSpPr txBox="1"/>
+          <p:nvPr/>
+        </p:nvSpPr>
+        <p:spPr>
+          <a:xfrm>
+            <a:off x="7423254" y="3824724"/>
+            <a:ext cx="453053" cy="369332"/>
+          </a:xfrm>
+          <a:prstGeom prst="rect">
+            <a:avLst/>
+          </a:prstGeom>
+          <a:noFill/>
+        </p:spPr>
+        <p:txBody>
+          <a:bodyPr wrap="square" rtlCol="0">
+            <a:spAutoFit/>
+          </a:bodyPr>
+          <a:lstStyle/>
+          <a:p>
+            <a:r>
+              <a:rPr lang="en-US" b="1" dirty="0">
+                <a:latin typeface="Arial Rounded MT Bold" panose="020F0704030504030204" pitchFamily="34" charset="77"/>
+              </a:rPr>
+              <a:t>3</a:t>
+            </a:r>
+          </a:p>
+        </p:txBody>
+      </p:sp>
+      <p:sp>
+        <p:nvSpPr>
+          <p:cNvPr id="15" name="TextBox 14">
+            <a:extLst>
+              <a:ext uri="{FF2B5EF4-FFF2-40B4-BE49-F238E27FC236}">
+                <a16:creationId xmlns:a16="http://schemas.microsoft.com/office/drawing/2014/main" id="{D5A566FF-C0D8-2843-AFD4-977A08B9DF2F}"/>
+              </a:ext>
+            </a:extLst>
+          </p:cNvPr>
+          <p:cNvSpPr txBox="1"/>
+          <p:nvPr/>
+        </p:nvSpPr>
+        <p:spPr>
+          <a:xfrm>
+            <a:off x="7416654" y="4243880"/>
+            <a:ext cx="453053" cy="369332"/>
+          </a:xfrm>
+          <a:prstGeom prst="rect">
+            <a:avLst/>
+          </a:prstGeom>
+          <a:noFill/>
+        </p:spPr>
+        <p:txBody>
+          <a:bodyPr wrap="square" rtlCol="0">
+            <a:spAutoFit/>
+          </a:bodyPr>
+          <a:lstStyle/>
+          <a:p>
+            <a:r>
+              <a:rPr lang="en-US" b="1" dirty="0">
+                <a:latin typeface="Arial Rounded MT Bold" panose="020F0704030504030204" pitchFamily="34" charset="77"/>
+              </a:rPr>
+              <a:t>4</a:t>
+            </a:r>
+          </a:p>
+        </p:txBody>
+      </p:sp>
+      <p:sp>
+        <p:nvSpPr>
+          <p:cNvPr id="16" name="TextBox 15">
+            <a:extLst>
+              <a:ext uri="{FF2B5EF4-FFF2-40B4-BE49-F238E27FC236}">
+                <a16:creationId xmlns:a16="http://schemas.microsoft.com/office/drawing/2014/main" id="{2FF1688C-4613-7E4F-B765-8711CDFAB737}"/>
+              </a:ext>
+            </a:extLst>
+          </p:cNvPr>
+          <p:cNvSpPr txBox="1"/>
+          <p:nvPr/>
+        </p:nvSpPr>
+        <p:spPr>
+          <a:xfrm>
+            <a:off x="7416653" y="4645528"/>
+            <a:ext cx="453053" cy="369332"/>
+          </a:xfrm>
+          <a:prstGeom prst="rect">
+            <a:avLst/>
+          </a:prstGeom>
+          <a:noFill/>
+        </p:spPr>
+        <p:txBody>
+          <a:bodyPr wrap="square" rtlCol="0">
+            <a:spAutoFit/>
+          </a:bodyPr>
+          <a:lstStyle/>
+          <a:p>
+            <a:r>
+              <a:rPr lang="en-US" b="1" dirty="0">
+                <a:latin typeface="Arial Rounded MT Bold" panose="020F0704030504030204" pitchFamily="34" charset="77"/>
+              </a:rPr>
+              <a:t>5</a:t>
+            </a:r>
+          </a:p>
+        </p:txBody>
+      </p:sp>
+      <p:sp>
+        <p:nvSpPr>
+          <p:cNvPr id="17" name="TextBox 16">
+            <a:extLst>
+              <a:ext uri="{FF2B5EF4-FFF2-40B4-BE49-F238E27FC236}">
+                <a16:creationId xmlns:a16="http://schemas.microsoft.com/office/drawing/2014/main" id="{2C063C94-0DB7-044C-B94C-7C81E517D27A}"/>
+              </a:ext>
+            </a:extLst>
+          </p:cNvPr>
+          <p:cNvSpPr txBox="1"/>
+          <p:nvPr/>
+        </p:nvSpPr>
+        <p:spPr>
+          <a:xfrm>
+            <a:off x="7416652" y="5045404"/>
+            <a:ext cx="453053" cy="369332"/>
+          </a:xfrm>
+          <a:prstGeom prst="rect">
+            <a:avLst/>
+          </a:prstGeom>
+          <a:noFill/>
+        </p:spPr>
+        <p:txBody>
+          <a:bodyPr wrap="square" rtlCol="0">
+            <a:spAutoFit/>
+          </a:bodyPr>
+          <a:lstStyle/>
+          <a:p>
+            <a:r>
+              <a:rPr lang="en-US" b="1" dirty="0">
+                <a:latin typeface="Arial Rounded MT Bold" panose="020F0704030504030204" pitchFamily="34" charset="77"/>
+              </a:rPr>
+              <a:t>6</a:t>
+            </a:r>
+          </a:p>
+        </p:txBody>
+      </p:sp>
+      <p:sp>
+        <p:nvSpPr>
+          <p:cNvPr id="18" name="TextBox 17">
+            <a:extLst>
+              <a:ext uri="{FF2B5EF4-FFF2-40B4-BE49-F238E27FC236}">
+                <a16:creationId xmlns:a16="http://schemas.microsoft.com/office/drawing/2014/main" id="{E6AE443E-2CB7-5D45-93D4-B74FC4611612}"/>
+              </a:ext>
+            </a:extLst>
+          </p:cNvPr>
+          <p:cNvSpPr txBox="1"/>
+          <p:nvPr/>
+        </p:nvSpPr>
+        <p:spPr>
+          <a:xfrm>
+            <a:off x="7410052" y="2564507"/>
+            <a:ext cx="453053" cy="369332"/>
+          </a:xfrm>
+          <a:prstGeom prst="rect">
+            <a:avLst/>
+          </a:prstGeom>
+          <a:noFill/>
+        </p:spPr>
+        <p:txBody>
+          <a:bodyPr wrap="square" rtlCol="0">
+            <a:spAutoFit/>
+          </a:bodyPr>
+          <a:lstStyle/>
+          <a:p>
+            <a:r>
+              <a:rPr lang="en-US" b="1" dirty="0">
+                <a:latin typeface="Arial Rounded MT Bold" panose="020F0704030504030204" pitchFamily="34" charset="77"/>
+              </a:rPr>
+              <a:t>7</a:t>
+            </a:r>
+          </a:p>
+        </p:txBody>
+      </p:sp>
+      <p:sp>
+        <p:nvSpPr>
+          <p:cNvPr id="6" name="TextBox 5">
+            <a:extLst>
+              <a:ext uri="{FF2B5EF4-FFF2-40B4-BE49-F238E27FC236}">
+                <a16:creationId xmlns:a16="http://schemas.microsoft.com/office/drawing/2014/main" id="{2F3FEFE3-078F-0740-9219-D2E0FAA02D2F}"/>
+              </a:ext>
+            </a:extLst>
+          </p:cNvPr>
+          <p:cNvSpPr txBox="1"/>
+          <p:nvPr/>
+        </p:nvSpPr>
+        <p:spPr>
+          <a:xfrm>
+            <a:off x="4559144" y="3425056"/>
+            <a:ext cx="2455817" cy="369332"/>
+          </a:xfrm>
+          <a:prstGeom prst="rect">
+            <a:avLst/>
+          </a:prstGeom>
+          <a:noFill/>
+        </p:spPr>
+        <p:txBody>
+          <a:bodyPr wrap="square" rtlCol="0">
+            <a:spAutoFit/>
+          </a:bodyPr>
+          <a:lstStyle/>
+          <a:p>
+            <a:r>
+              <a:rPr lang="en-US" dirty="0">
+                <a:solidFill>
+                  <a:srgbClr val="FF0000"/>
+                </a:solidFill>
+              </a:rPr>
+              <a:t>Hostname: turingpi02</a:t>
+            </a:r>
+          </a:p>
+        </p:txBody>
+      </p:sp>
+      <p:cxnSp>
+        <p:nvCxnSpPr>
+          <p:cNvPr id="20" name="Straight Arrow Connector 19">
+            <a:extLst>
+              <a:ext uri="{FF2B5EF4-FFF2-40B4-BE49-F238E27FC236}">
+                <a16:creationId xmlns:a16="http://schemas.microsoft.com/office/drawing/2014/main" id="{94A51E52-F4D0-224B-A79E-462AB9430187}"/>
+              </a:ext>
+            </a:extLst>
+          </p:cNvPr>
+          <p:cNvCxnSpPr>
+            <a:cxnSpLocks/>
+            <a:endCxn id="13" idx="1"/>
+          </p:cNvCxnSpPr>
+          <p:nvPr/>
+        </p:nvCxnSpPr>
+        <p:spPr>
+          <a:xfrm flipV="1">
+            <a:off x="6714309" y="3589327"/>
+            <a:ext cx="712245" cy="20395"/>
+          </a:xfrm>
+          <a:prstGeom prst="straightConnector1">
+            <a:avLst/>
+          </a:prstGeom>
+          <a:ln w="19050">
+            <a:solidFill>
+              <a:srgbClr val="FF0000"/>
+            </a:solidFill>
+            <a:tailEnd type="triangle"/>
+          </a:ln>
+        </p:spPr>
+        <p:style>
+          <a:lnRef idx="1">
+            <a:schemeClr val="accent1"/>
+          </a:lnRef>
+          <a:fillRef idx="0">
+            <a:schemeClr val="accent1"/>
+          </a:fillRef>
+          <a:effectRef idx="0">
+            <a:schemeClr val="accent1"/>
+          </a:effectRef>
+          <a:fontRef idx="minor">
+            <a:schemeClr val="tx1"/>
+          </a:fontRef>
+        </p:style>
+      </p:cxnSp>
     </p:spTree>
     <p:extLst>
       <p:ext uri="{BB962C8B-B14F-4D97-AF65-F5344CB8AC3E}">
-        <p14:creationId xmlns:p14="http://schemas.microsoft.com/office/powerpoint/2010/main" val="4177748528"/>
+        <p14:creationId xmlns:p14="http://schemas.microsoft.com/office/powerpoint/2010/main" val="3595729734"/>
       </p:ext>
     </p:extLst>
   </p:cSld>
@@ -7137,10 +8850,10 @@
       </p:grpSpPr>
       <p:sp>
         <p:nvSpPr>
-          <p:cNvPr id="2" name="Vertical Text Placeholder 1">
-            <a:extLst>
-              <a:ext uri="{FF2B5EF4-FFF2-40B4-BE49-F238E27FC236}">
-                <a16:creationId xmlns:a16="http://schemas.microsoft.com/office/drawing/2014/main" id="{9491FDD2-60BA-5E43-9A3C-BB5A27E403DC}"/>
+          <p:cNvPr id="5" name="Title 4">
+            <a:extLst>
+              <a:ext uri="{FF2B5EF4-FFF2-40B4-BE49-F238E27FC236}">
+                <a16:creationId xmlns:a16="http://schemas.microsoft.com/office/drawing/2014/main" id="{44E7DD98-FF12-FA40-B1B4-09574C9E64D7}"/>
               </a:ext>
             </a:extLst>
           </p:cNvPr>
@@ -7148,7 +8861,7 @@
             <a:spLocks noGrp="1"/>
           </p:cNvSpPr>
           <p:nvPr>
-            <p:ph type="body" orient="vert" idx="1"/>
+            <p:ph type="title"/>
           </p:nvPr>
         </p:nvSpPr>
         <p:spPr/>
@@ -7158,73 +8871,135 @@
           <a:p>
             <a:r>
               <a:rPr lang="en-US" dirty="0"/>
-              <a:t>CRDs</a:t>
+              <a:t>Demo Infrastructure - </a:t>
+            </a:r>
+            <a:r>
+              <a:rPr lang="en-US" dirty="0" err="1"/>
+              <a:t>turingpi</a:t>
+            </a:r>
+            <a:r>
+              <a:rPr lang="en-US" dirty="0"/>
+              <a:t> v1</a:t>
+            </a:r>
+          </a:p>
+        </p:txBody>
+      </p:sp>
+      <p:sp>
+        <p:nvSpPr>
+          <p:cNvPr id="8" name="Content Placeholder 7">
+            <a:extLst>
+              <a:ext uri="{FF2B5EF4-FFF2-40B4-BE49-F238E27FC236}">
+                <a16:creationId xmlns:a16="http://schemas.microsoft.com/office/drawing/2014/main" id="{6FA5C5CE-835C-1D4B-B678-2258B99F1AEF}"/>
+              </a:ext>
+            </a:extLst>
+          </p:cNvPr>
+          <p:cNvSpPr>
+            <a:spLocks noGrp="1"/>
+          </p:cNvSpPr>
+          <p:nvPr>
+            <p:ph sz="half" idx="1"/>
+          </p:nvPr>
+        </p:nvSpPr>
+        <p:spPr/>
+        <p:txBody>
+          <a:bodyPr>
+            <a:normAutofit lnSpcReduction="10000"/>
+          </a:bodyPr>
+          <a:lstStyle/>
+          <a:p>
+            <a:r>
+              <a:rPr lang="en-US" dirty="0"/>
+              <a:t>7 </a:t>
+            </a:r>
+            <a:r>
+              <a:rPr lang="en-US" dirty="0" err="1"/>
+              <a:t>RaspberryPi</a:t>
+            </a:r>
+            <a:r>
+              <a:rPr lang="en-US" dirty="0"/>
+              <a:t> CM3+ modules</a:t>
             </a:r>
           </a:p>
           <a:p>
             <a:pPr lvl="1"/>
             <a:r>
               <a:rPr lang="en-US" dirty="0"/>
-              <a:t>K8s templates (</a:t>
-            </a:r>
-            <a:r>
-              <a:rPr lang="en-US" dirty="0" err="1"/>
-              <a:t>yaml</a:t>
-            </a:r>
-            <a:r>
-              <a:rPr lang="en-US" dirty="0"/>
-              <a:t> config)</a:t>
+              <a:t>1GB RAM</a:t>
             </a:r>
           </a:p>
           <a:p>
             <a:pPr lvl="1"/>
             <a:r>
               <a:rPr lang="en-US" dirty="0"/>
-              <a:t>Helm Chart</a:t>
+              <a:t>4 CPU</a:t>
+            </a:r>
+          </a:p>
+          <a:p>
+            <a:r>
+              <a:rPr lang="en-US" dirty="0">
+                <a:solidFill>
+                  <a:srgbClr val="FF0000"/>
+                </a:solidFill>
+              </a:rPr>
+              <a:t>8 USB ports</a:t>
             </a:r>
           </a:p>
           <a:p>
             <a:pPr lvl="1"/>
             <a:r>
-              <a:rPr lang="en-US" dirty="0"/>
-              <a:t>Operator </a:t>
-            </a:r>
-          </a:p>
-          <a:p>
-            <a:r>
-              <a:rPr lang="en-US" dirty="0"/>
-              <a:t>NFD does what it does based on a </a:t>
-            </a:r>
-            <a:r>
-              <a:rPr lang="en-US" dirty="0" err="1"/>
-              <a:t>configmap</a:t>
-            </a:r>
+              <a:rPr lang="en-US" dirty="0">
+                <a:solidFill>
+                  <a:srgbClr val="FF0000"/>
+                </a:solidFill>
+              </a:rPr>
+              <a:t>Map to only 4 devices</a:t>
+            </a:r>
+          </a:p>
+          <a:p>
+            <a:r>
+              <a:rPr lang="en-US" dirty="0"/>
+              <a:t>I2C interface </a:t>
+            </a:r>
+          </a:p>
+          <a:p>
+            <a:pPr lvl="1"/>
+            <a:r>
+              <a:rPr lang="en-US" dirty="0"/>
+              <a:t>Maps to all devices</a:t>
+            </a:r>
+          </a:p>
+          <a:p>
+            <a:pPr lvl="1"/>
+            <a:r>
+              <a:rPr lang="en-US" dirty="0"/>
+              <a:t>Communication between devices</a:t>
+            </a:r>
+          </a:p>
+          <a:p>
+            <a:r>
+              <a:rPr lang="en-US" dirty="0"/>
+              <a:t>GPIO </a:t>
+            </a:r>
+          </a:p>
+          <a:p>
+            <a:pPr lvl="1"/>
+            <a:r>
+              <a:rPr lang="en-US" dirty="0"/>
+              <a:t>40 pins for each device</a:t>
+            </a:r>
+          </a:p>
+          <a:p>
+            <a:pPr lvl="1"/>
             <a:endParaRPr lang="en-US" dirty="0"/>
           </a:p>
-          <a:p>
-            <a:r>
-              <a:rPr lang="en-US" dirty="0" err="1"/>
-              <a:t>Configmap</a:t>
-            </a:r>
-            <a:r>
-              <a:rPr lang="en-US" dirty="0"/>
-              <a:t> is the key to the labeling</a:t>
-            </a:r>
-          </a:p>
-          <a:p>
-            <a:pPr marL="457200" lvl="1" indent="0">
-              <a:buNone/>
-            </a:pPr>
-            <a:endParaRPr lang="en-US" dirty="0"/>
-          </a:p>
-        </p:txBody>
-      </p:sp>
-      <p:sp>
-        <p:nvSpPr>
-          <p:cNvPr id="3" name="Title 2">
-            <a:extLst>
-              <a:ext uri="{FF2B5EF4-FFF2-40B4-BE49-F238E27FC236}">
-                <a16:creationId xmlns:a16="http://schemas.microsoft.com/office/drawing/2014/main" id="{32E262E6-D925-6641-9F94-BF696BD7F1BC}"/>
+        </p:txBody>
+      </p:sp>
+      <p:sp>
+        <p:nvSpPr>
+          <p:cNvPr id="9" name="Content Placeholder 8">
+            <a:extLst>
+              <a:ext uri="{FF2B5EF4-FFF2-40B4-BE49-F238E27FC236}">
+                <a16:creationId xmlns:a16="http://schemas.microsoft.com/office/drawing/2014/main" id="{6730BE8A-6D5B-5C49-A152-22CEE19D0913}"/>
               </a:ext>
             </a:extLst>
           </p:cNvPr>
@@ -7232,7 +9007,7 @@
             <a:spLocks noGrp="1"/>
           </p:cNvSpPr>
           <p:nvPr>
-            <p:ph type="title"/>
+            <p:ph sz="half" idx="2"/>
           </p:nvPr>
         </p:nvSpPr>
         <p:spPr/>
@@ -7240,17 +9015,113 @@
           <a:bodyPr/>
           <a:lstStyle/>
           <a:p>
-            <a:r>
-              <a:rPr lang="en-US" dirty="0"/>
-              <a:t>Let’s Deploy NFD</a:t>
-            </a:r>
+            <a:endParaRPr lang="en-US"/>
+          </a:p>
+        </p:txBody>
+      </p:sp>
+      <p:pic>
+        <p:nvPicPr>
+          <p:cNvPr id="7" name="Picture 2">
+            <a:extLst>
+              <a:ext uri="{FF2B5EF4-FFF2-40B4-BE49-F238E27FC236}">
+                <a16:creationId xmlns:a16="http://schemas.microsoft.com/office/drawing/2014/main" id="{0A9A330A-2AA1-974A-85EC-E936F89CB4DE}"/>
+              </a:ext>
+            </a:extLst>
+          </p:cNvPr>
+          <p:cNvPicPr>
+            <a:picLocks noChangeAspect="1" noChangeArrowheads="1"/>
+          </p:cNvPicPr>
+          <p:nvPr/>
+        </p:nvPicPr>
+        <p:blipFill>
+          <a:blip r:embed="rId3">
+            <a:extLst>
+              <a:ext uri="{28A0092B-C50C-407E-A947-70E740481C1C}">
+                <a14:useLocalDpi xmlns:a14="http://schemas.microsoft.com/office/drawing/2010/main" val="0"/>
+              </a:ext>
+            </a:extLst>
+          </a:blip>
+          <a:srcRect/>
+          <a:stretch>
+            <a:fillRect/>
+          </a:stretch>
+        </p:blipFill>
+        <p:spPr bwMode="auto">
+          <a:xfrm>
+            <a:off x="6125953" y="1680898"/>
+            <a:ext cx="5612994" cy="4640792"/>
+          </a:xfrm>
+          <a:prstGeom prst="rect">
+            <a:avLst/>
+          </a:prstGeom>
+          <a:noFill/>
+          <a:extLst>
+            <a:ext uri="{909E8E84-426E-40DD-AFC4-6F175D3DCCD1}">
+              <a14:hiddenFill xmlns:a14="http://schemas.microsoft.com/office/drawing/2010/main">
+                <a:solidFill>
+                  <a:srgbClr val="FFFFFF"/>
+                </a:solidFill>
+              </a14:hiddenFill>
+            </a:ext>
+          </a:extLst>
+        </p:spPr>
+      </p:pic>
+      <p:sp>
+        <p:nvSpPr>
+          <p:cNvPr id="10" name="Rectangle 9">
+            <a:extLst>
+              <a:ext uri="{FF2B5EF4-FFF2-40B4-BE49-F238E27FC236}">
+                <a16:creationId xmlns:a16="http://schemas.microsoft.com/office/drawing/2014/main" id="{CCF8DC52-451D-CA4F-A49B-D44981F444B9}"/>
+              </a:ext>
+            </a:extLst>
+          </p:cNvPr>
+          <p:cNvSpPr/>
+          <p:nvPr/>
+        </p:nvSpPr>
+        <p:spPr>
+          <a:xfrm>
+            <a:off x="10143458" y="3620022"/>
+            <a:ext cx="1595489" cy="1653436"/>
+          </a:xfrm>
+          <a:prstGeom prst="rect">
+            <a:avLst/>
+          </a:prstGeom>
+          <a:noFill/>
+          <a:ln w="28575">
+            <a:solidFill>
+              <a:srgbClr val="FF0000"/>
+            </a:solidFill>
+          </a:ln>
+        </p:spPr>
+        <p:style>
+          <a:lnRef idx="2">
+            <a:schemeClr val="accent1">
+              <a:shade val="50000"/>
+            </a:schemeClr>
+          </a:lnRef>
+          <a:fillRef idx="1">
+            <a:schemeClr val="accent1"/>
+          </a:fillRef>
+          <a:effectRef idx="0">
+            <a:schemeClr val="accent1"/>
+          </a:effectRef>
+          <a:fontRef idx="minor">
+            <a:schemeClr val="lt1"/>
+          </a:fontRef>
+        </p:style>
+        <p:txBody>
+          <a:bodyPr rtlCol="0" anchor="ctr"/>
+          <a:lstStyle/>
+          <a:p>
+            <a:pPr algn="ctr"/>
+            <a:endParaRPr lang="en-US"/>
           </a:p>
         </p:txBody>
       </p:sp>
     </p:spTree>
     <p:extLst>
       <p:ext uri="{BB962C8B-B14F-4D97-AF65-F5344CB8AC3E}">
-        <p14:creationId xmlns:p14="http://schemas.microsoft.com/office/powerpoint/2010/main" val="1653445921"/>
+        <p14:creationId xmlns:p14="http://schemas.microsoft.com/office/powerpoint/2010/main" val="1901731817"/>
       </p:ext>
     </p:extLst>
   </p:cSld>
@@ -7279,10 +9150,10 @@
       </p:grpSpPr>
       <p:sp>
         <p:nvSpPr>
-          <p:cNvPr id="2" name="Vertical Text Placeholder 1">
-            <a:extLst>
-              <a:ext uri="{FF2B5EF4-FFF2-40B4-BE49-F238E27FC236}">
-                <a16:creationId xmlns:a16="http://schemas.microsoft.com/office/drawing/2014/main" id="{9491FDD2-60BA-5E43-9A3C-BB5A27E403DC}"/>
+          <p:cNvPr id="5" name="Title 4">
+            <a:extLst>
+              <a:ext uri="{FF2B5EF4-FFF2-40B4-BE49-F238E27FC236}">
+                <a16:creationId xmlns:a16="http://schemas.microsoft.com/office/drawing/2014/main" id="{44E7DD98-FF12-FA40-B1B4-09574C9E64D7}"/>
               </a:ext>
             </a:extLst>
           </p:cNvPr>
@@ -7290,7 +9161,7 @@
             <a:spLocks noGrp="1"/>
           </p:cNvSpPr>
           <p:nvPr>
-            <p:ph type="body" orient="vert" idx="1"/>
+            <p:ph type="title"/>
           </p:nvPr>
         </p:nvSpPr>
         <p:spPr/>
@@ -7298,19 +9169,137 @@
           <a:bodyPr/>
           <a:lstStyle/>
           <a:p>
-            <a:pPr marL="0" indent="0">
-              <a:buNone/>
-            </a:pPr>
+            <a:r>
+              <a:rPr lang="en-US" dirty="0"/>
+              <a:t>Demo Infrastructure - </a:t>
+            </a:r>
+            <a:r>
+              <a:rPr lang="en-US" dirty="0" err="1"/>
+              <a:t>turingpi</a:t>
+            </a:r>
+            <a:r>
+              <a:rPr lang="en-US" dirty="0"/>
+              <a:t> v1</a:t>
+            </a:r>
+          </a:p>
+        </p:txBody>
+      </p:sp>
+      <p:sp>
+        <p:nvSpPr>
+          <p:cNvPr id="8" name="Content Placeholder 7">
+            <a:extLst>
+              <a:ext uri="{FF2B5EF4-FFF2-40B4-BE49-F238E27FC236}">
+                <a16:creationId xmlns:a16="http://schemas.microsoft.com/office/drawing/2014/main" id="{6FA5C5CE-835C-1D4B-B678-2258B99F1AEF}"/>
+              </a:ext>
+            </a:extLst>
+          </p:cNvPr>
+          <p:cNvSpPr>
+            <a:spLocks noGrp="1"/>
+          </p:cNvSpPr>
+          <p:nvPr>
+            <p:ph sz="half" idx="1"/>
+          </p:nvPr>
+        </p:nvSpPr>
+        <p:spPr/>
+        <p:txBody>
+          <a:bodyPr>
+            <a:normAutofit lnSpcReduction="10000"/>
+          </a:bodyPr>
+          <a:lstStyle/>
+          <a:p>
+            <a:r>
+              <a:rPr lang="en-US" dirty="0"/>
+              <a:t>7 </a:t>
+            </a:r>
+            <a:r>
+              <a:rPr lang="en-US" dirty="0" err="1"/>
+              <a:t>RaspberryPi</a:t>
+            </a:r>
+            <a:r>
+              <a:rPr lang="en-US" dirty="0"/>
+              <a:t> CM3+ modules</a:t>
+            </a:r>
+          </a:p>
+          <a:p>
+            <a:pPr lvl="1"/>
+            <a:r>
+              <a:rPr lang="en-US" dirty="0"/>
+              <a:t>1GB RAM</a:t>
+            </a:r>
+          </a:p>
+          <a:p>
+            <a:pPr lvl="1"/>
+            <a:r>
+              <a:rPr lang="en-US" dirty="0"/>
+              <a:t>4 CPU</a:t>
+            </a:r>
+          </a:p>
+          <a:p>
+            <a:r>
+              <a:rPr lang="en-US" dirty="0">
+                <a:solidFill>
+                  <a:srgbClr val="FF0000"/>
+                </a:solidFill>
+              </a:rPr>
+              <a:t>8 USB ports</a:t>
+            </a:r>
+          </a:p>
+          <a:p>
+            <a:pPr lvl="1"/>
+            <a:r>
+              <a:rPr lang="en-US" dirty="0">
+                <a:solidFill>
+                  <a:srgbClr val="FF0000"/>
+                </a:solidFill>
+              </a:rPr>
+              <a:t>Map to only 4 devices</a:t>
+            </a:r>
+          </a:p>
+          <a:p>
+            <a:r>
+              <a:rPr lang="en-US" dirty="0"/>
+              <a:t>I2C interface </a:t>
+            </a:r>
+          </a:p>
+          <a:p>
+            <a:pPr lvl="1"/>
+            <a:r>
+              <a:rPr lang="en-US" dirty="0"/>
+              <a:t>Maps to all devices</a:t>
+            </a:r>
+          </a:p>
+          <a:p>
+            <a:pPr lvl="1"/>
+            <a:r>
+              <a:rPr lang="en-US" dirty="0"/>
+              <a:t>Communication between devices</a:t>
+            </a:r>
+          </a:p>
+          <a:p>
+            <a:r>
+              <a:rPr lang="en-US" dirty="0"/>
+              <a:t>GPIO </a:t>
+            </a:r>
+          </a:p>
+          <a:p>
+            <a:pPr lvl="1"/>
+            <a:r>
+              <a:rPr lang="en-US" dirty="0"/>
+              <a:t>40 pins for each device</a:t>
+            </a:r>
+          </a:p>
+          <a:p>
+            <a:pPr lvl="1"/>
             <a:endParaRPr lang="en-US" dirty="0"/>
           </a:p>
         </p:txBody>
       </p:sp>
       <p:sp>
         <p:nvSpPr>
-          <p:cNvPr id="3" name="Title 2">
-            <a:extLst>
-              <a:ext uri="{FF2B5EF4-FFF2-40B4-BE49-F238E27FC236}">
-                <a16:creationId xmlns:a16="http://schemas.microsoft.com/office/drawing/2014/main" id="{32E262E6-D925-6641-9F94-BF696BD7F1BC}"/>
+          <p:cNvPr id="9" name="Content Placeholder 8">
+            <a:extLst>
+              <a:ext uri="{FF2B5EF4-FFF2-40B4-BE49-F238E27FC236}">
+                <a16:creationId xmlns:a16="http://schemas.microsoft.com/office/drawing/2014/main" id="{6730BE8A-6D5B-5C49-A152-22CEE19D0913}"/>
               </a:ext>
             </a:extLst>
           </p:cNvPr>
@@ -7318,7 +9307,7 @@
             <a:spLocks noGrp="1"/>
           </p:cNvSpPr>
           <p:nvPr>
-            <p:ph type="title"/>
+            <p:ph sz="half" idx="2"/>
           </p:nvPr>
         </p:nvSpPr>
         <p:spPr/>
@@ -7326,22 +9315,212 @@
           <a:bodyPr/>
           <a:lstStyle/>
           <a:p>
-            <a:r>
-              <a:rPr lang="en-US" dirty="0"/>
-              <a:t>Example </a:t>
-            </a:r>
-            <a:r>
-              <a:rPr lang="en-US" dirty="0" err="1"/>
-              <a:t>ConfigMap</a:t>
-            </a:r>
-            <a:endParaRPr lang="en-US" dirty="0"/>
+            <a:endParaRPr lang="en-US"/>
+          </a:p>
+        </p:txBody>
+      </p:sp>
+      <p:pic>
+        <p:nvPicPr>
+          <p:cNvPr id="7" name="Picture 2">
+            <a:extLst>
+              <a:ext uri="{FF2B5EF4-FFF2-40B4-BE49-F238E27FC236}">
+                <a16:creationId xmlns:a16="http://schemas.microsoft.com/office/drawing/2014/main" id="{0A9A330A-2AA1-974A-85EC-E936F89CB4DE}"/>
+              </a:ext>
+            </a:extLst>
+          </p:cNvPr>
+          <p:cNvPicPr>
+            <a:picLocks noChangeAspect="1" noChangeArrowheads="1"/>
+          </p:cNvPicPr>
+          <p:nvPr/>
+        </p:nvPicPr>
+        <p:blipFill>
+          <a:blip r:embed="rId3">
+            <a:extLst>
+              <a:ext uri="{28A0092B-C50C-407E-A947-70E740481C1C}">
+                <a14:useLocalDpi xmlns:a14="http://schemas.microsoft.com/office/drawing/2010/main" val="0"/>
+              </a:ext>
+            </a:extLst>
+          </a:blip>
+          <a:srcRect/>
+          <a:stretch>
+            <a:fillRect/>
+          </a:stretch>
+        </p:blipFill>
+        <p:spPr bwMode="auto">
+          <a:xfrm>
+            <a:off x="6125953" y="1680898"/>
+            <a:ext cx="5612994" cy="4640792"/>
+          </a:xfrm>
+          <a:prstGeom prst="rect">
+            <a:avLst/>
+          </a:prstGeom>
+          <a:noFill/>
+          <a:extLst>
+            <a:ext uri="{909E8E84-426E-40DD-AFC4-6F175D3DCCD1}">
+              <a14:hiddenFill xmlns:a14="http://schemas.microsoft.com/office/drawing/2010/main">
+                <a:solidFill>
+                  <a:srgbClr val="FFFFFF"/>
+                </a:solidFill>
+              </a14:hiddenFill>
+            </a:ext>
+          </a:extLst>
+        </p:spPr>
+      </p:pic>
+      <p:sp>
+        <p:nvSpPr>
+          <p:cNvPr id="10" name="Rectangle 9">
+            <a:extLst>
+              <a:ext uri="{FF2B5EF4-FFF2-40B4-BE49-F238E27FC236}">
+                <a16:creationId xmlns:a16="http://schemas.microsoft.com/office/drawing/2014/main" id="{CCF8DC52-451D-CA4F-A49B-D44981F444B9}"/>
+              </a:ext>
+            </a:extLst>
+          </p:cNvPr>
+          <p:cNvSpPr/>
+          <p:nvPr/>
+        </p:nvSpPr>
+        <p:spPr>
+          <a:xfrm>
+            <a:off x="10143458" y="3620022"/>
+            <a:ext cx="1595489" cy="1653436"/>
+          </a:xfrm>
+          <a:prstGeom prst="rect">
+            <a:avLst/>
+          </a:prstGeom>
+          <a:noFill/>
+          <a:ln w="28575">
+            <a:solidFill>
+              <a:srgbClr val="FF0000"/>
+            </a:solidFill>
+          </a:ln>
+        </p:spPr>
+        <p:style>
+          <a:lnRef idx="2">
+            <a:schemeClr val="accent1">
+              <a:shade val="50000"/>
+            </a:schemeClr>
+          </a:lnRef>
+          <a:fillRef idx="1">
+            <a:schemeClr val="accent1"/>
+          </a:fillRef>
+          <a:effectRef idx="0">
+            <a:schemeClr val="accent1"/>
+          </a:effectRef>
+          <a:fontRef idx="minor">
+            <a:schemeClr val="lt1"/>
+          </a:fontRef>
+        </p:style>
+        <p:txBody>
+          <a:bodyPr rtlCol="0" anchor="ctr"/>
+          <a:lstStyle/>
+          <a:p>
+            <a:pPr algn="ctr"/>
+            <a:endParaRPr lang="en-US"/>
+          </a:p>
+        </p:txBody>
+      </p:sp>
+      <p:cxnSp>
+        <p:nvCxnSpPr>
+          <p:cNvPr id="3" name="Elbow Connector 2">
+            <a:extLst>
+              <a:ext uri="{FF2B5EF4-FFF2-40B4-BE49-F238E27FC236}">
+                <a16:creationId xmlns:a16="http://schemas.microsoft.com/office/drawing/2014/main" id="{2C8F842A-C274-AF45-A593-EBDD7F05652B}"/>
+              </a:ext>
+            </a:extLst>
+          </p:cNvPr>
+          <p:cNvCxnSpPr>
+            <a:cxnSpLocks/>
+          </p:cNvCxnSpPr>
+          <p:nvPr/>
+        </p:nvCxnSpPr>
+        <p:spPr>
+          <a:xfrm rot="10800000">
+            <a:off x="8668014" y="3156559"/>
+            <a:ext cx="1475445" cy="1127342"/>
+          </a:xfrm>
+          <a:prstGeom prst="bentConnector3">
+            <a:avLst>
+              <a:gd name="adj1" fmla="val 55943"/>
+            </a:avLst>
+          </a:prstGeom>
+          <a:ln w="38100">
+            <a:solidFill>
+              <a:srgbClr val="FF0000"/>
+            </a:solidFill>
+            <a:headEnd type="triangle"/>
+            <a:tailEnd type="triangle"/>
+          </a:ln>
+        </p:spPr>
+        <p:style>
+          <a:lnRef idx="1">
+            <a:schemeClr val="accent1"/>
+          </a:lnRef>
+          <a:fillRef idx="0">
+            <a:schemeClr val="accent1"/>
+          </a:fillRef>
+          <a:effectRef idx="0">
+            <a:schemeClr val="accent1"/>
+          </a:effectRef>
+          <a:fontRef idx="minor">
+            <a:schemeClr val="tx1"/>
+          </a:fontRef>
+        </p:style>
+      </p:cxnSp>
+      <p:sp>
+        <p:nvSpPr>
+          <p:cNvPr id="11" name="Rectangle 10">
+            <a:extLst>
+              <a:ext uri="{FF2B5EF4-FFF2-40B4-BE49-F238E27FC236}">
+                <a16:creationId xmlns:a16="http://schemas.microsoft.com/office/drawing/2014/main" id="{E6140537-8D08-3F49-9B96-03329A6F4737}"/>
+              </a:ext>
+            </a:extLst>
+          </p:cNvPr>
+          <p:cNvSpPr/>
+          <p:nvPr/>
+        </p:nvSpPr>
+        <p:spPr>
+          <a:xfrm>
+            <a:off x="7352778" y="3011832"/>
+            <a:ext cx="1410222" cy="295039"/>
+          </a:xfrm>
+          <a:prstGeom prst="rect">
+            <a:avLst/>
+          </a:prstGeom>
+          <a:noFill/>
+          <a:ln w="28575">
+            <a:solidFill>
+              <a:srgbClr val="FF0000"/>
+            </a:solidFill>
+          </a:ln>
+        </p:spPr>
+        <p:style>
+          <a:lnRef idx="2">
+            <a:schemeClr val="accent1">
+              <a:shade val="50000"/>
+            </a:schemeClr>
+          </a:lnRef>
+          <a:fillRef idx="1">
+            <a:schemeClr val="accent1"/>
+          </a:fillRef>
+          <a:effectRef idx="0">
+            <a:schemeClr val="accent1"/>
+          </a:effectRef>
+          <a:fontRef idx="minor">
+            <a:schemeClr val="lt1"/>
+          </a:fontRef>
+        </p:style>
+        <p:txBody>
+          <a:bodyPr rtlCol="0" anchor="ctr"/>
+          <a:lstStyle/>
+          <a:p>
+            <a:pPr algn="ctr"/>
+            <a:endParaRPr lang="en-US"/>
           </a:p>
         </p:txBody>
       </p:sp>
     </p:spTree>
     <p:extLst>
       <p:ext uri="{BB962C8B-B14F-4D97-AF65-F5344CB8AC3E}">
-        <p14:creationId xmlns:p14="http://schemas.microsoft.com/office/powerpoint/2010/main" val="513180814"/>
+        <p14:creationId xmlns:p14="http://schemas.microsoft.com/office/powerpoint/2010/main" val="3025090263"/>
       </p:ext>
     </p:extLst>
   </p:cSld>
@@ -7370,10 +9549,10 @@
       </p:grpSpPr>
       <p:sp>
         <p:nvSpPr>
-          <p:cNvPr id="3" name="Title 2">
-            <a:extLst>
-              <a:ext uri="{FF2B5EF4-FFF2-40B4-BE49-F238E27FC236}">
-                <a16:creationId xmlns:a16="http://schemas.microsoft.com/office/drawing/2014/main" id="{F97EBA32-0B1F-B247-B5C5-3107826B5E44}"/>
+          <p:cNvPr id="5" name="Title 4">
+            <a:extLst>
+              <a:ext uri="{FF2B5EF4-FFF2-40B4-BE49-F238E27FC236}">
+                <a16:creationId xmlns:a16="http://schemas.microsoft.com/office/drawing/2014/main" id="{44E7DD98-FF12-FA40-B1B4-09574C9E64D7}"/>
               </a:ext>
             </a:extLst>
           </p:cNvPr>
@@ -7391,7 +9570,2335 @@
           <a:p>
             <a:r>
               <a:rPr lang="en-US" dirty="0"/>
-              <a:t>Quick Architecture Review </a:t>
+              <a:t>Demo Infrastructure - </a:t>
+            </a:r>
+            <a:r>
+              <a:rPr lang="en-US" dirty="0" err="1"/>
+              <a:t>turingpi</a:t>
+            </a:r>
+            <a:r>
+              <a:rPr lang="en-US" dirty="0"/>
+              <a:t> v1</a:t>
+            </a:r>
+          </a:p>
+        </p:txBody>
+      </p:sp>
+      <p:sp>
+        <p:nvSpPr>
+          <p:cNvPr id="8" name="Content Placeholder 7">
+            <a:extLst>
+              <a:ext uri="{FF2B5EF4-FFF2-40B4-BE49-F238E27FC236}">
+                <a16:creationId xmlns:a16="http://schemas.microsoft.com/office/drawing/2014/main" id="{6FA5C5CE-835C-1D4B-B678-2258B99F1AEF}"/>
+              </a:ext>
+            </a:extLst>
+          </p:cNvPr>
+          <p:cNvSpPr>
+            <a:spLocks noGrp="1"/>
+          </p:cNvSpPr>
+          <p:nvPr>
+            <p:ph sz="half" idx="1"/>
+          </p:nvPr>
+        </p:nvSpPr>
+        <p:spPr/>
+        <p:txBody>
+          <a:bodyPr>
+            <a:normAutofit lnSpcReduction="10000"/>
+          </a:bodyPr>
+          <a:lstStyle/>
+          <a:p>
+            <a:r>
+              <a:rPr lang="en-US" dirty="0"/>
+              <a:t>7 </a:t>
+            </a:r>
+            <a:r>
+              <a:rPr lang="en-US" dirty="0" err="1"/>
+              <a:t>RaspberryPi</a:t>
+            </a:r>
+            <a:r>
+              <a:rPr lang="en-US" dirty="0"/>
+              <a:t> CM3+ modules</a:t>
+            </a:r>
+          </a:p>
+          <a:p>
+            <a:pPr lvl="1"/>
+            <a:r>
+              <a:rPr lang="en-US" dirty="0"/>
+              <a:t>1GB RAM</a:t>
+            </a:r>
+          </a:p>
+          <a:p>
+            <a:pPr lvl="1"/>
+            <a:r>
+              <a:rPr lang="en-US" dirty="0"/>
+              <a:t>4 CPU</a:t>
+            </a:r>
+          </a:p>
+          <a:p>
+            <a:r>
+              <a:rPr lang="en-US" dirty="0"/>
+              <a:t>8 USB ports</a:t>
+            </a:r>
+          </a:p>
+          <a:p>
+            <a:pPr lvl="1"/>
+            <a:r>
+              <a:rPr lang="en-US" dirty="0"/>
+              <a:t>Map to only 4 devices</a:t>
+            </a:r>
+          </a:p>
+          <a:p>
+            <a:r>
+              <a:rPr lang="en-US" dirty="0">
+                <a:solidFill>
+                  <a:srgbClr val="FF0000"/>
+                </a:solidFill>
+              </a:rPr>
+              <a:t>I2C interface </a:t>
+            </a:r>
+          </a:p>
+          <a:p>
+            <a:pPr lvl="1"/>
+            <a:r>
+              <a:rPr lang="en-US" dirty="0">
+                <a:solidFill>
+                  <a:srgbClr val="FF0000"/>
+                </a:solidFill>
+              </a:rPr>
+              <a:t>Maps to all devices</a:t>
+            </a:r>
+          </a:p>
+          <a:p>
+            <a:pPr lvl="1"/>
+            <a:r>
+              <a:rPr lang="en-US" dirty="0">
+                <a:solidFill>
+                  <a:srgbClr val="FF0000"/>
+                </a:solidFill>
+              </a:rPr>
+              <a:t>Communication between devices</a:t>
+            </a:r>
+          </a:p>
+          <a:p>
+            <a:r>
+              <a:rPr lang="en-US" dirty="0"/>
+              <a:t>GPIO </a:t>
+            </a:r>
+          </a:p>
+          <a:p>
+            <a:pPr lvl="1"/>
+            <a:r>
+              <a:rPr lang="en-US" dirty="0"/>
+              <a:t>40 pins for each device</a:t>
+            </a:r>
+          </a:p>
+          <a:p>
+            <a:pPr lvl="1"/>
+            <a:endParaRPr lang="en-US" dirty="0"/>
+          </a:p>
+        </p:txBody>
+      </p:sp>
+      <p:sp>
+        <p:nvSpPr>
+          <p:cNvPr id="9" name="Content Placeholder 8">
+            <a:extLst>
+              <a:ext uri="{FF2B5EF4-FFF2-40B4-BE49-F238E27FC236}">
+                <a16:creationId xmlns:a16="http://schemas.microsoft.com/office/drawing/2014/main" id="{6730BE8A-6D5B-5C49-A152-22CEE19D0913}"/>
+              </a:ext>
+            </a:extLst>
+          </p:cNvPr>
+          <p:cNvSpPr>
+            <a:spLocks noGrp="1"/>
+          </p:cNvSpPr>
+          <p:nvPr>
+            <p:ph sz="half" idx="2"/>
+          </p:nvPr>
+        </p:nvSpPr>
+        <p:spPr/>
+        <p:txBody>
+          <a:bodyPr/>
+          <a:lstStyle/>
+          <a:p>
+            <a:endParaRPr lang="en-US"/>
+          </a:p>
+        </p:txBody>
+      </p:sp>
+      <p:pic>
+        <p:nvPicPr>
+          <p:cNvPr id="7" name="Picture 2">
+            <a:extLst>
+              <a:ext uri="{FF2B5EF4-FFF2-40B4-BE49-F238E27FC236}">
+                <a16:creationId xmlns:a16="http://schemas.microsoft.com/office/drawing/2014/main" id="{0A9A330A-2AA1-974A-85EC-E936F89CB4DE}"/>
+              </a:ext>
+            </a:extLst>
+          </p:cNvPr>
+          <p:cNvPicPr>
+            <a:picLocks noChangeAspect="1" noChangeArrowheads="1"/>
+          </p:cNvPicPr>
+          <p:nvPr/>
+        </p:nvPicPr>
+        <p:blipFill>
+          <a:blip r:embed="rId2">
+            <a:extLst>
+              <a:ext uri="{28A0092B-C50C-407E-A947-70E740481C1C}">
+                <a14:useLocalDpi xmlns:a14="http://schemas.microsoft.com/office/drawing/2010/main" val="0"/>
+              </a:ext>
+            </a:extLst>
+          </a:blip>
+          <a:srcRect/>
+          <a:stretch>
+            <a:fillRect/>
+          </a:stretch>
+        </p:blipFill>
+        <p:spPr bwMode="auto">
+          <a:xfrm>
+            <a:off x="6125953" y="1680898"/>
+            <a:ext cx="5612994" cy="4640792"/>
+          </a:xfrm>
+          <a:prstGeom prst="rect">
+            <a:avLst/>
+          </a:prstGeom>
+          <a:noFill/>
+          <a:extLst>
+            <a:ext uri="{909E8E84-426E-40DD-AFC4-6F175D3DCCD1}">
+              <a14:hiddenFill xmlns:a14="http://schemas.microsoft.com/office/drawing/2010/main">
+                <a:solidFill>
+                  <a:srgbClr val="FFFFFF"/>
+                </a:solidFill>
+              </a14:hiddenFill>
+            </a:ext>
+          </a:extLst>
+        </p:spPr>
+      </p:pic>
+      <p:sp>
+        <p:nvSpPr>
+          <p:cNvPr id="10" name="Rectangle 9">
+            <a:extLst>
+              <a:ext uri="{FF2B5EF4-FFF2-40B4-BE49-F238E27FC236}">
+                <a16:creationId xmlns:a16="http://schemas.microsoft.com/office/drawing/2014/main" id="{CCF8DC52-451D-CA4F-A49B-D44981F444B9}"/>
+              </a:ext>
+            </a:extLst>
+          </p:cNvPr>
+          <p:cNvSpPr/>
+          <p:nvPr/>
+        </p:nvSpPr>
+        <p:spPr>
+          <a:xfrm>
+            <a:off x="7703507" y="5364126"/>
+            <a:ext cx="526093" cy="1102291"/>
+          </a:xfrm>
+          <a:prstGeom prst="rect">
+            <a:avLst/>
+          </a:prstGeom>
+          <a:noFill/>
+          <a:ln w="28575">
+            <a:solidFill>
+              <a:srgbClr val="FF0000"/>
+            </a:solidFill>
+          </a:ln>
+        </p:spPr>
+        <p:style>
+          <a:lnRef idx="2">
+            <a:schemeClr val="accent1">
+              <a:shade val="50000"/>
+            </a:schemeClr>
+          </a:lnRef>
+          <a:fillRef idx="1">
+            <a:schemeClr val="accent1"/>
+          </a:fillRef>
+          <a:effectRef idx="0">
+            <a:schemeClr val="accent1"/>
+          </a:effectRef>
+          <a:fontRef idx="minor">
+            <a:schemeClr val="lt1"/>
+          </a:fontRef>
+        </p:style>
+        <p:txBody>
+          <a:bodyPr rtlCol="0" anchor="ctr"/>
+          <a:lstStyle/>
+          <a:p>
+            <a:pPr algn="ctr"/>
+            <a:endParaRPr lang="en-US"/>
+          </a:p>
+        </p:txBody>
+      </p:sp>
+    </p:spTree>
+    <p:extLst>
+      <p:ext uri="{BB962C8B-B14F-4D97-AF65-F5344CB8AC3E}">
+        <p14:creationId xmlns:p14="http://schemas.microsoft.com/office/powerpoint/2010/main" val="617164691"/>
+      </p:ext>
+    </p:extLst>
+  </p:cSld>
+  <p:clrMapOvr>
+    <a:masterClrMapping/>
+  </p:clrMapOvr>
+</p:sld>
+</file>
+
+<file path=ppt/slides/slide14.xml><?xml version="1.0" encoding="utf-8"?>
+<p:sld xmlns:a="http://schemas.openxmlformats.org/drawingml/2006/main" xmlns:r="http://schemas.openxmlformats.org/officeDocument/2006/relationships" xmlns:p="http://schemas.openxmlformats.org/presentationml/2006/main">
+  <p:cSld>
+    <p:spTree>
+      <p:nvGrpSpPr>
+        <p:cNvPr id="1" name=""/>
+        <p:cNvGrpSpPr/>
+        <p:nvPr/>
+      </p:nvGrpSpPr>
+      <p:grpSpPr>
+        <a:xfrm>
+          <a:off x="0" y="0"/>
+          <a:ext cx="0" cy="0"/>
+          <a:chOff x="0" y="0"/>
+          <a:chExt cx="0" cy="0"/>
+        </a:xfrm>
+      </p:grpSpPr>
+      <p:sp>
+        <p:nvSpPr>
+          <p:cNvPr id="5" name="Title 4">
+            <a:extLst>
+              <a:ext uri="{FF2B5EF4-FFF2-40B4-BE49-F238E27FC236}">
+                <a16:creationId xmlns:a16="http://schemas.microsoft.com/office/drawing/2014/main" id="{44E7DD98-FF12-FA40-B1B4-09574C9E64D7}"/>
+              </a:ext>
+            </a:extLst>
+          </p:cNvPr>
+          <p:cNvSpPr>
+            <a:spLocks noGrp="1"/>
+          </p:cNvSpPr>
+          <p:nvPr>
+            <p:ph type="title"/>
+          </p:nvPr>
+        </p:nvSpPr>
+        <p:spPr/>
+        <p:txBody>
+          <a:bodyPr/>
+          <a:lstStyle/>
+          <a:p>
+            <a:r>
+              <a:rPr lang="en-US" dirty="0"/>
+              <a:t>Demo Infrastructure - </a:t>
+            </a:r>
+            <a:r>
+              <a:rPr lang="en-US" dirty="0" err="1"/>
+              <a:t>turingpi</a:t>
+            </a:r>
+            <a:r>
+              <a:rPr lang="en-US" dirty="0"/>
+              <a:t> v1</a:t>
+            </a:r>
+          </a:p>
+        </p:txBody>
+      </p:sp>
+      <p:sp>
+        <p:nvSpPr>
+          <p:cNvPr id="8" name="Content Placeholder 7">
+            <a:extLst>
+              <a:ext uri="{FF2B5EF4-FFF2-40B4-BE49-F238E27FC236}">
+                <a16:creationId xmlns:a16="http://schemas.microsoft.com/office/drawing/2014/main" id="{6FA5C5CE-835C-1D4B-B678-2258B99F1AEF}"/>
+              </a:ext>
+            </a:extLst>
+          </p:cNvPr>
+          <p:cNvSpPr>
+            <a:spLocks noGrp="1"/>
+          </p:cNvSpPr>
+          <p:nvPr>
+            <p:ph sz="half" idx="1"/>
+          </p:nvPr>
+        </p:nvSpPr>
+        <p:spPr/>
+        <p:txBody>
+          <a:bodyPr>
+            <a:normAutofit lnSpcReduction="10000"/>
+          </a:bodyPr>
+          <a:lstStyle/>
+          <a:p>
+            <a:r>
+              <a:rPr lang="en-US" dirty="0"/>
+              <a:t>7 </a:t>
+            </a:r>
+            <a:r>
+              <a:rPr lang="en-US" dirty="0" err="1"/>
+              <a:t>RaspberryPi</a:t>
+            </a:r>
+            <a:r>
+              <a:rPr lang="en-US" dirty="0"/>
+              <a:t> CM3+ modules</a:t>
+            </a:r>
+          </a:p>
+          <a:p>
+            <a:pPr lvl="1"/>
+            <a:r>
+              <a:rPr lang="en-US" dirty="0"/>
+              <a:t>1GB RAM</a:t>
+            </a:r>
+          </a:p>
+          <a:p>
+            <a:pPr lvl="1"/>
+            <a:r>
+              <a:rPr lang="en-US" dirty="0"/>
+              <a:t>4 CPU</a:t>
+            </a:r>
+          </a:p>
+          <a:p>
+            <a:r>
+              <a:rPr lang="en-US" dirty="0"/>
+              <a:t>8 USB ports</a:t>
+            </a:r>
+          </a:p>
+          <a:p>
+            <a:pPr lvl="1"/>
+            <a:r>
+              <a:rPr lang="en-US" dirty="0"/>
+              <a:t>Map to only 4 devices</a:t>
+            </a:r>
+          </a:p>
+          <a:p>
+            <a:r>
+              <a:rPr lang="en-US" dirty="0"/>
+              <a:t>I2C interface </a:t>
+            </a:r>
+          </a:p>
+          <a:p>
+            <a:pPr lvl="1"/>
+            <a:r>
+              <a:rPr lang="en-US" dirty="0"/>
+              <a:t>Maps to all devices</a:t>
+            </a:r>
+          </a:p>
+          <a:p>
+            <a:pPr lvl="1"/>
+            <a:r>
+              <a:rPr lang="en-US" dirty="0"/>
+              <a:t>Communication between devices</a:t>
+            </a:r>
+          </a:p>
+          <a:p>
+            <a:r>
+              <a:rPr lang="en-US" dirty="0">
+                <a:solidFill>
+                  <a:srgbClr val="FF0000"/>
+                </a:solidFill>
+              </a:rPr>
+              <a:t>GPIO </a:t>
+            </a:r>
+          </a:p>
+          <a:p>
+            <a:pPr lvl="1"/>
+            <a:r>
+              <a:rPr lang="en-US" dirty="0">
+                <a:solidFill>
+                  <a:srgbClr val="FF0000"/>
+                </a:solidFill>
+              </a:rPr>
+              <a:t>40 pins for each device</a:t>
+            </a:r>
+          </a:p>
+          <a:p>
+            <a:pPr lvl="1"/>
+            <a:endParaRPr lang="en-US" dirty="0"/>
+          </a:p>
+        </p:txBody>
+      </p:sp>
+      <p:sp>
+        <p:nvSpPr>
+          <p:cNvPr id="9" name="Content Placeholder 8">
+            <a:extLst>
+              <a:ext uri="{FF2B5EF4-FFF2-40B4-BE49-F238E27FC236}">
+                <a16:creationId xmlns:a16="http://schemas.microsoft.com/office/drawing/2014/main" id="{6730BE8A-6D5B-5C49-A152-22CEE19D0913}"/>
+              </a:ext>
+            </a:extLst>
+          </p:cNvPr>
+          <p:cNvSpPr>
+            <a:spLocks noGrp="1"/>
+          </p:cNvSpPr>
+          <p:nvPr>
+            <p:ph sz="half" idx="2"/>
+          </p:nvPr>
+        </p:nvSpPr>
+        <p:spPr/>
+        <p:txBody>
+          <a:bodyPr/>
+          <a:lstStyle/>
+          <a:p>
+            <a:endParaRPr lang="en-US"/>
+          </a:p>
+        </p:txBody>
+      </p:sp>
+      <p:pic>
+        <p:nvPicPr>
+          <p:cNvPr id="7" name="Picture 2">
+            <a:extLst>
+              <a:ext uri="{FF2B5EF4-FFF2-40B4-BE49-F238E27FC236}">
+                <a16:creationId xmlns:a16="http://schemas.microsoft.com/office/drawing/2014/main" id="{0A9A330A-2AA1-974A-85EC-E936F89CB4DE}"/>
+              </a:ext>
+            </a:extLst>
+          </p:cNvPr>
+          <p:cNvPicPr>
+            <a:picLocks noChangeAspect="1" noChangeArrowheads="1"/>
+          </p:cNvPicPr>
+          <p:nvPr/>
+        </p:nvPicPr>
+        <p:blipFill>
+          <a:blip r:embed="rId2">
+            <a:extLst>
+              <a:ext uri="{28A0092B-C50C-407E-A947-70E740481C1C}">
+                <a14:useLocalDpi xmlns:a14="http://schemas.microsoft.com/office/drawing/2010/main" val="0"/>
+              </a:ext>
+            </a:extLst>
+          </a:blip>
+          <a:srcRect/>
+          <a:stretch>
+            <a:fillRect/>
+          </a:stretch>
+        </p:blipFill>
+        <p:spPr bwMode="auto">
+          <a:xfrm>
+            <a:off x="6125953" y="1680898"/>
+            <a:ext cx="5612994" cy="4640792"/>
+          </a:xfrm>
+          <a:prstGeom prst="rect">
+            <a:avLst/>
+          </a:prstGeom>
+          <a:noFill/>
+          <a:extLst>
+            <a:ext uri="{909E8E84-426E-40DD-AFC4-6F175D3DCCD1}">
+              <a14:hiddenFill xmlns:a14="http://schemas.microsoft.com/office/drawing/2010/main">
+                <a:solidFill>
+                  <a:srgbClr val="FFFFFF"/>
+                </a:solidFill>
+              </a14:hiddenFill>
+            </a:ext>
+          </a:extLst>
+        </p:spPr>
+      </p:pic>
+      <p:sp>
+        <p:nvSpPr>
+          <p:cNvPr id="10" name="Rectangle 9">
+            <a:extLst>
+              <a:ext uri="{FF2B5EF4-FFF2-40B4-BE49-F238E27FC236}">
+                <a16:creationId xmlns:a16="http://schemas.microsoft.com/office/drawing/2014/main" id="{CCF8DC52-451D-CA4F-A49B-D44981F444B9}"/>
+              </a:ext>
+            </a:extLst>
+          </p:cNvPr>
+          <p:cNvSpPr/>
+          <p:nvPr/>
+        </p:nvSpPr>
+        <p:spPr>
+          <a:xfrm>
+            <a:off x="7352778" y="4283901"/>
+            <a:ext cx="1410222" cy="420199"/>
+          </a:xfrm>
+          <a:prstGeom prst="rect">
+            <a:avLst/>
+          </a:prstGeom>
+          <a:noFill/>
+          <a:ln w="28575">
+            <a:solidFill>
+              <a:srgbClr val="FF0000"/>
+            </a:solidFill>
+          </a:ln>
+        </p:spPr>
+        <p:style>
+          <a:lnRef idx="2">
+            <a:schemeClr val="accent1">
+              <a:shade val="50000"/>
+            </a:schemeClr>
+          </a:lnRef>
+          <a:fillRef idx="1">
+            <a:schemeClr val="accent1"/>
+          </a:fillRef>
+          <a:effectRef idx="0">
+            <a:schemeClr val="accent1"/>
+          </a:effectRef>
+          <a:fontRef idx="minor">
+            <a:schemeClr val="lt1"/>
+          </a:fontRef>
+        </p:style>
+        <p:txBody>
+          <a:bodyPr rtlCol="0" anchor="ctr"/>
+          <a:lstStyle/>
+          <a:p>
+            <a:pPr algn="ctr"/>
+            <a:endParaRPr lang="en-US"/>
+          </a:p>
+        </p:txBody>
+      </p:sp>
+    </p:spTree>
+    <p:extLst>
+      <p:ext uri="{BB962C8B-B14F-4D97-AF65-F5344CB8AC3E}">
+        <p14:creationId xmlns:p14="http://schemas.microsoft.com/office/powerpoint/2010/main" val="2824183344"/>
+      </p:ext>
+    </p:extLst>
+  </p:cSld>
+  <p:clrMapOvr>
+    <a:masterClrMapping/>
+  </p:clrMapOvr>
+</p:sld>
+</file>
+
+<file path=ppt/slides/slide15.xml><?xml version="1.0" encoding="utf-8"?>
+<p:sld xmlns:a="http://schemas.openxmlformats.org/drawingml/2006/main" xmlns:r="http://schemas.openxmlformats.org/officeDocument/2006/relationships" xmlns:p="http://schemas.openxmlformats.org/presentationml/2006/main">
+  <p:cSld>
+    <p:spTree>
+      <p:nvGrpSpPr>
+        <p:cNvPr id="1" name=""/>
+        <p:cNvGrpSpPr/>
+        <p:nvPr/>
+      </p:nvGrpSpPr>
+      <p:grpSpPr>
+        <a:xfrm>
+          <a:off x="0" y="0"/>
+          <a:ext cx="0" cy="0"/>
+          <a:chOff x="0" y="0"/>
+          <a:chExt cx="0" cy="0"/>
+        </a:xfrm>
+      </p:grpSpPr>
+      <p:sp>
+        <p:nvSpPr>
+          <p:cNvPr id="4" name="Title 1">
+            <a:extLst>
+              <a:ext uri="{FF2B5EF4-FFF2-40B4-BE49-F238E27FC236}">
+                <a16:creationId xmlns:a16="http://schemas.microsoft.com/office/drawing/2014/main" id="{1342D4B4-BF92-D14A-BF1C-9878B92A2A3D}"/>
+              </a:ext>
+            </a:extLst>
+          </p:cNvPr>
+          <p:cNvSpPr txBox="1">
+            <a:spLocks/>
+          </p:cNvSpPr>
+          <p:nvPr/>
+        </p:nvSpPr>
+        <p:spPr>
+          <a:xfrm>
+            <a:off x="559904" y="3329000"/>
+            <a:ext cx="10515600" cy="1325563"/>
+          </a:xfrm>
+          <a:prstGeom prst="rect">
+            <a:avLst/>
+          </a:prstGeom>
+        </p:spPr>
+        <p:txBody>
+          <a:bodyPr vert="horz" lIns="91440" tIns="45720" rIns="91440" bIns="45720" rtlCol="0" anchor="ctr">
+            <a:normAutofit/>
+          </a:bodyPr>
+          <a:lstStyle>
+            <a:lvl1pPr algn="l" defTabSz="914400" rtl="0" eaLnBrk="1" latinLnBrk="0" hangingPunct="1">
+              <a:lnSpc>
+                <a:spcPct val="90000"/>
+              </a:lnSpc>
+              <a:spcBef>
+                <a:spcPct val="0"/>
+              </a:spcBef>
+              <a:buNone/>
+              <a:defRPr sz="4400" kern="1200">
+                <a:solidFill>
+                  <a:schemeClr val="tx1"/>
+                </a:solidFill>
+                <a:latin typeface="+mj-lt"/>
+                <a:ea typeface="+mj-ea"/>
+                <a:cs typeface="+mj-cs"/>
+              </a:defRPr>
+            </a:lvl1pPr>
+          </a:lstStyle>
+          <a:p>
+            <a:endParaRPr lang="en-US" sz="3600" i="1" dirty="0">
+              <a:solidFill>
+                <a:schemeClr val="bg1"/>
+              </a:solidFill>
+              <a:latin typeface="Arial" panose="020B0604020202020204" pitchFamily="34" charset="0"/>
+              <a:cs typeface="Arial" panose="020B0604020202020204" pitchFamily="34" charset="0"/>
+            </a:endParaRPr>
+          </a:p>
+        </p:txBody>
+      </p:sp>
+      <p:sp>
+        <p:nvSpPr>
+          <p:cNvPr id="5" name="Title 1">
+            <a:extLst>
+              <a:ext uri="{FF2B5EF4-FFF2-40B4-BE49-F238E27FC236}">
+                <a16:creationId xmlns:a16="http://schemas.microsoft.com/office/drawing/2014/main" id="{91E3EC15-5521-4C4D-8C50-80159D61BEC0}"/>
+              </a:ext>
+            </a:extLst>
+          </p:cNvPr>
+          <p:cNvSpPr txBox="1">
+            <a:spLocks/>
+          </p:cNvSpPr>
+          <p:nvPr/>
+        </p:nvSpPr>
+        <p:spPr>
+          <a:xfrm>
+            <a:off x="559904" y="2318778"/>
+            <a:ext cx="10515600" cy="1325563"/>
+          </a:xfrm>
+          <a:prstGeom prst="rect">
+            <a:avLst/>
+          </a:prstGeom>
+        </p:spPr>
+        <p:txBody>
+          <a:bodyPr vert="horz" lIns="91440" tIns="45720" rIns="91440" bIns="45720" rtlCol="0" anchor="ctr">
+            <a:normAutofit/>
+          </a:bodyPr>
+          <a:lstStyle>
+            <a:lvl1pPr algn="l" defTabSz="914400" rtl="0" eaLnBrk="1" latinLnBrk="0" hangingPunct="1">
+              <a:lnSpc>
+                <a:spcPct val="90000"/>
+              </a:lnSpc>
+              <a:spcBef>
+                <a:spcPct val="0"/>
+              </a:spcBef>
+              <a:buNone/>
+              <a:defRPr sz="4400" kern="1200">
+                <a:solidFill>
+                  <a:schemeClr val="tx1"/>
+                </a:solidFill>
+                <a:latin typeface="+mj-lt"/>
+                <a:ea typeface="+mj-ea"/>
+                <a:cs typeface="+mj-cs"/>
+              </a:defRPr>
+            </a:lvl1pPr>
+          </a:lstStyle>
+          <a:p>
+            <a:r>
+              <a:rPr lang="en-US" sz="8000" b="1" dirty="0">
+                <a:solidFill>
+                  <a:schemeClr val="bg1"/>
+                </a:solidFill>
+                <a:latin typeface="Arial" panose="020B0604020202020204" pitchFamily="34" charset="0"/>
+                <a:cs typeface="Arial" panose="020B0604020202020204" pitchFamily="34" charset="0"/>
+              </a:rPr>
+              <a:t>Demo</a:t>
+            </a:r>
+          </a:p>
+        </p:txBody>
+      </p:sp>
+    </p:spTree>
+    <p:extLst>
+      <p:ext uri="{BB962C8B-B14F-4D97-AF65-F5344CB8AC3E}">
+        <p14:creationId xmlns:p14="http://schemas.microsoft.com/office/powerpoint/2010/main" val="1637160630"/>
+      </p:ext>
+    </p:extLst>
+  </p:cSld>
+  <p:clrMapOvr>
+    <a:masterClrMapping/>
+  </p:clrMapOvr>
+</p:sld>
+</file>
+
+<file path=ppt/slides/slide16.xml><?xml version="1.0" encoding="utf-8"?>
+<p:sld xmlns:a="http://schemas.openxmlformats.org/drawingml/2006/main" xmlns:r="http://schemas.openxmlformats.org/officeDocument/2006/relationships" xmlns:p="http://schemas.openxmlformats.org/presentationml/2006/main">
+  <p:cSld>
+    <p:spTree>
+      <p:nvGrpSpPr>
+        <p:cNvPr id="1" name=""/>
+        <p:cNvGrpSpPr/>
+        <p:nvPr/>
+      </p:nvGrpSpPr>
+      <p:grpSpPr>
+        <a:xfrm>
+          <a:off x="0" y="0"/>
+          <a:ext cx="0" cy="0"/>
+          <a:chOff x="0" y="0"/>
+          <a:chExt cx="0" cy="0"/>
+        </a:xfrm>
+      </p:grpSpPr>
+      <p:sp>
+        <p:nvSpPr>
+          <p:cNvPr id="2" name="Vertical Text Placeholder 1">
+            <a:extLst>
+              <a:ext uri="{FF2B5EF4-FFF2-40B4-BE49-F238E27FC236}">
+                <a16:creationId xmlns:a16="http://schemas.microsoft.com/office/drawing/2014/main" id="{58DD0272-D8B6-D04A-A524-3608B6EB5490}"/>
+              </a:ext>
+            </a:extLst>
+          </p:cNvPr>
+          <p:cNvSpPr>
+            <a:spLocks noGrp="1"/>
+          </p:cNvSpPr>
+          <p:nvPr>
+            <p:ph type="body" orient="vert" idx="1"/>
+          </p:nvPr>
+        </p:nvSpPr>
+        <p:spPr/>
+        <p:txBody>
+          <a:bodyPr/>
+          <a:lstStyle/>
+          <a:p>
+            <a:r>
+              <a:rPr lang="en-US" dirty="0"/>
+              <a:t>Two Kubernetes Resources</a:t>
+            </a:r>
+          </a:p>
+          <a:p>
+            <a:pPr lvl="1"/>
+            <a:r>
+              <a:rPr lang="en-US" dirty="0"/>
+              <a:t>NFD Master (Deployment)</a:t>
+            </a:r>
+          </a:p>
+          <a:p>
+            <a:pPr lvl="1"/>
+            <a:r>
+              <a:rPr lang="en-US" dirty="0"/>
+              <a:t>NFD Worker (</a:t>
+            </a:r>
+            <a:r>
+              <a:rPr lang="en-US" dirty="0" err="1"/>
+              <a:t>DaemonSet</a:t>
+            </a:r>
+            <a:r>
+              <a:rPr lang="en-US" dirty="0"/>
+              <a:t>)</a:t>
+            </a:r>
+          </a:p>
+        </p:txBody>
+      </p:sp>
+      <p:sp>
+        <p:nvSpPr>
+          <p:cNvPr id="3" name="Title 2">
+            <a:extLst>
+              <a:ext uri="{FF2B5EF4-FFF2-40B4-BE49-F238E27FC236}">
+                <a16:creationId xmlns:a16="http://schemas.microsoft.com/office/drawing/2014/main" id="{F97EBA32-0B1F-B247-B5C5-3107826B5E44}"/>
+              </a:ext>
+            </a:extLst>
+          </p:cNvPr>
+          <p:cNvSpPr>
+            <a:spLocks noGrp="1"/>
+          </p:cNvSpPr>
+          <p:nvPr>
+            <p:ph type="title"/>
+          </p:nvPr>
+        </p:nvSpPr>
+        <p:spPr/>
+        <p:txBody>
+          <a:bodyPr/>
+          <a:lstStyle/>
+          <a:p>
+            <a:r>
+              <a:rPr lang="en-US" dirty="0"/>
+              <a:t>How does it work</a:t>
+            </a:r>
+          </a:p>
+        </p:txBody>
+      </p:sp>
+    </p:spTree>
+    <p:extLst>
+      <p:ext uri="{BB962C8B-B14F-4D97-AF65-F5344CB8AC3E}">
+        <p14:creationId xmlns:p14="http://schemas.microsoft.com/office/powerpoint/2010/main" val="3990138584"/>
+      </p:ext>
+    </p:extLst>
+  </p:cSld>
+  <p:clrMapOvr>
+    <a:masterClrMapping/>
+  </p:clrMapOvr>
+</p:sld>
+</file>
+
+<file path=ppt/slides/slide17.xml><?xml version="1.0" encoding="utf-8"?>
+<p:sld xmlns:a="http://schemas.openxmlformats.org/drawingml/2006/main" xmlns:r="http://schemas.openxmlformats.org/officeDocument/2006/relationships" xmlns:p="http://schemas.openxmlformats.org/presentationml/2006/main">
+  <p:cSld>
+    <p:spTree>
+      <p:nvGrpSpPr>
+        <p:cNvPr id="1" name=""/>
+        <p:cNvGrpSpPr/>
+        <p:nvPr/>
+      </p:nvGrpSpPr>
+      <p:grpSpPr>
+        <a:xfrm>
+          <a:off x="0" y="0"/>
+          <a:ext cx="0" cy="0"/>
+          <a:chOff x="0" y="0"/>
+          <a:chExt cx="0" cy="0"/>
+        </a:xfrm>
+      </p:grpSpPr>
+      <p:sp>
+        <p:nvSpPr>
+          <p:cNvPr id="2" name="Vertical Text Placeholder 1">
+            <a:extLst>
+              <a:ext uri="{FF2B5EF4-FFF2-40B4-BE49-F238E27FC236}">
+                <a16:creationId xmlns:a16="http://schemas.microsoft.com/office/drawing/2014/main" id="{58DD0272-D8B6-D04A-A524-3608B6EB5490}"/>
+              </a:ext>
+            </a:extLst>
+          </p:cNvPr>
+          <p:cNvSpPr>
+            <a:spLocks noGrp="1"/>
+          </p:cNvSpPr>
+          <p:nvPr>
+            <p:ph type="body" orient="vert" idx="1"/>
+          </p:nvPr>
+        </p:nvSpPr>
+        <p:spPr/>
+        <p:txBody>
+          <a:bodyPr/>
+          <a:lstStyle/>
+          <a:p>
+            <a:r>
+              <a:rPr lang="en-US" dirty="0"/>
+              <a:t>Operations team responsibilities</a:t>
+            </a:r>
+          </a:p>
+          <a:p>
+            <a:pPr lvl="1"/>
+            <a:r>
+              <a:rPr lang="en-US" dirty="0"/>
+              <a:t>Know your devices</a:t>
+            </a:r>
+          </a:p>
+          <a:p>
+            <a:pPr lvl="1"/>
+            <a:r>
+              <a:rPr lang="en-US" dirty="0"/>
+              <a:t>Create configuration defining known resources</a:t>
+            </a:r>
+          </a:p>
+          <a:p>
+            <a:pPr lvl="1"/>
+            <a:r>
+              <a:rPr lang="en-US" dirty="0"/>
+              <a:t>NFD does the rest</a:t>
+            </a:r>
+          </a:p>
+        </p:txBody>
+      </p:sp>
+      <p:sp>
+        <p:nvSpPr>
+          <p:cNvPr id="3" name="Title 2">
+            <a:extLst>
+              <a:ext uri="{FF2B5EF4-FFF2-40B4-BE49-F238E27FC236}">
+                <a16:creationId xmlns:a16="http://schemas.microsoft.com/office/drawing/2014/main" id="{F97EBA32-0B1F-B247-B5C5-3107826B5E44}"/>
+              </a:ext>
+            </a:extLst>
+          </p:cNvPr>
+          <p:cNvSpPr>
+            <a:spLocks noGrp="1"/>
+          </p:cNvSpPr>
+          <p:nvPr>
+            <p:ph type="title"/>
+          </p:nvPr>
+        </p:nvSpPr>
+        <p:spPr/>
+        <p:txBody>
+          <a:bodyPr/>
+          <a:lstStyle/>
+          <a:p>
+            <a:r>
+              <a:rPr lang="en-US" dirty="0"/>
+              <a:t>How does it work</a:t>
+            </a:r>
+          </a:p>
+        </p:txBody>
+      </p:sp>
+    </p:spTree>
+    <p:extLst>
+      <p:ext uri="{BB962C8B-B14F-4D97-AF65-F5344CB8AC3E}">
+        <p14:creationId xmlns:p14="http://schemas.microsoft.com/office/powerpoint/2010/main" val="4177748528"/>
+      </p:ext>
+    </p:extLst>
+  </p:cSld>
+  <p:clrMapOvr>
+    <a:masterClrMapping/>
+  </p:clrMapOvr>
+</p:sld>
+</file>
+
+<file path=ppt/slides/slide18.xml><?xml version="1.0" encoding="utf-8"?>
+<p:sld xmlns:a="http://schemas.openxmlformats.org/drawingml/2006/main" xmlns:r="http://schemas.openxmlformats.org/officeDocument/2006/relationships" xmlns:p="http://schemas.openxmlformats.org/presentationml/2006/main">
+  <p:cSld>
+    <p:spTree>
+      <p:nvGrpSpPr>
+        <p:cNvPr id="1" name=""/>
+        <p:cNvGrpSpPr/>
+        <p:nvPr/>
+      </p:nvGrpSpPr>
+      <p:grpSpPr>
+        <a:xfrm>
+          <a:off x="0" y="0"/>
+          <a:ext cx="0" cy="0"/>
+          <a:chOff x="0" y="0"/>
+          <a:chExt cx="0" cy="0"/>
+        </a:xfrm>
+      </p:grpSpPr>
+      <p:sp>
+        <p:nvSpPr>
+          <p:cNvPr id="2" name="Vertical Text Placeholder 1">
+            <a:extLst>
+              <a:ext uri="{FF2B5EF4-FFF2-40B4-BE49-F238E27FC236}">
+                <a16:creationId xmlns:a16="http://schemas.microsoft.com/office/drawing/2014/main" id="{9491FDD2-60BA-5E43-9A3C-BB5A27E403DC}"/>
+              </a:ext>
+            </a:extLst>
+          </p:cNvPr>
+          <p:cNvSpPr>
+            <a:spLocks noGrp="1"/>
+          </p:cNvSpPr>
+          <p:nvPr>
+            <p:ph type="body" orient="vert" idx="1"/>
+          </p:nvPr>
+        </p:nvSpPr>
+        <p:spPr/>
+        <p:txBody>
+          <a:bodyPr/>
+          <a:lstStyle/>
+          <a:p>
+            <a:r>
+              <a:rPr lang="en-US" dirty="0"/>
+              <a:t>CRDs</a:t>
+            </a:r>
+          </a:p>
+          <a:p>
+            <a:pPr lvl="1"/>
+            <a:r>
+              <a:rPr lang="en-US" dirty="0"/>
+              <a:t>K8s templates (</a:t>
+            </a:r>
+            <a:r>
+              <a:rPr lang="en-US" dirty="0" err="1"/>
+              <a:t>yaml</a:t>
+            </a:r>
+            <a:r>
+              <a:rPr lang="en-US" dirty="0"/>
+              <a:t> config)</a:t>
+            </a:r>
+          </a:p>
+          <a:p>
+            <a:pPr lvl="1"/>
+            <a:r>
+              <a:rPr lang="en-US" dirty="0"/>
+              <a:t>Helm Chart</a:t>
+            </a:r>
+          </a:p>
+          <a:p>
+            <a:pPr lvl="1"/>
+            <a:r>
+              <a:rPr lang="en-US" dirty="0"/>
+              <a:t>Operator </a:t>
+            </a:r>
+          </a:p>
+          <a:p>
+            <a:r>
+              <a:rPr lang="en-US" dirty="0"/>
+              <a:t>NFD does what it does based on a configuration file</a:t>
+            </a:r>
+          </a:p>
+          <a:p>
+            <a:r>
+              <a:rPr lang="en-US" dirty="0" err="1"/>
+              <a:t>Configmap</a:t>
+            </a:r>
+            <a:r>
+              <a:rPr lang="en-US" dirty="0"/>
+              <a:t> is the key to the labeling</a:t>
+            </a:r>
+          </a:p>
+          <a:p>
+            <a:pPr marL="457200" lvl="1" indent="0">
+              <a:buNone/>
+            </a:pPr>
+            <a:endParaRPr lang="en-US" dirty="0"/>
+          </a:p>
+        </p:txBody>
+      </p:sp>
+      <p:sp>
+        <p:nvSpPr>
+          <p:cNvPr id="3" name="Title 2">
+            <a:extLst>
+              <a:ext uri="{FF2B5EF4-FFF2-40B4-BE49-F238E27FC236}">
+                <a16:creationId xmlns:a16="http://schemas.microsoft.com/office/drawing/2014/main" id="{32E262E6-D925-6641-9F94-BF696BD7F1BC}"/>
+              </a:ext>
+            </a:extLst>
+          </p:cNvPr>
+          <p:cNvSpPr>
+            <a:spLocks noGrp="1"/>
+          </p:cNvSpPr>
+          <p:nvPr>
+            <p:ph type="title"/>
+          </p:nvPr>
+        </p:nvSpPr>
+        <p:spPr/>
+        <p:txBody>
+          <a:bodyPr/>
+          <a:lstStyle/>
+          <a:p>
+            <a:r>
+              <a:rPr lang="en-US" dirty="0"/>
+              <a:t>Install Node Feature Discovery</a:t>
+            </a:r>
+          </a:p>
+        </p:txBody>
+      </p:sp>
+    </p:spTree>
+    <p:extLst>
+      <p:ext uri="{BB962C8B-B14F-4D97-AF65-F5344CB8AC3E}">
+        <p14:creationId xmlns:p14="http://schemas.microsoft.com/office/powerpoint/2010/main" val="1653445921"/>
+      </p:ext>
+    </p:extLst>
+  </p:cSld>
+  <p:clrMapOvr>
+    <a:masterClrMapping/>
+  </p:clrMapOvr>
+</p:sld>
+</file>
+
+<file path=ppt/slides/slide19.xml><?xml version="1.0" encoding="utf-8"?>
+<p:sld xmlns:a="http://schemas.openxmlformats.org/drawingml/2006/main" xmlns:r="http://schemas.openxmlformats.org/officeDocument/2006/relationships" xmlns:p="http://schemas.openxmlformats.org/presentationml/2006/main">
+  <p:cSld>
+    <p:spTree>
+      <p:nvGrpSpPr>
+        <p:cNvPr id="1" name=""/>
+        <p:cNvGrpSpPr/>
+        <p:nvPr/>
+      </p:nvGrpSpPr>
+      <p:grpSpPr>
+        <a:xfrm>
+          <a:off x="0" y="0"/>
+          <a:ext cx="0" cy="0"/>
+          <a:chOff x="0" y="0"/>
+          <a:chExt cx="0" cy="0"/>
+        </a:xfrm>
+      </p:grpSpPr>
+      <p:sp>
+        <p:nvSpPr>
+          <p:cNvPr id="3" name="Title 2">
+            <a:extLst>
+              <a:ext uri="{FF2B5EF4-FFF2-40B4-BE49-F238E27FC236}">
+                <a16:creationId xmlns:a16="http://schemas.microsoft.com/office/drawing/2014/main" id="{32E262E6-D925-6641-9F94-BF696BD7F1BC}"/>
+              </a:ext>
+            </a:extLst>
+          </p:cNvPr>
+          <p:cNvSpPr>
+            <a:spLocks noGrp="1"/>
+          </p:cNvSpPr>
+          <p:nvPr>
+            <p:ph type="title"/>
+          </p:nvPr>
+        </p:nvSpPr>
+        <p:spPr/>
+        <p:txBody>
+          <a:bodyPr/>
+          <a:lstStyle/>
+          <a:p>
+            <a:r>
+              <a:rPr lang="en-US" dirty="0"/>
+              <a:t>Example </a:t>
+            </a:r>
+            <a:r>
+              <a:rPr lang="en-US" dirty="0" err="1"/>
+              <a:t>ConfigMap</a:t>
+            </a:r>
+            <a:endParaRPr lang="en-US" dirty="0"/>
+          </a:p>
+        </p:txBody>
+      </p:sp>
+      <p:sp>
+        <p:nvSpPr>
+          <p:cNvPr id="6" name="Content Placeholder 5">
+            <a:extLst>
+              <a:ext uri="{FF2B5EF4-FFF2-40B4-BE49-F238E27FC236}">
+                <a16:creationId xmlns:a16="http://schemas.microsoft.com/office/drawing/2014/main" id="{B0F6BF48-92C9-E94C-8449-DF31F5493F12}"/>
+              </a:ext>
+            </a:extLst>
+          </p:cNvPr>
+          <p:cNvSpPr>
+            <a:spLocks noGrp="1"/>
+          </p:cNvSpPr>
+          <p:nvPr>
+            <p:ph sz="half" idx="1"/>
+          </p:nvPr>
+        </p:nvSpPr>
+        <p:spPr>
+          <a:xfrm>
+            <a:off x="838200" y="1571625"/>
+            <a:ext cx="5181600" cy="4351338"/>
+          </a:xfrm>
+        </p:spPr>
+        <p:txBody>
+          <a:bodyPr/>
+          <a:lstStyle/>
+          <a:p>
+            <a:endParaRPr lang="en-US"/>
+          </a:p>
+        </p:txBody>
+      </p:sp>
+      <p:sp>
+        <p:nvSpPr>
+          <p:cNvPr id="7" name="Content Placeholder 6">
+            <a:extLst>
+              <a:ext uri="{FF2B5EF4-FFF2-40B4-BE49-F238E27FC236}">
+                <a16:creationId xmlns:a16="http://schemas.microsoft.com/office/drawing/2014/main" id="{840F912D-24FB-E94C-872F-0AD9EA605AF8}"/>
+              </a:ext>
+            </a:extLst>
+          </p:cNvPr>
+          <p:cNvSpPr>
+            <a:spLocks noGrp="1"/>
+          </p:cNvSpPr>
+          <p:nvPr>
+            <p:ph sz="half" idx="2"/>
+          </p:nvPr>
+        </p:nvSpPr>
+        <p:spPr>
+          <a:xfrm>
+            <a:off x="6172200" y="1571625"/>
+            <a:ext cx="5181600" cy="4351338"/>
+          </a:xfrm>
+        </p:spPr>
+        <p:txBody>
+          <a:bodyPr/>
+          <a:lstStyle/>
+          <a:p>
+            <a:endParaRPr lang="en-US"/>
+          </a:p>
+        </p:txBody>
+      </p:sp>
+      <p:sp>
+        <p:nvSpPr>
+          <p:cNvPr id="5" name="Rectangle 4">
+            <a:extLst>
+              <a:ext uri="{FF2B5EF4-FFF2-40B4-BE49-F238E27FC236}">
+                <a16:creationId xmlns:a16="http://schemas.microsoft.com/office/drawing/2014/main" id="{E1D2BF82-FC24-1440-9290-499E10E34865}"/>
+              </a:ext>
+            </a:extLst>
+          </p:cNvPr>
+          <p:cNvSpPr/>
+          <p:nvPr/>
+        </p:nvSpPr>
+        <p:spPr>
+          <a:xfrm>
+            <a:off x="850899" y="1571624"/>
+            <a:ext cx="5181601" cy="4616647"/>
+          </a:xfrm>
+          <a:prstGeom prst="rect">
+            <a:avLst/>
+          </a:prstGeom>
+          <a:solidFill>
+            <a:schemeClr val="tx1">
+              <a:lumMod val="85000"/>
+              <a:lumOff val="15000"/>
+            </a:schemeClr>
+          </a:solidFill>
+        </p:spPr>
+        <p:txBody>
+          <a:bodyPr wrap="square">
+            <a:noAutofit/>
+          </a:bodyPr>
+          <a:lstStyle/>
+          <a:p>
+            <a:r>
+              <a:rPr lang="en-US" sz="1400" dirty="0">
+                <a:solidFill>
+                  <a:srgbClr val="2EAEBB"/>
+                </a:solidFill>
+                <a:latin typeface="Andale Mono" panose="020B0509000000000004" pitchFamily="49" charset="0"/>
+              </a:rPr>
+              <a:t>#core:</a:t>
+            </a:r>
+          </a:p>
+          <a:p>
+            <a:r>
+              <a:rPr lang="en-US" sz="1400" dirty="0">
+                <a:solidFill>
+                  <a:srgbClr val="2EAEBB"/>
+                </a:solidFill>
+                <a:latin typeface="Andale Mono" panose="020B0509000000000004" pitchFamily="49" charset="0"/>
+              </a:rPr>
+              <a:t>#  </a:t>
+            </a:r>
+            <a:r>
+              <a:rPr lang="en-US" sz="1400" dirty="0" err="1">
+                <a:solidFill>
+                  <a:srgbClr val="2EAEBB"/>
+                </a:solidFill>
+                <a:latin typeface="Andale Mono" panose="020B0509000000000004" pitchFamily="49" charset="0"/>
+              </a:rPr>
+              <a:t>labelWhiteList</a:t>
+            </a:r>
+            <a:r>
+              <a:rPr lang="en-US" sz="1400" dirty="0">
+                <a:solidFill>
+                  <a:srgbClr val="2EAEBB"/>
+                </a:solidFill>
+                <a:latin typeface="Andale Mono" panose="020B0509000000000004" pitchFamily="49" charset="0"/>
+              </a:rPr>
+              <a:t>:</a:t>
+            </a:r>
+          </a:p>
+          <a:p>
+            <a:r>
+              <a:rPr lang="en-US" sz="1400" dirty="0">
+                <a:solidFill>
+                  <a:srgbClr val="2EAEBB"/>
+                </a:solidFill>
+                <a:latin typeface="Andale Mono" panose="020B0509000000000004" pitchFamily="49" charset="0"/>
+              </a:rPr>
+              <a:t>#  </a:t>
+            </a:r>
+            <a:r>
+              <a:rPr lang="en-US" sz="1400" dirty="0" err="1">
+                <a:solidFill>
+                  <a:srgbClr val="2EAEBB"/>
+                </a:solidFill>
+                <a:latin typeface="Andale Mono" panose="020B0509000000000004" pitchFamily="49" charset="0"/>
+              </a:rPr>
+              <a:t>noPublish</a:t>
+            </a:r>
+            <a:r>
+              <a:rPr lang="en-US" sz="1400" dirty="0">
+                <a:solidFill>
+                  <a:srgbClr val="2EAEBB"/>
+                </a:solidFill>
+                <a:latin typeface="Andale Mono" panose="020B0509000000000004" pitchFamily="49" charset="0"/>
+              </a:rPr>
+              <a:t>: false</a:t>
+            </a:r>
+          </a:p>
+          <a:p>
+            <a:r>
+              <a:rPr lang="en-US" sz="1400" dirty="0">
+                <a:solidFill>
+                  <a:srgbClr val="2EAEBB"/>
+                </a:solidFill>
+                <a:latin typeface="Andale Mono" panose="020B0509000000000004" pitchFamily="49" charset="0"/>
+              </a:rPr>
+              <a:t>#  </a:t>
+            </a:r>
+            <a:r>
+              <a:rPr lang="en-US" sz="1400" dirty="0" err="1">
+                <a:solidFill>
+                  <a:srgbClr val="2EAEBB"/>
+                </a:solidFill>
+                <a:latin typeface="Andale Mono" panose="020B0509000000000004" pitchFamily="49" charset="0"/>
+              </a:rPr>
+              <a:t>sleepInterval</a:t>
+            </a:r>
+            <a:r>
+              <a:rPr lang="en-US" sz="1400" dirty="0">
+                <a:solidFill>
+                  <a:srgbClr val="2EAEBB"/>
+                </a:solidFill>
+                <a:latin typeface="Andale Mono" panose="020B0509000000000004" pitchFamily="49" charset="0"/>
+              </a:rPr>
+              <a:t>: 60s</a:t>
+            </a:r>
+          </a:p>
+          <a:p>
+            <a:r>
+              <a:rPr lang="en-US" sz="1400" dirty="0">
+                <a:solidFill>
+                  <a:srgbClr val="2EAEBB"/>
+                </a:solidFill>
+                <a:latin typeface="Andale Mono" panose="020B0509000000000004" pitchFamily="49" charset="0"/>
+              </a:rPr>
+              <a:t>#  sources: [all]</a:t>
+            </a:r>
+          </a:p>
+          <a:p>
+            <a:r>
+              <a:rPr lang="en-US" sz="1400" dirty="0">
+                <a:solidFill>
+                  <a:srgbClr val="2EAEBB"/>
+                </a:solidFill>
+                <a:latin typeface="Andale Mono" panose="020B0509000000000004" pitchFamily="49" charset="0"/>
+              </a:rPr>
+              <a:t>#  </a:t>
+            </a:r>
+            <a:r>
+              <a:rPr lang="en-US" sz="1400" dirty="0" err="1">
+                <a:solidFill>
+                  <a:srgbClr val="2EAEBB"/>
+                </a:solidFill>
+                <a:latin typeface="Andale Mono" panose="020B0509000000000004" pitchFamily="49" charset="0"/>
+              </a:rPr>
+              <a:t>klog</a:t>
+            </a:r>
+            <a:r>
+              <a:rPr lang="en-US" sz="1400" dirty="0">
+                <a:solidFill>
+                  <a:srgbClr val="2EAEBB"/>
+                </a:solidFill>
+                <a:latin typeface="Andale Mono" panose="020B0509000000000004" pitchFamily="49" charset="0"/>
+              </a:rPr>
+              <a:t>:</a:t>
+            </a:r>
+          </a:p>
+          <a:p>
+            <a:r>
+              <a:rPr lang="en-US" sz="1400" dirty="0">
+                <a:solidFill>
+                  <a:srgbClr val="2EAEBB"/>
+                </a:solidFill>
+                <a:latin typeface="Andale Mono" panose="020B0509000000000004" pitchFamily="49" charset="0"/>
+              </a:rPr>
+              <a:t>#    </a:t>
+            </a:r>
+            <a:r>
+              <a:rPr lang="en-US" sz="1400" dirty="0" err="1">
+                <a:solidFill>
+                  <a:srgbClr val="2EAEBB"/>
+                </a:solidFill>
+                <a:latin typeface="Andale Mono" panose="020B0509000000000004" pitchFamily="49" charset="0"/>
+              </a:rPr>
+              <a:t>addDirHeader</a:t>
+            </a:r>
+            <a:r>
+              <a:rPr lang="en-US" sz="1400" dirty="0">
+                <a:solidFill>
+                  <a:srgbClr val="2EAEBB"/>
+                </a:solidFill>
+                <a:latin typeface="Andale Mono" panose="020B0509000000000004" pitchFamily="49" charset="0"/>
+              </a:rPr>
+              <a:t>: false</a:t>
+            </a:r>
+          </a:p>
+          <a:p>
+            <a:r>
+              <a:rPr lang="en-US" sz="1400" dirty="0">
+                <a:solidFill>
+                  <a:srgbClr val="2EAEBB"/>
+                </a:solidFill>
+                <a:latin typeface="Andale Mono" panose="020B0509000000000004" pitchFamily="49" charset="0"/>
+              </a:rPr>
+              <a:t>#    </a:t>
+            </a:r>
+            <a:r>
+              <a:rPr lang="en-US" sz="1400" dirty="0" err="1">
+                <a:solidFill>
+                  <a:srgbClr val="2EAEBB"/>
+                </a:solidFill>
+                <a:latin typeface="Andale Mono" panose="020B0509000000000004" pitchFamily="49" charset="0"/>
+              </a:rPr>
+              <a:t>alsologtostderr</a:t>
+            </a:r>
+            <a:r>
+              <a:rPr lang="en-US" sz="1400" dirty="0">
+                <a:solidFill>
+                  <a:srgbClr val="2EAEBB"/>
+                </a:solidFill>
+                <a:latin typeface="Andale Mono" panose="020B0509000000000004" pitchFamily="49" charset="0"/>
+              </a:rPr>
+              <a:t>: false</a:t>
+            </a:r>
+          </a:p>
+          <a:p>
+            <a:r>
+              <a:rPr lang="en-US" sz="1400" dirty="0">
+                <a:solidFill>
+                  <a:srgbClr val="2EAEBB"/>
+                </a:solidFill>
+                <a:latin typeface="Andale Mono" panose="020B0509000000000004" pitchFamily="49" charset="0"/>
+              </a:rPr>
+              <a:t>#    </a:t>
+            </a:r>
+            <a:r>
+              <a:rPr lang="en-US" sz="1400" dirty="0" err="1">
+                <a:solidFill>
+                  <a:srgbClr val="2EAEBB"/>
+                </a:solidFill>
+                <a:latin typeface="Andale Mono" panose="020B0509000000000004" pitchFamily="49" charset="0"/>
+              </a:rPr>
+              <a:t>logBacktraceAt</a:t>
+            </a:r>
+            <a:r>
+              <a:rPr lang="en-US" sz="1400" dirty="0">
+                <a:solidFill>
+                  <a:srgbClr val="2EAEBB"/>
+                </a:solidFill>
+                <a:latin typeface="Andale Mono" panose="020B0509000000000004" pitchFamily="49" charset="0"/>
+              </a:rPr>
+              <a:t>:</a:t>
+            </a:r>
+          </a:p>
+          <a:p>
+            <a:r>
+              <a:rPr lang="en-US" sz="1400" dirty="0">
+                <a:solidFill>
+                  <a:srgbClr val="2EAEBB"/>
+                </a:solidFill>
+                <a:latin typeface="Andale Mono" panose="020B0509000000000004" pitchFamily="49" charset="0"/>
+              </a:rPr>
+              <a:t>#    </a:t>
+            </a:r>
+            <a:r>
+              <a:rPr lang="en-US" sz="1400" dirty="0" err="1">
+                <a:solidFill>
+                  <a:srgbClr val="2EAEBB"/>
+                </a:solidFill>
+                <a:latin typeface="Andale Mono" panose="020B0509000000000004" pitchFamily="49" charset="0"/>
+              </a:rPr>
+              <a:t>logtostderr</a:t>
+            </a:r>
+            <a:r>
+              <a:rPr lang="en-US" sz="1400" dirty="0">
+                <a:solidFill>
+                  <a:srgbClr val="2EAEBB"/>
+                </a:solidFill>
+                <a:latin typeface="Andale Mono" panose="020B0509000000000004" pitchFamily="49" charset="0"/>
+              </a:rPr>
+              <a:t>: true</a:t>
+            </a:r>
+          </a:p>
+          <a:p>
+            <a:r>
+              <a:rPr lang="en-US" sz="1400" dirty="0">
+                <a:solidFill>
+                  <a:srgbClr val="2EAEBB"/>
+                </a:solidFill>
+                <a:latin typeface="Andale Mono" panose="020B0509000000000004" pitchFamily="49" charset="0"/>
+              </a:rPr>
+              <a:t>#    </a:t>
+            </a:r>
+            <a:r>
+              <a:rPr lang="en-US" sz="1400" dirty="0" err="1">
+                <a:solidFill>
+                  <a:srgbClr val="2EAEBB"/>
+                </a:solidFill>
+                <a:latin typeface="Andale Mono" panose="020B0509000000000004" pitchFamily="49" charset="0"/>
+              </a:rPr>
+              <a:t>skipHeaders</a:t>
+            </a:r>
+            <a:r>
+              <a:rPr lang="en-US" sz="1400" dirty="0">
+                <a:solidFill>
+                  <a:srgbClr val="2EAEBB"/>
+                </a:solidFill>
+                <a:latin typeface="Andale Mono" panose="020B0509000000000004" pitchFamily="49" charset="0"/>
+              </a:rPr>
+              <a:t>: false</a:t>
+            </a:r>
+          </a:p>
+          <a:p>
+            <a:r>
+              <a:rPr lang="en-US" sz="1400" dirty="0">
+                <a:solidFill>
+                  <a:srgbClr val="2EAEBB"/>
+                </a:solidFill>
+                <a:latin typeface="Andale Mono" panose="020B0509000000000004" pitchFamily="49" charset="0"/>
+              </a:rPr>
+              <a:t>#    </a:t>
+            </a:r>
+            <a:r>
+              <a:rPr lang="en-US" sz="1400" dirty="0" err="1">
+                <a:solidFill>
+                  <a:srgbClr val="2EAEBB"/>
+                </a:solidFill>
+                <a:latin typeface="Andale Mono" panose="020B0509000000000004" pitchFamily="49" charset="0"/>
+              </a:rPr>
+              <a:t>stderrthreshold</a:t>
+            </a:r>
+            <a:r>
+              <a:rPr lang="en-US" sz="1400" dirty="0">
+                <a:solidFill>
+                  <a:srgbClr val="2EAEBB"/>
+                </a:solidFill>
+                <a:latin typeface="Andale Mono" panose="020B0509000000000004" pitchFamily="49" charset="0"/>
+              </a:rPr>
+              <a:t>: 2</a:t>
+            </a:r>
+          </a:p>
+          <a:p>
+            <a:r>
+              <a:rPr lang="en-US" sz="1400" dirty="0">
+                <a:solidFill>
+                  <a:srgbClr val="2EAEBB"/>
+                </a:solidFill>
+                <a:latin typeface="Andale Mono" panose="020B0509000000000004" pitchFamily="49" charset="0"/>
+              </a:rPr>
+              <a:t>#    v: 0</a:t>
+            </a:r>
+          </a:p>
+          <a:p>
+            <a:r>
+              <a:rPr lang="en-US" sz="1400" dirty="0">
+                <a:solidFill>
+                  <a:srgbClr val="2EAEBB"/>
+                </a:solidFill>
+                <a:latin typeface="Andale Mono" panose="020B0509000000000004" pitchFamily="49" charset="0"/>
+              </a:rPr>
+              <a:t>#    </a:t>
+            </a:r>
+            <a:r>
+              <a:rPr lang="en-US" sz="1400" dirty="0" err="1">
+                <a:solidFill>
+                  <a:srgbClr val="2EAEBB"/>
+                </a:solidFill>
+                <a:latin typeface="Andale Mono" panose="020B0509000000000004" pitchFamily="49" charset="0"/>
+              </a:rPr>
+              <a:t>vmodule</a:t>
+            </a:r>
+            <a:r>
+              <a:rPr lang="en-US" sz="1400" dirty="0">
+                <a:solidFill>
+                  <a:srgbClr val="2EAEBB"/>
+                </a:solidFill>
+                <a:latin typeface="Andale Mono" panose="020B0509000000000004" pitchFamily="49" charset="0"/>
+              </a:rPr>
+              <a:t>:</a:t>
+            </a:r>
+          </a:p>
+          <a:p>
+            <a:r>
+              <a:rPr lang="en-US" sz="1400" dirty="0">
+                <a:solidFill>
+                  <a:srgbClr val="2EAEBB"/>
+                </a:solidFill>
+                <a:latin typeface="Andale Mono" panose="020B0509000000000004" pitchFamily="49" charset="0"/>
+              </a:rPr>
+              <a:t>#    </a:t>
+            </a:r>
+            <a:r>
+              <a:rPr lang="en-US" sz="1400" dirty="0" err="1">
+                <a:solidFill>
+                  <a:srgbClr val="2EAEBB"/>
+                </a:solidFill>
+                <a:latin typeface="Andale Mono" panose="020B0509000000000004" pitchFamily="49" charset="0"/>
+              </a:rPr>
+              <a:t>logDir</a:t>
+            </a:r>
+            <a:r>
+              <a:rPr lang="en-US" sz="1400" dirty="0">
+                <a:solidFill>
+                  <a:srgbClr val="2EAEBB"/>
+                </a:solidFill>
+                <a:latin typeface="Andale Mono" panose="020B0509000000000004" pitchFamily="49" charset="0"/>
+              </a:rPr>
+              <a:t>:</a:t>
+            </a:r>
+          </a:p>
+          <a:p>
+            <a:r>
+              <a:rPr lang="en-US" sz="1400" dirty="0">
+                <a:solidFill>
+                  <a:srgbClr val="2EAEBB"/>
+                </a:solidFill>
+                <a:latin typeface="Andale Mono" panose="020B0509000000000004" pitchFamily="49" charset="0"/>
+              </a:rPr>
+              <a:t>#    </a:t>
+            </a:r>
+            <a:r>
+              <a:rPr lang="en-US" sz="1400" dirty="0" err="1">
+                <a:solidFill>
+                  <a:srgbClr val="2EAEBB"/>
+                </a:solidFill>
+                <a:latin typeface="Andale Mono" panose="020B0509000000000004" pitchFamily="49" charset="0"/>
+              </a:rPr>
+              <a:t>logFile</a:t>
+            </a:r>
+            <a:r>
+              <a:rPr lang="en-US" sz="1400" dirty="0">
+                <a:solidFill>
+                  <a:srgbClr val="2EAEBB"/>
+                </a:solidFill>
+                <a:latin typeface="Andale Mono" panose="020B0509000000000004" pitchFamily="49" charset="0"/>
+              </a:rPr>
+              <a:t>:</a:t>
+            </a:r>
+          </a:p>
+          <a:p>
+            <a:r>
+              <a:rPr lang="en-US" sz="1400" dirty="0">
+                <a:solidFill>
+                  <a:srgbClr val="2EAEBB"/>
+                </a:solidFill>
+                <a:latin typeface="Andale Mono" panose="020B0509000000000004" pitchFamily="49" charset="0"/>
+              </a:rPr>
+              <a:t>#    </a:t>
+            </a:r>
+            <a:r>
+              <a:rPr lang="en-US" sz="1400" dirty="0" err="1">
+                <a:solidFill>
+                  <a:srgbClr val="2EAEBB"/>
+                </a:solidFill>
+                <a:latin typeface="Andale Mono" panose="020B0509000000000004" pitchFamily="49" charset="0"/>
+              </a:rPr>
+              <a:t>logFileMaxSize</a:t>
+            </a:r>
+            <a:r>
+              <a:rPr lang="en-US" sz="1400" dirty="0">
+                <a:solidFill>
+                  <a:srgbClr val="2EAEBB"/>
+                </a:solidFill>
+                <a:latin typeface="Andale Mono" panose="020B0509000000000004" pitchFamily="49" charset="0"/>
+              </a:rPr>
+              <a:t>: 1800</a:t>
+            </a:r>
+          </a:p>
+          <a:p>
+            <a:r>
+              <a:rPr lang="en-US" sz="1400" dirty="0">
+                <a:solidFill>
+                  <a:srgbClr val="2EAEBB"/>
+                </a:solidFill>
+                <a:latin typeface="Andale Mono" panose="020B0509000000000004" pitchFamily="49" charset="0"/>
+              </a:rPr>
+              <a:t>#    </a:t>
+            </a:r>
+            <a:r>
+              <a:rPr lang="en-US" sz="1400" dirty="0" err="1">
+                <a:solidFill>
+                  <a:srgbClr val="2EAEBB"/>
+                </a:solidFill>
+                <a:latin typeface="Andale Mono" panose="020B0509000000000004" pitchFamily="49" charset="0"/>
+              </a:rPr>
+              <a:t>skipLogHeaders</a:t>
+            </a:r>
+            <a:r>
+              <a:rPr lang="en-US" sz="1400" dirty="0">
+                <a:solidFill>
+                  <a:srgbClr val="2EAEBB"/>
+                </a:solidFill>
+                <a:latin typeface="Andale Mono" panose="020B0509000000000004" pitchFamily="49" charset="0"/>
+              </a:rPr>
+              <a:t>: false</a:t>
+            </a:r>
+            <a:endParaRPr lang="en-US" sz="1400" dirty="0">
+              <a:solidFill>
+                <a:srgbClr val="2FFF12"/>
+              </a:solidFill>
+              <a:latin typeface="Andale Mono" panose="020B0509000000000004" pitchFamily="49" charset="0"/>
+            </a:endParaRPr>
+          </a:p>
+        </p:txBody>
+      </p:sp>
+      <p:sp>
+        <p:nvSpPr>
+          <p:cNvPr id="8" name="Rectangle 7">
+            <a:extLst>
+              <a:ext uri="{FF2B5EF4-FFF2-40B4-BE49-F238E27FC236}">
+                <a16:creationId xmlns:a16="http://schemas.microsoft.com/office/drawing/2014/main" id="{A96DBF7E-E2B8-4A40-BCD9-E033EB50B588}"/>
+              </a:ext>
+            </a:extLst>
+          </p:cNvPr>
+          <p:cNvSpPr/>
+          <p:nvPr/>
+        </p:nvSpPr>
+        <p:spPr>
+          <a:xfrm>
+            <a:off x="6172200" y="1571625"/>
+            <a:ext cx="5181601" cy="4616648"/>
+          </a:xfrm>
+          <a:prstGeom prst="rect">
+            <a:avLst/>
+          </a:prstGeom>
+          <a:solidFill>
+            <a:schemeClr val="tx1">
+              <a:lumMod val="85000"/>
+              <a:lumOff val="15000"/>
+            </a:schemeClr>
+          </a:solidFill>
+        </p:spPr>
+        <p:txBody>
+          <a:bodyPr wrap="square">
+            <a:spAutoFit/>
+          </a:bodyPr>
+          <a:lstStyle/>
+          <a:p>
+            <a:r>
+              <a:rPr lang="en-US" sz="1400" dirty="0">
+                <a:solidFill>
+                  <a:srgbClr val="2EAEBB"/>
+                </a:solidFill>
+                <a:latin typeface="Andale Mono" panose="020B0509000000000004" pitchFamily="49" charset="0"/>
+              </a:rPr>
+              <a:t>sources:</a:t>
+            </a:r>
+          </a:p>
+          <a:p>
+            <a:r>
+              <a:rPr lang="en-US" sz="1400" dirty="0">
+                <a:solidFill>
+                  <a:srgbClr val="2EAEBB"/>
+                </a:solidFill>
+                <a:latin typeface="Andale Mono" panose="020B0509000000000004" pitchFamily="49" charset="0"/>
+              </a:rPr>
+              <a:t>#  </a:t>
+            </a:r>
+            <a:r>
+              <a:rPr lang="en-US" sz="1400" dirty="0" err="1">
+                <a:solidFill>
+                  <a:srgbClr val="2EAEBB"/>
+                </a:solidFill>
+                <a:latin typeface="Andale Mono" panose="020B0509000000000004" pitchFamily="49" charset="0"/>
+              </a:rPr>
+              <a:t>cpu</a:t>
+            </a:r>
+            <a:r>
+              <a:rPr lang="en-US" sz="1400" dirty="0">
+                <a:solidFill>
+                  <a:srgbClr val="2EAEBB"/>
+                </a:solidFill>
+                <a:latin typeface="Andale Mono" panose="020B0509000000000004" pitchFamily="49" charset="0"/>
+              </a:rPr>
+              <a:t>:</a:t>
+            </a:r>
+          </a:p>
+          <a:p>
+            <a:r>
+              <a:rPr lang="en-US" sz="1400" dirty="0">
+                <a:solidFill>
+                  <a:srgbClr val="2EAEBB"/>
+                </a:solidFill>
+                <a:latin typeface="Andale Mono" panose="020B0509000000000004" pitchFamily="49" charset="0"/>
+              </a:rPr>
+              <a:t>#    </a:t>
+            </a:r>
+            <a:r>
+              <a:rPr lang="en-US" sz="1400" dirty="0" err="1">
+                <a:solidFill>
+                  <a:srgbClr val="2EAEBB"/>
+                </a:solidFill>
+                <a:latin typeface="Andale Mono" panose="020B0509000000000004" pitchFamily="49" charset="0"/>
+              </a:rPr>
+              <a:t>cpuid</a:t>
+            </a:r>
+            <a:r>
+              <a:rPr lang="en-US" sz="1400" dirty="0">
+                <a:solidFill>
+                  <a:srgbClr val="2EAEBB"/>
+                </a:solidFill>
+                <a:latin typeface="Andale Mono" panose="020B0509000000000004" pitchFamily="49" charset="0"/>
+              </a:rPr>
+              <a:t>:</a:t>
+            </a:r>
+          </a:p>
+          <a:p>
+            <a:r>
+              <a:rPr lang="en-US" sz="1400" dirty="0">
+                <a:solidFill>
+                  <a:srgbClr val="2EAEBB"/>
+                </a:solidFill>
+                <a:latin typeface="Andale Mono" panose="020B0509000000000004" pitchFamily="49" charset="0"/>
+              </a:rPr>
+              <a:t>##     NOTE: whitelist has priority over blacklist</a:t>
+            </a:r>
+          </a:p>
+          <a:p>
+            <a:r>
+              <a:rPr lang="en-US" sz="1400" dirty="0">
+                <a:solidFill>
+                  <a:srgbClr val="2EAEBB"/>
+                </a:solidFill>
+                <a:latin typeface="Andale Mono" panose="020B0509000000000004" pitchFamily="49" charset="0"/>
+              </a:rPr>
+              <a:t>#      </a:t>
+            </a:r>
+            <a:r>
+              <a:rPr lang="en-US" sz="1400" dirty="0" err="1">
+                <a:solidFill>
+                  <a:srgbClr val="2EAEBB"/>
+                </a:solidFill>
+                <a:latin typeface="Andale Mono" panose="020B0509000000000004" pitchFamily="49" charset="0"/>
+              </a:rPr>
+              <a:t>attributeBlacklist</a:t>
+            </a:r>
+            <a:r>
+              <a:rPr lang="en-US" sz="1400" dirty="0">
+                <a:solidFill>
+                  <a:srgbClr val="2EAEBB"/>
+                </a:solidFill>
+                <a:latin typeface="Andale Mono" panose="020B0509000000000004" pitchFamily="49" charset="0"/>
+              </a:rPr>
+              <a:t>:</a:t>
+            </a:r>
+          </a:p>
+          <a:p>
+            <a:r>
+              <a:rPr lang="en-US" sz="1400" dirty="0">
+                <a:solidFill>
+                  <a:srgbClr val="2EAEBB"/>
+                </a:solidFill>
+                <a:latin typeface="Andale Mono" panose="020B0509000000000004" pitchFamily="49" charset="0"/>
+              </a:rPr>
+              <a:t>#        - "BMI1"</a:t>
+            </a:r>
+          </a:p>
+          <a:p>
+            <a:r>
+              <a:rPr lang="en-US" sz="1400" dirty="0">
+                <a:solidFill>
+                  <a:srgbClr val="2EAEBB"/>
+                </a:solidFill>
+                <a:latin typeface="Andale Mono" panose="020B0509000000000004" pitchFamily="49" charset="0"/>
+              </a:rPr>
+              <a:t>#      </a:t>
+            </a:r>
+            <a:r>
+              <a:rPr lang="en-US" sz="1400" dirty="0" err="1">
+                <a:solidFill>
+                  <a:srgbClr val="2EAEBB"/>
+                </a:solidFill>
+                <a:latin typeface="Andale Mono" panose="020B0509000000000004" pitchFamily="49" charset="0"/>
+              </a:rPr>
+              <a:t>attributeWhitelist</a:t>
+            </a:r>
+            <a:r>
+              <a:rPr lang="en-US" sz="1400" dirty="0">
+                <a:solidFill>
+                  <a:srgbClr val="2EAEBB"/>
+                </a:solidFill>
+                <a:latin typeface="Andale Mono" panose="020B0509000000000004" pitchFamily="49" charset="0"/>
+              </a:rPr>
+              <a:t>:</a:t>
+            </a:r>
+          </a:p>
+          <a:p>
+            <a:r>
+              <a:rPr lang="en-US" sz="1400" dirty="0">
+                <a:solidFill>
+                  <a:srgbClr val="2EAEBB"/>
+                </a:solidFill>
+                <a:latin typeface="Andale Mono" panose="020B0509000000000004" pitchFamily="49" charset="0"/>
+              </a:rPr>
+              <a:t>#  kernel:</a:t>
+            </a:r>
+          </a:p>
+          <a:p>
+            <a:r>
+              <a:rPr lang="en-US" sz="1400" dirty="0">
+                <a:solidFill>
+                  <a:srgbClr val="2EAEBB"/>
+                </a:solidFill>
+                <a:latin typeface="Andale Mono" panose="020B0509000000000004" pitchFamily="49" charset="0"/>
+              </a:rPr>
+              <a:t>#    </a:t>
+            </a:r>
+            <a:r>
+              <a:rPr lang="en-US" sz="1400" dirty="0" err="1">
+                <a:solidFill>
+                  <a:srgbClr val="2EAEBB"/>
+                </a:solidFill>
+                <a:latin typeface="Andale Mono" panose="020B0509000000000004" pitchFamily="49" charset="0"/>
+              </a:rPr>
+              <a:t>kconfigFile</a:t>
+            </a:r>
+            <a:r>
+              <a:rPr lang="en-US" sz="1400" dirty="0">
+                <a:solidFill>
+                  <a:srgbClr val="2EAEBB"/>
+                </a:solidFill>
+                <a:latin typeface="Andale Mono" panose="020B0509000000000004" pitchFamily="49" charset="0"/>
+              </a:rPr>
+              <a:t>: "/path/to/</a:t>
+            </a:r>
+            <a:r>
+              <a:rPr lang="en-US" sz="1400" dirty="0" err="1">
+                <a:solidFill>
+                  <a:srgbClr val="2EAEBB"/>
+                </a:solidFill>
+                <a:latin typeface="Andale Mono" panose="020B0509000000000004" pitchFamily="49" charset="0"/>
+              </a:rPr>
+              <a:t>kconfig</a:t>
+            </a:r>
+            <a:r>
+              <a:rPr lang="en-US" sz="1400" dirty="0">
+                <a:solidFill>
+                  <a:srgbClr val="2EAEBB"/>
+                </a:solidFill>
+                <a:latin typeface="Andale Mono" panose="020B0509000000000004" pitchFamily="49" charset="0"/>
+              </a:rPr>
+              <a:t>"</a:t>
+            </a:r>
+          </a:p>
+          <a:p>
+            <a:r>
+              <a:rPr lang="en-US" sz="1400" dirty="0">
+                <a:solidFill>
+                  <a:srgbClr val="2EAEBB"/>
+                </a:solidFill>
+                <a:latin typeface="Andale Mono" panose="020B0509000000000004" pitchFamily="49" charset="0"/>
+              </a:rPr>
+              <a:t>#    </a:t>
+            </a:r>
+            <a:r>
+              <a:rPr lang="en-US" sz="1400" dirty="0" err="1">
+                <a:solidFill>
+                  <a:srgbClr val="2EAEBB"/>
+                </a:solidFill>
+                <a:latin typeface="Andale Mono" panose="020B0509000000000004" pitchFamily="49" charset="0"/>
+              </a:rPr>
+              <a:t>configOpts</a:t>
+            </a:r>
+            <a:r>
+              <a:rPr lang="en-US" sz="1400" dirty="0">
+                <a:solidFill>
+                  <a:srgbClr val="2EAEBB"/>
+                </a:solidFill>
+                <a:latin typeface="Andale Mono" panose="020B0509000000000004" pitchFamily="49" charset="0"/>
+              </a:rPr>
+              <a:t>:</a:t>
+            </a:r>
+          </a:p>
+          <a:p>
+            <a:r>
+              <a:rPr lang="en-US" sz="1400" dirty="0">
+                <a:solidFill>
+                  <a:srgbClr val="2EAEBB"/>
+                </a:solidFill>
+                <a:latin typeface="Andale Mono" panose="020B0509000000000004" pitchFamily="49" charset="0"/>
+              </a:rPr>
+              <a:t>#      - "NO_HZ"</a:t>
+            </a:r>
+          </a:p>
+          <a:p>
+            <a:r>
+              <a:rPr lang="en-US" sz="1400" dirty="0">
+                <a:solidFill>
+                  <a:srgbClr val="2EAEBB"/>
+                </a:solidFill>
+                <a:latin typeface="Andale Mono" panose="020B0509000000000004" pitchFamily="49" charset="0"/>
+              </a:rPr>
+              <a:t>#      - "X86"</a:t>
+            </a:r>
+          </a:p>
+          <a:p>
+            <a:r>
+              <a:rPr lang="en-US" sz="1400" dirty="0">
+                <a:solidFill>
+                  <a:srgbClr val="2EAEBB"/>
+                </a:solidFill>
+                <a:latin typeface="Andale Mono" panose="020B0509000000000004" pitchFamily="49" charset="0"/>
+              </a:rPr>
+              <a:t>#      - "DMI"</a:t>
+            </a:r>
+          </a:p>
+          <a:p>
+            <a:r>
+              <a:rPr lang="en-US" sz="1400" dirty="0">
+                <a:solidFill>
+                  <a:srgbClr val="2EAEBB"/>
+                </a:solidFill>
+                <a:latin typeface="Andale Mono" panose="020B0509000000000004" pitchFamily="49" charset="0"/>
+              </a:rPr>
+              <a:t>  </a:t>
+            </a:r>
+            <a:r>
+              <a:rPr lang="en-US" sz="1400" dirty="0" err="1">
+                <a:solidFill>
+                  <a:srgbClr val="2EAEBB"/>
+                </a:solidFill>
+                <a:latin typeface="Andale Mono" panose="020B0509000000000004" pitchFamily="49" charset="0"/>
+              </a:rPr>
+              <a:t>usb</a:t>
+            </a:r>
+            <a:r>
+              <a:rPr lang="en-US" sz="1400" dirty="0">
+                <a:solidFill>
+                  <a:srgbClr val="2EAEBB"/>
+                </a:solidFill>
+                <a:latin typeface="Andale Mono" panose="020B0509000000000004" pitchFamily="49" charset="0"/>
+              </a:rPr>
+              <a:t>:</a:t>
+            </a:r>
+          </a:p>
+          <a:p>
+            <a:r>
+              <a:rPr lang="en-US" sz="1400" dirty="0">
+                <a:solidFill>
+                  <a:srgbClr val="2EAEBB"/>
+                </a:solidFill>
+                <a:latin typeface="Andale Mono" panose="020B0509000000000004" pitchFamily="49" charset="0"/>
+              </a:rPr>
+              <a:t>    </a:t>
+            </a:r>
+            <a:r>
+              <a:rPr lang="en-US" sz="1400" dirty="0" err="1">
+                <a:solidFill>
+                  <a:srgbClr val="2EAEBB"/>
+                </a:solidFill>
+                <a:latin typeface="Andale Mono" panose="020B0509000000000004" pitchFamily="49" charset="0"/>
+              </a:rPr>
+              <a:t>deviceClassWhitelist</a:t>
+            </a:r>
+            <a:r>
+              <a:rPr lang="en-US" sz="1400" dirty="0">
+                <a:solidFill>
+                  <a:srgbClr val="2EAEBB"/>
+                </a:solidFill>
+                <a:latin typeface="Andale Mono" panose="020B0509000000000004" pitchFamily="49" charset="0"/>
+              </a:rPr>
+              <a:t>:</a:t>
+            </a:r>
+          </a:p>
+          <a:p>
+            <a:r>
+              <a:rPr lang="en-US" sz="1400" dirty="0">
+                <a:solidFill>
+                  <a:srgbClr val="2EAEBB"/>
+                </a:solidFill>
+                <a:latin typeface="Andale Mono" panose="020B0509000000000004" pitchFamily="49" charset="0"/>
+              </a:rPr>
+              <a:t>      - "03"</a:t>
+            </a:r>
+          </a:p>
+          <a:p>
+            <a:r>
+              <a:rPr lang="en-US" sz="1400" dirty="0">
+                <a:solidFill>
+                  <a:srgbClr val="2EAEBB"/>
+                </a:solidFill>
+                <a:latin typeface="Andale Mono" panose="020B0509000000000004" pitchFamily="49" charset="0"/>
+              </a:rPr>
+              <a:t>    </a:t>
+            </a:r>
+            <a:r>
+              <a:rPr lang="en-US" sz="1400" dirty="0" err="1">
+                <a:solidFill>
+                  <a:srgbClr val="2EAEBB"/>
+                </a:solidFill>
+                <a:latin typeface="Andale Mono" panose="020B0509000000000004" pitchFamily="49" charset="0"/>
+              </a:rPr>
+              <a:t>deviceLabelFields</a:t>
+            </a:r>
+            <a:r>
+              <a:rPr lang="en-US" sz="1400" dirty="0">
+                <a:solidFill>
+                  <a:srgbClr val="2EAEBB"/>
+                </a:solidFill>
+                <a:latin typeface="Andale Mono" panose="020B0509000000000004" pitchFamily="49" charset="0"/>
+              </a:rPr>
+              <a:t>:</a:t>
+            </a:r>
+          </a:p>
+          <a:p>
+            <a:r>
+              <a:rPr lang="en-US" sz="1400" dirty="0">
+                <a:solidFill>
+                  <a:srgbClr val="2EAEBB"/>
+                </a:solidFill>
+                <a:latin typeface="Andale Mono" panose="020B0509000000000004" pitchFamily="49" charset="0"/>
+              </a:rPr>
+              <a:t>      - "class"</a:t>
+            </a:r>
+          </a:p>
+          <a:p>
+            <a:r>
+              <a:rPr lang="en-US" sz="1400" dirty="0">
+                <a:solidFill>
+                  <a:srgbClr val="2EAEBB"/>
+                </a:solidFill>
+                <a:latin typeface="Andale Mono" panose="020B0509000000000004" pitchFamily="49" charset="0"/>
+              </a:rPr>
+              <a:t>      - "vendor"</a:t>
+            </a:r>
+          </a:p>
+          <a:p>
+            <a:r>
+              <a:rPr lang="en-US" sz="1400" dirty="0">
+                <a:solidFill>
+                  <a:srgbClr val="2EAEBB"/>
+                </a:solidFill>
+                <a:latin typeface="Andale Mono" panose="020B0509000000000004" pitchFamily="49" charset="0"/>
+              </a:rPr>
+              <a:t>      - "device"</a:t>
+            </a:r>
+            <a:endParaRPr lang="en-US" sz="1400" dirty="0">
+              <a:solidFill>
+                <a:srgbClr val="2FFF12"/>
+              </a:solidFill>
+              <a:latin typeface="Andale Mono" panose="020B0509000000000004" pitchFamily="49" charset="0"/>
+            </a:endParaRPr>
+          </a:p>
+        </p:txBody>
+      </p:sp>
+    </p:spTree>
+    <p:extLst>
+      <p:ext uri="{BB962C8B-B14F-4D97-AF65-F5344CB8AC3E}">
+        <p14:creationId xmlns:p14="http://schemas.microsoft.com/office/powerpoint/2010/main" val="513180814"/>
+      </p:ext>
+    </p:extLst>
+  </p:cSld>
+  <p:clrMapOvr>
+    <a:masterClrMapping/>
+  </p:clrMapOvr>
+</p:sld>
+</file>
+
+<file path=ppt/slides/slide2.xml><?xml version="1.0" encoding="utf-8"?>
+<p:sld xmlns:a="http://schemas.openxmlformats.org/drawingml/2006/main" xmlns:r="http://schemas.openxmlformats.org/officeDocument/2006/relationships" xmlns:p="http://schemas.openxmlformats.org/presentationml/2006/main">
+  <p:cSld>
+    <p:spTree>
+      <p:nvGrpSpPr>
+        <p:cNvPr id="1" name=""/>
+        <p:cNvGrpSpPr/>
+        <p:nvPr/>
+      </p:nvGrpSpPr>
+      <p:grpSpPr>
+        <a:xfrm>
+          <a:off x="0" y="0"/>
+          <a:ext cx="0" cy="0"/>
+          <a:chOff x="0" y="0"/>
+          <a:chExt cx="0" cy="0"/>
+        </a:xfrm>
+      </p:grpSpPr>
+      <p:sp>
+        <p:nvSpPr>
+          <p:cNvPr id="4" name="Title 1">
+            <a:extLst>
+              <a:ext uri="{FF2B5EF4-FFF2-40B4-BE49-F238E27FC236}">
+                <a16:creationId xmlns:a16="http://schemas.microsoft.com/office/drawing/2014/main" id="{1342D4B4-BF92-D14A-BF1C-9878B92A2A3D}"/>
+              </a:ext>
+            </a:extLst>
+          </p:cNvPr>
+          <p:cNvSpPr txBox="1">
+            <a:spLocks/>
+          </p:cNvSpPr>
+          <p:nvPr/>
+        </p:nvSpPr>
+        <p:spPr>
+          <a:xfrm>
+            <a:off x="559904" y="3329000"/>
+            <a:ext cx="10515600" cy="1325563"/>
+          </a:xfrm>
+          <a:prstGeom prst="rect">
+            <a:avLst/>
+          </a:prstGeom>
+        </p:spPr>
+        <p:txBody>
+          <a:bodyPr vert="horz" lIns="91440" tIns="45720" rIns="91440" bIns="45720" rtlCol="0" anchor="ctr">
+            <a:normAutofit/>
+          </a:bodyPr>
+          <a:lstStyle>
+            <a:lvl1pPr algn="l" defTabSz="914400" rtl="0" eaLnBrk="1" latinLnBrk="0" hangingPunct="1">
+              <a:lnSpc>
+                <a:spcPct val="90000"/>
+              </a:lnSpc>
+              <a:spcBef>
+                <a:spcPct val="0"/>
+              </a:spcBef>
+              <a:buNone/>
+              <a:defRPr sz="4400" kern="1200">
+                <a:solidFill>
+                  <a:schemeClr val="tx1"/>
+                </a:solidFill>
+                <a:latin typeface="+mj-lt"/>
+                <a:ea typeface="+mj-ea"/>
+                <a:cs typeface="+mj-cs"/>
+              </a:defRPr>
+            </a:lvl1pPr>
+          </a:lstStyle>
+          <a:p>
+            <a:r>
+              <a:rPr lang="en-US" sz="3600" i="1" dirty="0">
+                <a:solidFill>
+                  <a:schemeClr val="bg1"/>
+                </a:solidFill>
+                <a:latin typeface="Arial" panose="020B0604020202020204" pitchFamily="34" charset="0"/>
+                <a:cs typeface="Arial" panose="020B0604020202020204" pitchFamily="34" charset="0"/>
+              </a:rPr>
+              <a:t>Mark Abrams</a:t>
+            </a:r>
+          </a:p>
+        </p:txBody>
+      </p:sp>
+      <p:sp>
+        <p:nvSpPr>
+          <p:cNvPr id="5" name="Title 1">
+            <a:extLst>
+              <a:ext uri="{FF2B5EF4-FFF2-40B4-BE49-F238E27FC236}">
+                <a16:creationId xmlns:a16="http://schemas.microsoft.com/office/drawing/2014/main" id="{91E3EC15-5521-4C4D-8C50-80159D61BEC0}"/>
+              </a:ext>
+            </a:extLst>
+          </p:cNvPr>
+          <p:cNvSpPr txBox="1">
+            <a:spLocks/>
+          </p:cNvSpPr>
+          <p:nvPr/>
+        </p:nvSpPr>
+        <p:spPr>
+          <a:xfrm>
+            <a:off x="559904" y="2318778"/>
+            <a:ext cx="10515600" cy="1325563"/>
+          </a:xfrm>
+          <a:prstGeom prst="rect">
+            <a:avLst/>
+          </a:prstGeom>
+        </p:spPr>
+        <p:txBody>
+          <a:bodyPr vert="horz" lIns="91440" tIns="45720" rIns="91440" bIns="45720" rtlCol="0" anchor="ctr">
+            <a:normAutofit fontScale="62500" lnSpcReduction="20000"/>
+          </a:bodyPr>
+          <a:lstStyle>
+            <a:lvl1pPr algn="l" defTabSz="914400" rtl="0" eaLnBrk="1" latinLnBrk="0" hangingPunct="1">
+              <a:lnSpc>
+                <a:spcPct val="90000"/>
+              </a:lnSpc>
+              <a:spcBef>
+                <a:spcPct val="0"/>
+              </a:spcBef>
+              <a:buNone/>
+              <a:defRPr sz="4400" kern="1200">
+                <a:solidFill>
+                  <a:schemeClr val="tx1"/>
+                </a:solidFill>
+                <a:latin typeface="+mj-lt"/>
+                <a:ea typeface="+mj-ea"/>
+                <a:cs typeface="+mj-cs"/>
+              </a:defRPr>
+            </a:lvl1pPr>
+          </a:lstStyle>
+          <a:p>
+            <a:r>
+              <a:rPr lang="en-US" sz="8000" b="1" dirty="0">
+                <a:solidFill>
+                  <a:schemeClr val="bg1"/>
+                </a:solidFill>
+                <a:latin typeface="Arial" panose="020B0604020202020204" pitchFamily="34" charset="0"/>
+                <a:cs typeface="Arial" panose="020B0604020202020204" pitchFamily="34" charset="0"/>
+              </a:rPr>
+              <a:t>Taming Unbounded Resources with Node Feature Discovery</a:t>
+            </a:r>
+          </a:p>
+        </p:txBody>
+      </p:sp>
+    </p:spTree>
+    <p:extLst>
+      <p:ext uri="{BB962C8B-B14F-4D97-AF65-F5344CB8AC3E}">
+        <p14:creationId xmlns:p14="http://schemas.microsoft.com/office/powerpoint/2010/main" val="1052877519"/>
+      </p:ext>
+    </p:extLst>
+  </p:cSld>
+  <p:clrMapOvr>
+    <a:masterClrMapping/>
+  </p:clrMapOvr>
+</p:sld>
+</file>
+
+<file path=ppt/slides/slide20.xml><?xml version="1.0" encoding="utf-8"?>
+<p:sld xmlns:a="http://schemas.openxmlformats.org/drawingml/2006/main" xmlns:r="http://schemas.openxmlformats.org/officeDocument/2006/relationships" xmlns:p="http://schemas.openxmlformats.org/presentationml/2006/main">
+  <p:cSld>
+    <p:spTree>
+      <p:nvGrpSpPr>
+        <p:cNvPr id="1" name=""/>
+        <p:cNvGrpSpPr/>
+        <p:nvPr/>
+      </p:nvGrpSpPr>
+      <p:grpSpPr>
+        <a:xfrm>
+          <a:off x="0" y="0"/>
+          <a:ext cx="0" cy="0"/>
+          <a:chOff x="0" y="0"/>
+          <a:chExt cx="0" cy="0"/>
+        </a:xfrm>
+      </p:grpSpPr>
+      <p:sp>
+        <p:nvSpPr>
+          <p:cNvPr id="3" name="Title 2">
+            <a:extLst>
+              <a:ext uri="{FF2B5EF4-FFF2-40B4-BE49-F238E27FC236}">
+                <a16:creationId xmlns:a16="http://schemas.microsoft.com/office/drawing/2014/main" id="{F97EBA32-0B1F-B247-B5C5-3107826B5E44}"/>
+              </a:ext>
+            </a:extLst>
+          </p:cNvPr>
+          <p:cNvSpPr>
+            <a:spLocks noGrp="1"/>
+          </p:cNvSpPr>
+          <p:nvPr>
+            <p:ph type="title"/>
+          </p:nvPr>
+        </p:nvSpPr>
+        <p:spPr/>
+        <p:txBody>
+          <a:bodyPr/>
+          <a:lstStyle/>
+          <a:p>
+            <a:r>
+              <a:rPr lang="en-US" dirty="0" err="1"/>
+              <a:t>Practicatl</a:t>
+            </a:r>
+            <a:r>
+              <a:rPr lang="en-US" dirty="0"/>
+              <a:t> NFD - Architecture Review </a:t>
             </a:r>
           </a:p>
         </p:txBody>
@@ -8478,7 +12985,7 @@
 </p:sld>
 </file>
 
-<file path=ppt/slides/slide14.xml><?xml version="1.0" encoding="utf-8"?>
+<file path=ppt/slides/slide21.xml><?xml version="1.0" encoding="utf-8"?>
 <p:sld xmlns:a="http://schemas.openxmlformats.org/drawingml/2006/main" xmlns:r="http://schemas.openxmlformats.org/officeDocument/2006/relationships" xmlns:p="http://schemas.openxmlformats.org/presentationml/2006/main">
   <p:cSld>
     <p:spTree>
@@ -8517,8 +13024,12 @@
           <a:lstStyle/>
           <a:p>
             <a:r>
-              <a:rPr lang="en-US" dirty="0"/>
-              <a:t>Quick Architecture Review </a:t>
+              <a:rPr lang="en-US" dirty="0" err="1"/>
+              <a:t>Practicatl</a:t>
+            </a:r>
+            <a:r>
+              <a:rPr lang="en-US" dirty="0"/>
+              <a:t> NFD - Architecture Review </a:t>
             </a:r>
           </a:p>
         </p:txBody>
@@ -8614,7 +13125,7 @@
           <a:p>
             <a:r>
               <a:rPr lang="en-US" dirty="0"/>
-              <a:t>Edge</a:t>
+              <a:t>Edge - Its all production</a:t>
             </a:r>
           </a:p>
         </p:txBody>
@@ -13114,7 +17625,7 @@
 </p:sld>
 </file>
 
-<file path=ppt/slides/slide15.xml><?xml version="1.0" encoding="utf-8"?>
+<file path=ppt/slides/slide22.xml><?xml version="1.0" encoding="utf-8"?>
 <p:sld xmlns:a="http://schemas.openxmlformats.org/drawingml/2006/main" xmlns:r="http://schemas.openxmlformats.org/officeDocument/2006/relationships" xmlns:p="http://schemas.openxmlformats.org/presentationml/2006/main">
   <p:cSld>
     <p:spTree>
@@ -13154,16 +17665,25 @@
           <a:p>
             <a:r>
               <a:rPr lang="en-US" dirty="0"/>
+              <a:t>NFD Topics for another day</a:t>
+            </a:r>
+          </a:p>
+          <a:p>
+            <a:pPr lvl="1"/>
+            <a:r>
+              <a:rPr lang="en-US" dirty="0"/>
               <a:t>Rancher Fleet</a:t>
             </a:r>
           </a:p>
           <a:p>
+            <a:pPr lvl="1"/>
             <a:r>
               <a:rPr lang="en-US" dirty="0"/>
               <a:t>Argo CD</a:t>
             </a:r>
           </a:p>
           <a:p>
+            <a:pPr lvl="1"/>
             <a:r>
               <a:rPr lang="en-US" dirty="0"/>
               <a:t>Flux</a:t>
@@ -13216,7 +17736,7 @@
 </p:sld>
 </file>
 
-<file path=ppt/slides/slide16.xml><?xml version="1.0" encoding="utf-8"?>
+<file path=ppt/slides/slide23.xml><?xml version="1.0" encoding="utf-8"?>
 <p:sld xmlns:a="http://schemas.openxmlformats.org/drawingml/2006/main" xmlns:r="http://schemas.openxmlformats.org/officeDocument/2006/relationships" xmlns:p="http://schemas.openxmlformats.org/presentationml/2006/main">
   <p:cSld>
     <p:spTree>
@@ -13251,7 +17771,9 @@
         </p:nvSpPr>
         <p:spPr/>
         <p:txBody>
-          <a:bodyPr/>
+          <a:bodyPr>
+            <a:normAutofit/>
+          </a:bodyPr>
           <a:lstStyle/>
           <a:p>
             <a:pPr marL="514350" indent="-514350">
@@ -13296,6 +17818,36 @@
             </a:pPr>
             <a:r>
               <a:rPr lang="en-US" dirty="0"/>
+              <a:t>The clusters manager should automatically</a:t>
+            </a:r>
+          </a:p>
+          <a:p>
+            <a:pPr marL="971550" lvl="1" indent="-514350">
+              <a:buFont typeface="+mj-lt"/>
+              <a:buAutoNum type="arabicPeriod"/>
+            </a:pPr>
+            <a:r>
+              <a:rPr lang="en-US" dirty="0"/>
+              <a:t>recognize changes in downstream cluster node labels and </a:t>
+            </a:r>
+          </a:p>
+          <a:p>
+            <a:pPr marL="971550" lvl="1" indent="-514350">
+              <a:buFont typeface="+mj-lt"/>
+              <a:buAutoNum type="arabicPeriod"/>
+            </a:pPr>
+            <a:r>
+              <a:rPr lang="en-US" dirty="0"/>
+              <a:t>update the cluster labels accordingly</a:t>
+            </a:r>
+          </a:p>
+          <a:p>
+            <a:pPr marL="514350" indent="-514350">
+              <a:buFont typeface="+mj-lt"/>
+              <a:buAutoNum type="arabicPeriod"/>
+            </a:pPr>
+            <a:r>
+              <a:rPr lang="en-US" dirty="0"/>
               <a:t>Notify developers </a:t>
             </a:r>
           </a:p>
@@ -13303,7 +17855,7 @@
             <a:pPr lvl="1"/>
             <a:r>
               <a:rPr lang="en-US" dirty="0"/>
-              <a:t>of the labels available </a:t>
+              <a:t>of the node labels available </a:t>
             </a:r>
           </a:p>
           <a:p>
@@ -13320,7 +17872,7 @@
           <a:p>
             <a:r>
               <a:rPr lang="en-US" dirty="0"/>
-              <a:t>Repeat steps 2 and 3 on changes</a:t>
+              <a:t>Repeat steps 2 - 4 on changes, hardware updates, etc.</a:t>
             </a:r>
           </a:p>
         </p:txBody>
@@ -13374,7 +17926,7 @@
 </p:sld>
 </file>
 
-<file path=ppt/slides/slide17.xml><?xml version="1.0" encoding="utf-8"?>
+<file path=ppt/slides/slide24.xml><?xml version="1.0" encoding="utf-8"?>
 <p:sld xmlns:a="http://schemas.openxmlformats.org/drawingml/2006/main" xmlns:r="http://schemas.openxmlformats.org/officeDocument/2006/relationships" xmlns:p="http://schemas.openxmlformats.org/presentationml/2006/main">
   <p:cSld>
     <p:spTree>
@@ -13409,10 +17961,708 @@
         </p:nvSpPr>
         <p:spPr/>
         <p:txBody>
+          <a:bodyPr>
+            <a:normAutofit/>
+          </a:bodyPr>
+          <a:lstStyle/>
+          <a:p>
+            <a:pPr marL="514350" indent="-514350">
+              <a:buFont typeface="+mj-lt"/>
+              <a:buAutoNum type="arabicPeriod"/>
+            </a:pPr>
+            <a:r>
+              <a:rPr lang="en-US" dirty="0"/>
+              <a:t>Mutual TLS capable between </a:t>
+            </a:r>
+            <a:r>
+              <a:rPr lang="en-US" dirty="0" err="1"/>
+              <a:t>nfd</a:t>
+            </a:r>
+            <a:r>
+              <a:rPr lang="en-US" dirty="0"/>
+              <a:t>-master and </a:t>
+            </a:r>
+            <a:r>
+              <a:rPr lang="en-US" dirty="0" err="1"/>
+              <a:t>nfd</a:t>
+            </a:r>
+            <a:r>
+              <a:rPr lang="en-US" dirty="0"/>
+              <a:t>-worker</a:t>
+            </a:r>
+          </a:p>
+          <a:p>
+            <a:pPr marL="514350" indent="-514350">
+              <a:buFont typeface="+mj-lt"/>
+              <a:buAutoNum type="arabicPeriod"/>
+            </a:pPr>
+            <a:r>
+              <a:rPr lang="en-US" dirty="0"/>
+              <a:t>Risk: Allowing Local - user specific features </a:t>
+            </a:r>
+          </a:p>
+          <a:p>
+            <a:pPr marL="971550" lvl="1" indent="-514350">
+              <a:buFont typeface="+mj-lt"/>
+              <a:buAutoNum type="arabicPeriod"/>
+            </a:pPr>
+            <a:r>
+              <a:rPr lang="en-US" dirty="0"/>
+              <a:t>will execute arbitrary files located in</a:t>
+            </a:r>
+          </a:p>
+          <a:p>
+            <a:pPr marL="971550" lvl="1" indent="-514350">
+              <a:buFont typeface="+mj-lt"/>
+              <a:buAutoNum type="arabicPeriod"/>
+            </a:pPr>
+            <a:r>
+              <a:rPr lang="en-US" dirty="0"/>
+              <a:t>/</a:t>
+            </a:r>
+            <a:r>
+              <a:rPr lang="en-US" dirty="0" err="1"/>
+              <a:t>etc</a:t>
+            </a:r>
+            <a:r>
+              <a:rPr lang="en-US" dirty="0"/>
+              <a:t>/</a:t>
+            </a:r>
+            <a:r>
+              <a:rPr lang="en-US" dirty="0" err="1"/>
+              <a:t>kubernetes</a:t>
+            </a:r>
+            <a:r>
+              <a:rPr lang="en-US" dirty="0"/>
+              <a:t>/node-feature-discovery/</a:t>
+            </a:r>
+            <a:r>
+              <a:rPr lang="en-US" dirty="0" err="1"/>
+              <a:t>source.d</a:t>
+            </a:r>
+            <a:r>
+              <a:rPr lang="en-US" dirty="0"/>
+              <a:t> on the host</a:t>
+            </a:r>
+          </a:p>
+          <a:p>
+            <a:pPr marL="514350" indent="-514350">
+              <a:buFont typeface="+mj-lt"/>
+              <a:buAutoNum type="arabicPeriod"/>
+            </a:pPr>
+            <a:r>
+              <a:rPr lang="en-US" dirty="0"/>
+              <a:t>Limit features discovered by specifying exact sources</a:t>
+            </a:r>
+          </a:p>
+          <a:p>
+            <a:pPr marL="971550" lvl="1" indent="-514350">
+              <a:buFont typeface="+mj-lt"/>
+              <a:buAutoNum type="arabicPeriod"/>
+            </a:pPr>
+            <a:r>
+              <a:rPr lang="en-US" dirty="0" err="1"/>
+              <a:t>Whilelist</a:t>
+            </a:r>
+            <a:r>
+              <a:rPr lang="en-US" dirty="0"/>
+              <a:t>/Blacklist features</a:t>
+            </a:r>
+          </a:p>
+          <a:p>
+            <a:pPr marL="971550" lvl="1" indent="-514350">
+              <a:buFont typeface="+mj-lt"/>
+              <a:buAutoNum type="arabicPeriod"/>
+            </a:pPr>
+            <a:r>
+              <a:rPr lang="en-US" dirty="0" err="1"/>
+              <a:t>nfd-worker.conf</a:t>
+            </a:r>
+            <a:r>
+              <a:rPr lang="en-US" dirty="0"/>
+              <a:t>:</a:t>
+            </a:r>
+          </a:p>
+          <a:p>
+            <a:pPr marL="1428750" lvl="2" indent="-514350">
+              <a:buFont typeface="+mj-lt"/>
+              <a:buAutoNum type="arabicPeriod"/>
+            </a:pPr>
+            <a:r>
+              <a:rPr lang="en-US" dirty="0"/>
+              <a:t>set only specific sources</a:t>
+            </a:r>
+          </a:p>
+          <a:p>
+            <a:pPr marL="1428750" lvl="2" indent="-514350">
+              <a:buFont typeface="+mj-lt"/>
+              <a:buAutoNum type="arabicPeriod"/>
+            </a:pPr>
+            <a:r>
+              <a:rPr lang="en-US" dirty="0"/>
+              <a:t>e.g. sources: [</a:t>
+            </a:r>
+            <a:r>
+              <a:rPr lang="en-US" dirty="0" err="1"/>
+              <a:t>usb,custom,local</a:t>
+            </a:r>
+            <a:r>
+              <a:rPr lang="en-US" dirty="0"/>
+              <a:t>]</a:t>
+            </a:r>
+          </a:p>
+        </p:txBody>
+      </p:sp>
+      <p:sp>
+        <p:nvSpPr>
+          <p:cNvPr id="3" name="Title 2">
+            <a:extLst>
+              <a:ext uri="{FF2B5EF4-FFF2-40B4-BE49-F238E27FC236}">
+                <a16:creationId xmlns:a16="http://schemas.microsoft.com/office/drawing/2014/main" id="{F97EBA32-0B1F-B247-B5C5-3107826B5E44}"/>
+              </a:ext>
+            </a:extLst>
+          </p:cNvPr>
+          <p:cNvSpPr>
+            <a:spLocks noGrp="1"/>
+          </p:cNvSpPr>
+          <p:nvPr>
+            <p:ph type="title"/>
+          </p:nvPr>
+        </p:nvSpPr>
+        <p:spPr/>
+        <p:txBody>
           <a:bodyPr/>
           <a:lstStyle/>
           <a:p>
             <a:r>
+              <a:rPr lang="en-US" dirty="0"/>
+              <a:t>Security</a:t>
+            </a:r>
+          </a:p>
+        </p:txBody>
+      </p:sp>
+    </p:spTree>
+    <p:extLst>
+      <p:ext uri="{BB962C8B-B14F-4D97-AF65-F5344CB8AC3E}">
+        <p14:creationId xmlns:p14="http://schemas.microsoft.com/office/powerpoint/2010/main" val="2090559825"/>
+      </p:ext>
+    </p:extLst>
+  </p:cSld>
+  <p:clrMapOvr>
+    <a:masterClrMapping/>
+  </p:clrMapOvr>
+</p:sld>
+</file>
+
+<file path=ppt/slides/slide25.xml><?xml version="1.0" encoding="utf-8"?>
+<p:sld xmlns:a="http://schemas.openxmlformats.org/drawingml/2006/main" xmlns:r="http://schemas.openxmlformats.org/officeDocument/2006/relationships" xmlns:p="http://schemas.openxmlformats.org/presentationml/2006/main">
+  <p:cSld>
+    <p:spTree>
+      <p:nvGrpSpPr>
+        <p:cNvPr id="1" name=""/>
+        <p:cNvGrpSpPr/>
+        <p:nvPr/>
+      </p:nvGrpSpPr>
+      <p:grpSpPr>
+        <a:xfrm>
+          <a:off x="0" y="0"/>
+          <a:ext cx="0" cy="0"/>
+          <a:chOff x="0" y="0"/>
+          <a:chExt cx="0" cy="0"/>
+        </a:xfrm>
+      </p:grpSpPr>
+      <p:sp>
+        <p:nvSpPr>
+          <p:cNvPr id="2" name="Vertical Text Placeholder 1">
+            <a:extLst>
+              <a:ext uri="{FF2B5EF4-FFF2-40B4-BE49-F238E27FC236}">
+                <a16:creationId xmlns:a16="http://schemas.microsoft.com/office/drawing/2014/main" id="{58DD0272-D8B6-D04A-A524-3608B6EB5490}"/>
+              </a:ext>
+            </a:extLst>
+          </p:cNvPr>
+          <p:cNvSpPr>
+            <a:spLocks noGrp="1"/>
+          </p:cNvSpPr>
+          <p:nvPr>
+            <p:ph type="body" orient="vert" idx="1"/>
+          </p:nvPr>
+        </p:nvSpPr>
+        <p:spPr/>
+        <p:txBody>
+          <a:bodyPr>
+            <a:normAutofit/>
+          </a:bodyPr>
+          <a:lstStyle/>
+          <a:p>
+            <a:pPr marL="514350" indent="-514350">
+              <a:buFont typeface="+mj-lt"/>
+              <a:buAutoNum type="arabicPeriod"/>
+            </a:pPr>
+            <a:r>
+              <a:rPr lang="en-US" dirty="0"/>
+              <a:t>Label nodes in a cluster</a:t>
+            </a:r>
+          </a:p>
+          <a:p>
+            <a:pPr marL="514350" indent="-514350">
+              <a:buFont typeface="+mj-lt"/>
+              <a:buAutoNum type="arabicPeriod"/>
+            </a:pPr>
+            <a:r>
+              <a:rPr lang="en-US" dirty="0"/>
+              <a:t>Label one cluster at a time</a:t>
+            </a:r>
+          </a:p>
+          <a:p>
+            <a:pPr marL="971550" lvl="1" indent="-514350">
+              <a:buFont typeface="+mj-lt"/>
+              <a:buAutoNum type="arabicPeriod"/>
+            </a:pPr>
+            <a:r>
+              <a:rPr lang="en-US" dirty="0"/>
+              <a:t>The edge will be thousands of single node or small clusters</a:t>
+            </a:r>
+          </a:p>
+          <a:p>
+            <a:pPr marL="971550" lvl="1" indent="-514350">
+              <a:buFont typeface="+mj-lt"/>
+              <a:buAutoNum type="arabicPeriod"/>
+            </a:pPr>
+            <a:r>
+              <a:rPr lang="en-US" dirty="0"/>
+              <a:t>External tooling is needed to find groups of the same feature (</a:t>
+            </a:r>
+            <a:r>
+              <a:rPr lang="en-US" dirty="0" err="1"/>
+              <a:t>gitops</a:t>
+            </a:r>
+            <a:r>
+              <a:rPr lang="en-US" dirty="0"/>
+              <a:t>)</a:t>
+            </a:r>
+          </a:p>
+          <a:p>
+            <a:pPr marL="514350" indent="-514350">
+              <a:buFont typeface="+mj-lt"/>
+              <a:buAutoNum type="arabicPeriod"/>
+            </a:pPr>
+            <a:r>
+              <a:rPr lang="en-US" dirty="0"/>
+              <a:t>Feature discovery can be specified via configuration file </a:t>
+            </a:r>
+          </a:p>
+          <a:p>
+            <a:pPr marL="514350" indent="-514350">
+              <a:buFont typeface="+mj-lt"/>
+              <a:buAutoNum type="arabicPeriod"/>
+            </a:pPr>
+            <a:r>
+              <a:rPr lang="en-US" dirty="0"/>
+              <a:t>Limited features types</a:t>
+            </a:r>
+          </a:p>
+          <a:p>
+            <a:pPr marL="971550" lvl="1" indent="-514350">
+              <a:buFont typeface="+mj-lt"/>
+              <a:buAutoNum type="arabicPeriod"/>
+            </a:pPr>
+            <a:r>
+              <a:rPr lang="en-US" dirty="0"/>
+              <a:t>Non kernel module features can be added using the </a:t>
+            </a:r>
+            <a:r>
+              <a:rPr lang="en-US" i="1" dirty="0"/>
+              <a:t>local</a:t>
+            </a:r>
+            <a:r>
+              <a:rPr lang="en-US" dirty="0"/>
+              <a:t> option</a:t>
+            </a:r>
+          </a:p>
+          <a:p>
+            <a:pPr marL="971550" lvl="1" indent="-514350">
+              <a:buFont typeface="+mj-lt"/>
+              <a:buAutoNum type="arabicPeriod"/>
+            </a:pPr>
+            <a:r>
+              <a:rPr lang="en-US" dirty="0"/>
+              <a:t>Compare with Kubernetes device plugins</a:t>
+            </a:r>
+          </a:p>
+        </p:txBody>
+      </p:sp>
+      <p:sp>
+        <p:nvSpPr>
+          <p:cNvPr id="3" name="Title 2">
+            <a:extLst>
+              <a:ext uri="{FF2B5EF4-FFF2-40B4-BE49-F238E27FC236}">
+                <a16:creationId xmlns:a16="http://schemas.microsoft.com/office/drawing/2014/main" id="{F97EBA32-0B1F-B247-B5C5-3107826B5E44}"/>
+              </a:ext>
+            </a:extLst>
+          </p:cNvPr>
+          <p:cNvSpPr>
+            <a:spLocks noGrp="1"/>
+          </p:cNvSpPr>
+          <p:nvPr>
+            <p:ph type="title"/>
+          </p:nvPr>
+        </p:nvSpPr>
+        <p:spPr/>
+        <p:txBody>
+          <a:bodyPr/>
+          <a:lstStyle/>
+          <a:p>
+            <a:r>
+              <a:rPr lang="en-US" dirty="0"/>
+              <a:t>NFD Summary</a:t>
+            </a:r>
+          </a:p>
+        </p:txBody>
+      </p:sp>
+    </p:spTree>
+    <p:extLst>
+      <p:ext uri="{BB962C8B-B14F-4D97-AF65-F5344CB8AC3E}">
+        <p14:creationId xmlns:p14="http://schemas.microsoft.com/office/powerpoint/2010/main" val="2440115569"/>
+      </p:ext>
+    </p:extLst>
+  </p:cSld>
+  <p:clrMapOvr>
+    <a:masterClrMapping/>
+  </p:clrMapOvr>
+</p:sld>
+</file>
+
+<file path=ppt/slides/slide26.xml><?xml version="1.0" encoding="utf-8"?>
+<p:sld xmlns:a="http://schemas.openxmlformats.org/drawingml/2006/main" xmlns:r="http://schemas.openxmlformats.org/officeDocument/2006/relationships" xmlns:p="http://schemas.openxmlformats.org/presentationml/2006/main">
+  <p:cSld>
+    <p:spTree>
+      <p:nvGrpSpPr>
+        <p:cNvPr id="1" name=""/>
+        <p:cNvGrpSpPr/>
+        <p:nvPr/>
+      </p:nvGrpSpPr>
+      <p:grpSpPr>
+        <a:xfrm>
+          <a:off x="0" y="0"/>
+          <a:ext cx="0" cy="0"/>
+          <a:chOff x="0" y="0"/>
+          <a:chExt cx="0" cy="0"/>
+        </a:xfrm>
+      </p:grpSpPr>
+      <p:sp>
+        <p:nvSpPr>
+          <p:cNvPr id="2" name="Vertical Text Placeholder 1">
+            <a:extLst>
+              <a:ext uri="{FF2B5EF4-FFF2-40B4-BE49-F238E27FC236}">
+                <a16:creationId xmlns:a16="http://schemas.microsoft.com/office/drawing/2014/main" id="{58DD0272-D8B6-D04A-A524-3608B6EB5490}"/>
+              </a:ext>
+            </a:extLst>
+          </p:cNvPr>
+          <p:cNvSpPr>
+            <a:spLocks noGrp="1"/>
+          </p:cNvSpPr>
+          <p:nvPr>
+            <p:ph type="body" orient="vert" idx="1"/>
+          </p:nvPr>
+        </p:nvSpPr>
+        <p:spPr/>
+        <p:txBody>
+          <a:bodyPr>
+            <a:normAutofit/>
+          </a:bodyPr>
+          <a:lstStyle/>
+          <a:p>
+            <a:pPr marL="514350" indent="-514350">
+              <a:buFont typeface="+mj-lt"/>
+              <a:buAutoNum type="arabicPeriod"/>
+            </a:pPr>
+            <a:r>
+              <a:rPr lang="en-US" dirty="0"/>
+              <a:t>NFD allows drop in </a:t>
+            </a:r>
+            <a:r>
+              <a:rPr lang="en-US" dirty="0" err="1"/>
+              <a:t>configmaps</a:t>
+            </a:r>
+            <a:r>
+              <a:rPr lang="en-US" dirty="0"/>
+              <a:t> to another location</a:t>
+            </a:r>
+          </a:p>
+          <a:p>
+            <a:pPr marL="514350" indent="-514350">
+              <a:buFont typeface="+mj-lt"/>
+              <a:buAutoNum type="arabicPeriod"/>
+            </a:pPr>
+            <a:r>
+              <a:rPr lang="en-US" dirty="0"/>
+              <a:t>Vendors can/should provide configs for their devices</a:t>
+            </a:r>
+          </a:p>
+          <a:p>
+            <a:pPr marL="971550" lvl="1" indent="-514350">
+              <a:buFont typeface="+mj-lt"/>
+              <a:buAutoNum type="arabicPeriod"/>
+            </a:pPr>
+            <a:r>
+              <a:rPr lang="en-US" dirty="0"/>
+              <a:t>NVIDIA does this with the GPU Operator already</a:t>
+            </a:r>
+          </a:p>
+          <a:p>
+            <a:pPr marL="514350" indent="-514350">
+              <a:buFont typeface="+mj-lt"/>
+              <a:buAutoNum type="arabicPeriod"/>
+            </a:pPr>
+            <a:r>
+              <a:rPr lang="en-US" dirty="0"/>
+              <a:t>NFD is not “just” a labeler. </a:t>
+            </a:r>
+          </a:p>
+          <a:p>
+            <a:pPr marL="971550" lvl="1" indent="-514350">
+              <a:buFont typeface="+mj-lt"/>
+              <a:buAutoNum type="arabicPeriod"/>
+            </a:pPr>
+            <a:r>
+              <a:rPr lang="en-US" dirty="0"/>
+              <a:t>It is a dynamic labeler</a:t>
+            </a:r>
+          </a:p>
+          <a:p>
+            <a:pPr marL="971550" lvl="1" indent="-514350">
+              <a:buFont typeface="+mj-lt"/>
+              <a:buAutoNum type="arabicPeriod"/>
+            </a:pPr>
+            <a:r>
+              <a:rPr lang="en-US" dirty="0"/>
+              <a:t>It is a configurable labeler</a:t>
+            </a:r>
+          </a:p>
+        </p:txBody>
+      </p:sp>
+      <p:sp>
+        <p:nvSpPr>
+          <p:cNvPr id="3" name="Title 2">
+            <a:extLst>
+              <a:ext uri="{FF2B5EF4-FFF2-40B4-BE49-F238E27FC236}">
+                <a16:creationId xmlns:a16="http://schemas.microsoft.com/office/drawing/2014/main" id="{F97EBA32-0B1F-B247-B5C5-3107826B5E44}"/>
+              </a:ext>
+            </a:extLst>
+          </p:cNvPr>
+          <p:cNvSpPr>
+            <a:spLocks noGrp="1"/>
+          </p:cNvSpPr>
+          <p:nvPr>
+            <p:ph type="title"/>
+          </p:nvPr>
+        </p:nvSpPr>
+        <p:spPr/>
+        <p:txBody>
+          <a:bodyPr/>
+          <a:lstStyle/>
+          <a:p>
+            <a:r>
+              <a:rPr lang="en-US" dirty="0"/>
+              <a:t>NFD Summary</a:t>
+            </a:r>
+          </a:p>
+        </p:txBody>
+      </p:sp>
+    </p:spTree>
+    <p:extLst>
+      <p:ext uri="{BB962C8B-B14F-4D97-AF65-F5344CB8AC3E}">
+        <p14:creationId xmlns:p14="http://schemas.microsoft.com/office/powerpoint/2010/main" val="1181243765"/>
+      </p:ext>
+    </p:extLst>
+  </p:cSld>
+  <p:clrMapOvr>
+    <a:masterClrMapping/>
+  </p:clrMapOvr>
+</p:sld>
+</file>
+
+<file path=ppt/slides/slide27.xml><?xml version="1.0" encoding="utf-8"?>
+<p:sld xmlns:a="http://schemas.openxmlformats.org/drawingml/2006/main" xmlns:r="http://schemas.openxmlformats.org/officeDocument/2006/relationships" xmlns:p="http://schemas.openxmlformats.org/presentationml/2006/main">
+  <p:cSld>
+    <p:spTree>
+      <p:nvGrpSpPr>
+        <p:cNvPr id="1" name=""/>
+        <p:cNvGrpSpPr/>
+        <p:nvPr/>
+      </p:nvGrpSpPr>
+      <p:grpSpPr>
+        <a:xfrm>
+          <a:off x="0" y="0"/>
+          <a:ext cx="0" cy="0"/>
+          <a:chOff x="0" y="0"/>
+          <a:chExt cx="0" cy="0"/>
+        </a:xfrm>
+      </p:grpSpPr>
+      <p:sp>
+        <p:nvSpPr>
+          <p:cNvPr id="2" name="Vertical Text Placeholder 1">
+            <a:extLst>
+              <a:ext uri="{FF2B5EF4-FFF2-40B4-BE49-F238E27FC236}">
+                <a16:creationId xmlns:a16="http://schemas.microsoft.com/office/drawing/2014/main" id="{58DD0272-D8B6-D04A-A524-3608B6EB5490}"/>
+              </a:ext>
+            </a:extLst>
+          </p:cNvPr>
+          <p:cNvSpPr>
+            <a:spLocks noGrp="1"/>
+          </p:cNvSpPr>
+          <p:nvPr>
+            <p:ph type="body" orient="vert" idx="1"/>
+          </p:nvPr>
+        </p:nvSpPr>
+        <p:spPr/>
+        <p:txBody>
+          <a:bodyPr>
+            <a:normAutofit/>
+          </a:bodyPr>
+          <a:lstStyle/>
+          <a:p>
+            <a:pPr marL="514350" indent="-514350">
+              <a:buFont typeface="+mj-lt"/>
+              <a:buAutoNum type="arabicPeriod"/>
+            </a:pPr>
+            <a:r>
+              <a:rPr lang="en-US" dirty="0"/>
+              <a:t>Kernel module existence is not a guarantee of functionality</a:t>
+            </a:r>
+          </a:p>
+          <a:p>
+            <a:pPr marL="971550" lvl="1" indent="-514350">
+              <a:buFont typeface="+mj-lt"/>
+              <a:buAutoNum type="arabicPeriod"/>
+            </a:pPr>
+            <a:r>
+              <a:rPr lang="en-US" dirty="0"/>
+              <a:t>Kernel models can be loaded that have no physical counterpart</a:t>
+            </a:r>
+          </a:p>
+          <a:p>
+            <a:pPr marL="971550" lvl="1" indent="-514350">
+              <a:buFont typeface="+mj-lt"/>
+              <a:buAutoNum type="arabicPeriod"/>
+            </a:pPr>
+            <a:r>
+              <a:rPr lang="en-US" dirty="0"/>
+              <a:t>K8s health checks may add value here</a:t>
+            </a:r>
+          </a:p>
+          <a:p>
+            <a:pPr marL="514350" indent="-514350">
+              <a:buFont typeface="+mj-lt"/>
+              <a:buAutoNum type="arabicPeriod"/>
+            </a:pPr>
+            <a:r>
+              <a:rPr lang="en-US" dirty="0"/>
+              <a:t>Hot plugging devices works but it is not immediate</a:t>
+            </a:r>
+          </a:p>
+          <a:p>
+            <a:pPr marL="971550" lvl="1" indent="-514350">
+              <a:buFont typeface="+mj-lt"/>
+              <a:buAutoNum type="arabicPeriod"/>
+            </a:pPr>
+            <a:r>
+              <a:rPr lang="en-US" dirty="0"/>
+              <a:t>Kubernetes will need some cycles to label </a:t>
+            </a:r>
+          </a:p>
+          <a:p>
+            <a:pPr marL="971550" lvl="1" indent="-514350">
+              <a:buFont typeface="+mj-lt"/>
+              <a:buAutoNum type="arabicPeriod"/>
+            </a:pPr>
+            <a:r>
+              <a:rPr lang="en-US" dirty="0"/>
+              <a:t>Re-labeling may also require redeployment of workloads</a:t>
+            </a:r>
+          </a:p>
+        </p:txBody>
+      </p:sp>
+      <p:sp>
+        <p:nvSpPr>
+          <p:cNvPr id="3" name="Title 2">
+            <a:extLst>
+              <a:ext uri="{FF2B5EF4-FFF2-40B4-BE49-F238E27FC236}">
+                <a16:creationId xmlns:a16="http://schemas.microsoft.com/office/drawing/2014/main" id="{F97EBA32-0B1F-B247-B5C5-3107826B5E44}"/>
+              </a:ext>
+            </a:extLst>
+          </p:cNvPr>
+          <p:cNvSpPr>
+            <a:spLocks noGrp="1"/>
+          </p:cNvSpPr>
+          <p:nvPr>
+            <p:ph type="title"/>
+          </p:nvPr>
+        </p:nvSpPr>
+        <p:spPr/>
+        <p:txBody>
+          <a:bodyPr/>
+          <a:lstStyle/>
+          <a:p>
+            <a:r>
+              <a:rPr lang="en-US" dirty="0"/>
+              <a:t>NFD Summary - Pitfalls</a:t>
+            </a:r>
+          </a:p>
+        </p:txBody>
+      </p:sp>
+    </p:spTree>
+    <p:extLst>
+      <p:ext uri="{BB962C8B-B14F-4D97-AF65-F5344CB8AC3E}">
+        <p14:creationId xmlns:p14="http://schemas.microsoft.com/office/powerpoint/2010/main" val="1140008274"/>
+      </p:ext>
+    </p:extLst>
+  </p:cSld>
+  <p:clrMapOvr>
+    <a:masterClrMapping/>
+  </p:clrMapOvr>
+</p:sld>
+</file>
+
+<file path=ppt/slides/slide28.xml><?xml version="1.0" encoding="utf-8"?>
+<p:sld xmlns:a="http://schemas.openxmlformats.org/drawingml/2006/main" xmlns:r="http://schemas.openxmlformats.org/officeDocument/2006/relationships" xmlns:p="http://schemas.openxmlformats.org/presentationml/2006/main">
+  <p:cSld>
+    <p:spTree>
+      <p:nvGrpSpPr>
+        <p:cNvPr id="1" name=""/>
+        <p:cNvGrpSpPr/>
+        <p:nvPr/>
+      </p:nvGrpSpPr>
+      <p:grpSpPr>
+        <a:xfrm>
+          <a:off x="0" y="0"/>
+          <a:ext cx="0" cy="0"/>
+          <a:chOff x="0" y="0"/>
+          <a:chExt cx="0" cy="0"/>
+        </a:xfrm>
+      </p:grpSpPr>
+      <p:sp>
+        <p:nvSpPr>
+          <p:cNvPr id="2" name="Vertical Text Placeholder 1">
+            <a:extLst>
+              <a:ext uri="{FF2B5EF4-FFF2-40B4-BE49-F238E27FC236}">
+                <a16:creationId xmlns:a16="http://schemas.microsoft.com/office/drawing/2014/main" id="{58DD0272-D8B6-D04A-A524-3608B6EB5490}"/>
+              </a:ext>
+            </a:extLst>
+          </p:cNvPr>
+          <p:cNvSpPr>
+            <a:spLocks noGrp="1"/>
+          </p:cNvSpPr>
+          <p:nvPr>
+            <p:ph type="body" orient="vert" idx="1"/>
+          </p:nvPr>
+        </p:nvSpPr>
+        <p:spPr/>
+        <p:txBody>
+          <a:bodyPr/>
+          <a:lstStyle/>
+          <a:p>
+            <a:r>
               <a:rPr lang="en-US" dirty="0">
                 <a:hlinkClick r:id="rId3"/>
               </a:rPr>
@@ -13436,6 +18686,27 @@
               </a:rPr>
               <a:t>https://www.usb.org/defined-class-codes</a:t>
             </a:r>
+            <a:endParaRPr lang="en-US" dirty="0"/>
+          </a:p>
+          <a:p>
+            <a:r>
+              <a:rPr lang="en-US" dirty="0">
+                <a:hlinkClick r:id="rId6"/>
+              </a:rPr>
+              <a:t>https://k3s-io/k3s</a:t>
+            </a:r>
+            <a:endParaRPr lang="en-US" dirty="0"/>
+          </a:p>
+          <a:p>
+            <a:r>
+              <a:rPr lang="en-US" dirty="0">
+                <a:hlinkClick r:id="rId7"/>
+              </a:rPr>
+              <a:t>https://github.com/mak3r/nfd-demo</a:t>
+            </a:r>
+            <a:endParaRPr lang="en-US" dirty="0"/>
+          </a:p>
+          <a:p>
             <a:endParaRPr lang="en-US" dirty="0"/>
           </a:p>
           <a:p>
@@ -13494,8 +18765,332 @@
 </p:sld>
 </file>
 
-<file path=ppt/slides/slide18.xml><?xml version="1.0" encoding="utf-8"?>
+<file path=ppt/slides/slide29.xml><?xml version="1.0" encoding="utf-8"?>
 <p:sld xmlns:a="http://schemas.openxmlformats.org/drawingml/2006/main" xmlns:r="http://schemas.openxmlformats.org/officeDocument/2006/relationships" xmlns:p="http://schemas.openxmlformats.org/presentationml/2006/main">
+  <p:cSld>
+    <p:spTree>
+      <p:nvGrpSpPr>
+        <p:cNvPr id="1" name=""/>
+        <p:cNvGrpSpPr/>
+        <p:nvPr/>
+      </p:nvGrpSpPr>
+      <p:grpSpPr>
+        <a:xfrm>
+          <a:off x="0" y="0"/>
+          <a:ext cx="0" cy="0"/>
+          <a:chOff x="0" y="0"/>
+          <a:chExt cx="0" cy="0"/>
+        </a:xfrm>
+      </p:grpSpPr>
+      <p:sp>
+        <p:nvSpPr>
+          <p:cNvPr id="4" name="Title 1">
+            <a:extLst>
+              <a:ext uri="{FF2B5EF4-FFF2-40B4-BE49-F238E27FC236}">
+                <a16:creationId xmlns:a16="http://schemas.microsoft.com/office/drawing/2014/main" id="{1342D4B4-BF92-D14A-BF1C-9878B92A2A3D}"/>
+              </a:ext>
+            </a:extLst>
+          </p:cNvPr>
+          <p:cNvSpPr txBox="1">
+            <a:spLocks/>
+          </p:cNvSpPr>
+          <p:nvPr/>
+        </p:nvSpPr>
+        <p:spPr>
+          <a:xfrm>
+            <a:off x="559904" y="3329000"/>
+            <a:ext cx="10515600" cy="1325563"/>
+          </a:xfrm>
+          <a:prstGeom prst="rect">
+            <a:avLst/>
+          </a:prstGeom>
+        </p:spPr>
+        <p:txBody>
+          <a:bodyPr vert="horz" lIns="91440" tIns="45720" rIns="91440" bIns="45720" rtlCol="0" anchor="ctr">
+            <a:normAutofit/>
+          </a:bodyPr>
+          <a:lstStyle>
+            <a:lvl1pPr algn="l" defTabSz="914400" rtl="0" eaLnBrk="1" latinLnBrk="0" hangingPunct="1">
+              <a:lnSpc>
+                <a:spcPct val="90000"/>
+              </a:lnSpc>
+              <a:spcBef>
+                <a:spcPct val="0"/>
+              </a:spcBef>
+              <a:buNone/>
+              <a:defRPr sz="4400" kern="1200">
+                <a:solidFill>
+                  <a:schemeClr val="tx1"/>
+                </a:solidFill>
+                <a:latin typeface="+mj-lt"/>
+                <a:ea typeface="+mj-ea"/>
+                <a:cs typeface="+mj-cs"/>
+              </a:defRPr>
+            </a:lvl1pPr>
+          </a:lstStyle>
+          <a:p>
+            <a:r>
+              <a:rPr lang="en-US" sz="3600" i="1" dirty="0">
+                <a:solidFill>
+                  <a:schemeClr val="bg1"/>
+                </a:solidFill>
+                <a:latin typeface="Arial" panose="020B0604020202020204" pitchFamily="34" charset="0"/>
+                <a:cs typeface="Arial" panose="020B0604020202020204" pitchFamily="34" charset="0"/>
+              </a:rPr>
+              <a:t>Mark Abrams - Field Engineer and Edge Specialist SUSE</a:t>
+            </a:r>
+          </a:p>
+        </p:txBody>
+      </p:sp>
+      <p:sp>
+        <p:nvSpPr>
+          <p:cNvPr id="5" name="Title 1">
+            <a:extLst>
+              <a:ext uri="{FF2B5EF4-FFF2-40B4-BE49-F238E27FC236}">
+                <a16:creationId xmlns:a16="http://schemas.microsoft.com/office/drawing/2014/main" id="{91E3EC15-5521-4C4D-8C50-80159D61BEC0}"/>
+              </a:ext>
+            </a:extLst>
+          </p:cNvPr>
+          <p:cNvSpPr txBox="1">
+            <a:spLocks/>
+          </p:cNvSpPr>
+          <p:nvPr/>
+        </p:nvSpPr>
+        <p:spPr>
+          <a:xfrm>
+            <a:off x="559904" y="2318778"/>
+            <a:ext cx="10515600" cy="1325563"/>
+          </a:xfrm>
+          <a:prstGeom prst="rect">
+            <a:avLst/>
+          </a:prstGeom>
+        </p:spPr>
+        <p:txBody>
+          <a:bodyPr vert="horz" lIns="91440" tIns="45720" rIns="91440" bIns="45720" rtlCol="0" anchor="ctr">
+            <a:normAutofit/>
+          </a:bodyPr>
+          <a:lstStyle>
+            <a:lvl1pPr algn="l" defTabSz="914400" rtl="0" eaLnBrk="1" latinLnBrk="0" hangingPunct="1">
+              <a:lnSpc>
+                <a:spcPct val="90000"/>
+              </a:lnSpc>
+              <a:spcBef>
+                <a:spcPct val="0"/>
+              </a:spcBef>
+              <a:buNone/>
+              <a:defRPr sz="4400" kern="1200">
+                <a:solidFill>
+                  <a:schemeClr val="tx1"/>
+                </a:solidFill>
+                <a:latin typeface="+mj-lt"/>
+                <a:ea typeface="+mj-ea"/>
+                <a:cs typeface="+mj-cs"/>
+              </a:defRPr>
+            </a:lvl1pPr>
+          </a:lstStyle>
+          <a:p>
+            <a:r>
+              <a:rPr lang="en-US" sz="8000" b="1" dirty="0">
+                <a:solidFill>
+                  <a:schemeClr val="bg1"/>
+                </a:solidFill>
+                <a:latin typeface="Arial" panose="020B0604020202020204" pitchFamily="34" charset="0"/>
+                <a:cs typeface="Arial" panose="020B0604020202020204" pitchFamily="34" charset="0"/>
+              </a:rPr>
+              <a:t>Thank you</a:t>
+            </a:r>
+          </a:p>
+        </p:txBody>
+      </p:sp>
+    </p:spTree>
+    <p:extLst>
+      <p:ext uri="{BB962C8B-B14F-4D97-AF65-F5344CB8AC3E}">
+        <p14:creationId xmlns:p14="http://schemas.microsoft.com/office/powerpoint/2010/main" val="3503055012"/>
+      </p:ext>
+    </p:extLst>
+  </p:cSld>
+  <p:clrMapOvr>
+    <a:masterClrMapping/>
+  </p:clrMapOvr>
+</p:sld>
+</file>
+
+<file path=ppt/slides/slide3.xml><?xml version="1.0" encoding="utf-8"?>
+<p:sld xmlns:a="http://schemas.openxmlformats.org/drawingml/2006/main" xmlns:r="http://schemas.openxmlformats.org/officeDocument/2006/relationships" xmlns:p="http://schemas.openxmlformats.org/presentationml/2006/main">
+  <p:cSld>
+    <p:spTree>
+      <p:nvGrpSpPr>
+        <p:cNvPr id="1" name=""/>
+        <p:cNvGrpSpPr/>
+        <p:nvPr/>
+      </p:nvGrpSpPr>
+      <p:grpSpPr>
+        <a:xfrm>
+          <a:off x="0" y="0"/>
+          <a:ext cx="0" cy="0"/>
+          <a:chOff x="0" y="0"/>
+          <a:chExt cx="0" cy="0"/>
+        </a:xfrm>
+      </p:grpSpPr>
+      <p:sp>
+        <p:nvSpPr>
+          <p:cNvPr id="3" name="TextBox 2">
+            <a:extLst>
+              <a:ext uri="{FF2B5EF4-FFF2-40B4-BE49-F238E27FC236}">
+                <a16:creationId xmlns:a16="http://schemas.microsoft.com/office/drawing/2014/main" id="{D37FE5BE-E5F2-3140-8131-3C7FB1536A11}"/>
+              </a:ext>
+            </a:extLst>
+          </p:cNvPr>
+          <p:cNvSpPr txBox="1"/>
+          <p:nvPr/>
+        </p:nvSpPr>
+        <p:spPr>
+          <a:xfrm>
+            <a:off x="606287" y="397565"/>
+            <a:ext cx="184731" cy="369332"/>
+          </a:xfrm>
+          <a:prstGeom prst="rect">
+            <a:avLst/>
+          </a:prstGeom>
+          <a:noFill/>
+        </p:spPr>
+        <p:txBody>
+          <a:bodyPr wrap="none" rtlCol="0">
+            <a:spAutoFit/>
+          </a:bodyPr>
+          <a:lstStyle/>
+          <a:p>
+            <a:endParaRPr lang="en-US" dirty="0"/>
+          </a:p>
+        </p:txBody>
+      </p:sp>
+      <p:sp>
+        <p:nvSpPr>
+          <p:cNvPr id="4" name="Title 3">
+            <a:extLst>
+              <a:ext uri="{FF2B5EF4-FFF2-40B4-BE49-F238E27FC236}">
+                <a16:creationId xmlns:a16="http://schemas.microsoft.com/office/drawing/2014/main" id="{6101738F-C50F-8A46-8EFD-00EF15A470AE}"/>
+              </a:ext>
+            </a:extLst>
+          </p:cNvPr>
+          <p:cNvSpPr>
+            <a:spLocks noGrp="1"/>
+          </p:cNvSpPr>
+          <p:nvPr>
+            <p:ph type="title"/>
+          </p:nvPr>
+        </p:nvSpPr>
+        <p:spPr/>
+        <p:txBody>
+          <a:bodyPr/>
+          <a:lstStyle/>
+          <a:p>
+            <a:r>
+              <a:rPr lang="en-US"/>
+              <a:t>What is Node Feature Discovery (NFD)</a:t>
+            </a:r>
+            <a:endParaRPr lang="en-US" dirty="0"/>
+          </a:p>
+        </p:txBody>
+      </p:sp>
+      <p:sp>
+        <p:nvSpPr>
+          <p:cNvPr id="7" name="Content Placeholder 6">
+            <a:extLst>
+              <a:ext uri="{FF2B5EF4-FFF2-40B4-BE49-F238E27FC236}">
+                <a16:creationId xmlns:a16="http://schemas.microsoft.com/office/drawing/2014/main" id="{099F0BBF-9CC1-2345-93F9-C53D70D6469B}"/>
+              </a:ext>
+            </a:extLst>
+          </p:cNvPr>
+          <p:cNvSpPr>
+            <a:spLocks noGrp="1"/>
+          </p:cNvSpPr>
+          <p:nvPr>
+            <p:ph sz="half" idx="1"/>
+          </p:nvPr>
+        </p:nvSpPr>
+        <p:spPr/>
+        <p:txBody>
+          <a:bodyPr/>
+          <a:lstStyle/>
+          <a:p>
+            <a:r>
+              <a:rPr lang="en-US" dirty="0"/>
+              <a:t>NFD is simply a fancy labeler</a:t>
+            </a:r>
+          </a:p>
+          <a:p>
+            <a:r>
+              <a:rPr lang="en-US" dirty="0"/>
+              <a:t>K8s node labels</a:t>
+            </a:r>
+          </a:p>
+        </p:txBody>
+      </p:sp>
+      <p:pic>
+        <p:nvPicPr>
+          <p:cNvPr id="1026" name="Picture 2" descr="Amazon.com : 8 Digits Price Numerical Tag Gun Label Maker MX5500 EOS with  Sticker Labels &amp; Ink Refill for Office, Retail Shop, Grocery Store,  Organization Marking : Office Products">
+            <a:extLst>
+              <a:ext uri="{FF2B5EF4-FFF2-40B4-BE49-F238E27FC236}">
+                <a16:creationId xmlns:a16="http://schemas.microsoft.com/office/drawing/2014/main" id="{4F47AFE3-C39B-4548-AB8B-40245DBA1F02}"/>
+              </a:ext>
+            </a:extLst>
+          </p:cNvPr>
+          <p:cNvPicPr>
+            <a:picLocks noGrp="1" noChangeAspect="1" noChangeArrowheads="1"/>
+          </p:cNvPicPr>
+          <p:nvPr>
+            <p:ph sz="half" idx="2"/>
+          </p:nvPr>
+        </p:nvPicPr>
+        <p:blipFill>
+          <a:blip r:embed="rId2">
+            <a:extLst>
+              <a:ext uri="{28A0092B-C50C-407E-A947-70E740481C1C}">
+                <a14:useLocalDpi xmlns:a14="http://schemas.microsoft.com/office/drawing/2010/main" val="0"/>
+              </a:ext>
+            </a:extLst>
+          </a:blip>
+          <a:srcRect/>
+          <a:stretch>
+            <a:fillRect/>
+          </a:stretch>
+        </p:blipFill>
+        <p:spPr bwMode="auto">
+          <a:xfrm>
+            <a:off x="6172200" y="1928654"/>
+            <a:ext cx="5181600" cy="4145280"/>
+          </a:xfrm>
+          <a:prstGeom prst="rect">
+            <a:avLst/>
+          </a:prstGeom>
+          <a:noFill/>
+          <a:extLst>
+            <a:ext uri="{909E8E84-426E-40DD-AFC4-6F175D3DCCD1}">
+              <a14:hiddenFill xmlns:a14="http://schemas.microsoft.com/office/drawing/2010/main">
+                <a:solidFill>
+                  <a:srgbClr val="FFFFFF"/>
+                </a:solidFill>
+              </a14:hiddenFill>
+            </a:ext>
+          </a:extLst>
+        </p:spPr>
+      </p:pic>
+    </p:spTree>
+    <p:extLst>
+      <p:ext uri="{BB962C8B-B14F-4D97-AF65-F5344CB8AC3E}">
+        <p14:creationId xmlns:p14="http://schemas.microsoft.com/office/powerpoint/2010/main" val="1845920254"/>
+      </p:ext>
+    </p:extLst>
+  </p:cSld>
+  <p:clrMapOvr>
+    <a:masterClrMapping/>
+  </p:clrMapOvr>
+</p:sld>
+</file>
+
+<file path=ppt/slides/slide30.xml><?xml version="1.0" encoding="utf-8"?>
+<p:sld xmlns:a="http://schemas.openxmlformats.org/drawingml/2006/main" xmlns:r="http://schemas.openxmlformats.org/officeDocument/2006/relationships" xmlns:p="http://schemas.openxmlformats.org/presentationml/2006/main" show="0">
   <p:cSld>
     <p:spTree>
       <p:nvGrpSpPr>
@@ -13637,8 +19232,8 @@
 </p:sld>
 </file>
 
-<file path=ppt/slides/slide19.xml><?xml version="1.0" encoding="utf-8"?>
-<p:sld xmlns:a="http://schemas.openxmlformats.org/drawingml/2006/main" xmlns:r="http://schemas.openxmlformats.org/officeDocument/2006/relationships" xmlns:p="http://schemas.openxmlformats.org/presentationml/2006/main">
+<file path=ppt/slides/slide31.xml><?xml version="1.0" encoding="utf-8"?>
+<p:sld xmlns:a="http://schemas.openxmlformats.org/drawingml/2006/main" xmlns:r="http://schemas.openxmlformats.org/officeDocument/2006/relationships" xmlns:p="http://schemas.openxmlformats.org/presentationml/2006/main" show="0">
   <p:cSld>
     <p:spTree>
       <p:nvGrpSpPr>
@@ -13787,158 +19382,8 @@
 </p:sld>
 </file>
 
-<file path=ppt/slides/slide2.xml><?xml version="1.0" encoding="utf-8"?>
-<p:sld xmlns:a="http://schemas.openxmlformats.org/drawingml/2006/main" xmlns:r="http://schemas.openxmlformats.org/officeDocument/2006/relationships" xmlns:p="http://schemas.openxmlformats.org/presentationml/2006/main">
-  <p:cSld>
-    <p:spTree>
-      <p:nvGrpSpPr>
-        <p:cNvPr id="1" name=""/>
-        <p:cNvGrpSpPr/>
-        <p:nvPr/>
-      </p:nvGrpSpPr>
-      <p:grpSpPr>
-        <a:xfrm>
-          <a:off x="0" y="0"/>
-          <a:ext cx="0" cy="0"/>
-          <a:chOff x="0" y="0"/>
-          <a:chExt cx="0" cy="0"/>
-        </a:xfrm>
-      </p:grpSpPr>
-      <p:sp>
-        <p:nvSpPr>
-          <p:cNvPr id="4" name="Title 1">
-            <a:extLst>
-              <a:ext uri="{FF2B5EF4-FFF2-40B4-BE49-F238E27FC236}">
-                <a16:creationId xmlns:a16="http://schemas.microsoft.com/office/drawing/2014/main" id="{1342D4B4-BF92-D14A-BF1C-9878B92A2A3D}"/>
-              </a:ext>
-            </a:extLst>
-          </p:cNvPr>
-          <p:cNvSpPr txBox="1">
-            <a:spLocks/>
-          </p:cNvSpPr>
-          <p:nvPr/>
-        </p:nvSpPr>
-        <p:spPr>
-          <a:xfrm>
-            <a:off x="559904" y="3329000"/>
-            <a:ext cx="10515600" cy="1325563"/>
-          </a:xfrm>
-          <a:prstGeom prst="rect">
-            <a:avLst/>
-          </a:prstGeom>
-        </p:spPr>
-        <p:txBody>
-          <a:bodyPr vert="horz" lIns="91440" tIns="45720" rIns="91440" bIns="45720" rtlCol="0" anchor="ctr">
-            <a:normAutofit/>
-          </a:bodyPr>
-          <a:lstStyle>
-            <a:lvl1pPr algn="l" defTabSz="914400" rtl="0" eaLnBrk="1" latinLnBrk="0" hangingPunct="1">
-              <a:lnSpc>
-                <a:spcPct val="90000"/>
-              </a:lnSpc>
-              <a:spcBef>
-                <a:spcPct val="0"/>
-              </a:spcBef>
-              <a:buNone/>
-              <a:defRPr sz="4400" kern="1200">
-                <a:solidFill>
-                  <a:schemeClr val="tx1"/>
-                </a:solidFill>
-                <a:latin typeface="+mj-lt"/>
-                <a:ea typeface="+mj-ea"/>
-                <a:cs typeface="+mj-cs"/>
-              </a:defRPr>
-            </a:lvl1pPr>
-          </a:lstStyle>
-          <a:p>
-            <a:r>
-              <a:rPr lang="en-US" sz="3600" i="1" dirty="0">
-                <a:solidFill>
-                  <a:schemeClr val="bg1"/>
-                </a:solidFill>
-                <a:latin typeface="Arial" panose="020B0604020202020204" pitchFamily="34" charset="0"/>
-                <a:cs typeface="Arial" panose="020B0604020202020204" pitchFamily="34" charset="0"/>
-              </a:rPr>
-              <a:t>Mark Abrams</a:t>
-            </a:r>
-          </a:p>
-        </p:txBody>
-      </p:sp>
-      <p:sp>
-        <p:nvSpPr>
-          <p:cNvPr id="5" name="Title 1">
-            <a:extLst>
-              <a:ext uri="{FF2B5EF4-FFF2-40B4-BE49-F238E27FC236}">
-                <a16:creationId xmlns:a16="http://schemas.microsoft.com/office/drawing/2014/main" id="{91E3EC15-5521-4C4D-8C50-80159D61BEC0}"/>
-              </a:ext>
-            </a:extLst>
-          </p:cNvPr>
-          <p:cNvSpPr txBox="1">
-            <a:spLocks/>
-          </p:cNvSpPr>
-          <p:nvPr/>
-        </p:nvSpPr>
-        <p:spPr>
-          <a:xfrm>
-            <a:off x="559904" y="2318778"/>
-            <a:ext cx="10515600" cy="1325563"/>
-          </a:xfrm>
-          <a:prstGeom prst="rect">
-            <a:avLst/>
-          </a:prstGeom>
-        </p:spPr>
-        <p:txBody>
-          <a:bodyPr vert="horz" lIns="91440" tIns="45720" rIns="91440" bIns="45720" rtlCol="0" anchor="ctr">
-            <a:normAutofit fontScale="62500" lnSpcReduction="20000"/>
-          </a:bodyPr>
-          <a:lstStyle>
-            <a:lvl1pPr algn="l" defTabSz="914400" rtl="0" eaLnBrk="1" latinLnBrk="0" hangingPunct="1">
-              <a:lnSpc>
-                <a:spcPct val="90000"/>
-              </a:lnSpc>
-              <a:spcBef>
-                <a:spcPct val="0"/>
-              </a:spcBef>
-              <a:buNone/>
-              <a:defRPr sz="4400" kern="1200">
-                <a:solidFill>
-                  <a:schemeClr val="tx1"/>
-                </a:solidFill>
-                <a:latin typeface="+mj-lt"/>
-                <a:ea typeface="+mj-ea"/>
-                <a:cs typeface="+mj-cs"/>
-              </a:defRPr>
-            </a:lvl1pPr>
-          </a:lstStyle>
-          <a:p>
-            <a:r>
-              <a:rPr lang="en-US" sz="8000" b="1" dirty="0">
-                <a:solidFill>
-                  <a:schemeClr val="bg1"/>
-                </a:solidFill>
-                <a:latin typeface="Arial" panose="020B0604020202020204" pitchFamily="34" charset="0"/>
-                <a:cs typeface="Arial" panose="020B0604020202020204" pitchFamily="34" charset="0"/>
-              </a:rPr>
-              <a:t>Taming Unbounded Resources with Node Feature Discovery</a:t>
-            </a:r>
-          </a:p>
-        </p:txBody>
-      </p:sp>
-    </p:spTree>
-    <p:extLst>
-      <p:ext uri="{BB962C8B-B14F-4D97-AF65-F5344CB8AC3E}">
-        <p14:creationId xmlns:p14="http://schemas.microsoft.com/office/powerpoint/2010/main" val="1052877519"/>
-      </p:ext>
-    </p:extLst>
-  </p:cSld>
-  <p:clrMapOvr>
-    <a:masterClrMapping/>
-  </p:clrMapOvr>
-</p:sld>
-</file>
-
-<file path=ppt/slides/slide20.xml><?xml version="1.0" encoding="utf-8"?>
-<p:sld xmlns:a="http://schemas.openxmlformats.org/drawingml/2006/main" xmlns:r="http://schemas.openxmlformats.org/officeDocument/2006/relationships" xmlns:p="http://schemas.openxmlformats.org/presentationml/2006/main">
+<file path=ppt/slides/slide32.xml><?xml version="1.0" encoding="utf-8"?>
+<p:sld xmlns:a="http://schemas.openxmlformats.org/drawingml/2006/main" xmlns:r="http://schemas.openxmlformats.org/officeDocument/2006/relationships" xmlns:p="http://schemas.openxmlformats.org/presentationml/2006/main" show="0">
   <p:cSld>
     <p:spTree>
       <p:nvGrpSpPr>
@@ -14191,8 +19636,8 @@
 </p:sld>
 </file>
 
-<file path=ppt/slides/slide21.xml><?xml version="1.0" encoding="utf-8"?>
-<p:sld xmlns:a="http://schemas.openxmlformats.org/drawingml/2006/main" xmlns:r="http://schemas.openxmlformats.org/officeDocument/2006/relationships" xmlns:p="http://schemas.openxmlformats.org/presentationml/2006/main">
+<file path=ppt/slides/slide33.xml><?xml version="1.0" encoding="utf-8"?>
+<p:sld xmlns:a="http://schemas.openxmlformats.org/drawingml/2006/main" xmlns:r="http://schemas.openxmlformats.org/officeDocument/2006/relationships" xmlns:p="http://schemas.openxmlformats.org/presentationml/2006/main" show="0">
   <p:cSld>
     <p:spTree>
       <p:nvGrpSpPr>
@@ -14626,8 +20071,8 @@
 </p:sld>
 </file>
 
-<file path=ppt/slides/slide22.xml><?xml version="1.0" encoding="utf-8"?>
-<p:sld xmlns:a="http://schemas.openxmlformats.org/drawingml/2006/main" xmlns:r="http://schemas.openxmlformats.org/officeDocument/2006/relationships" xmlns:p="http://schemas.openxmlformats.org/presentationml/2006/main">
+<file path=ppt/slides/slide34.xml><?xml version="1.0" encoding="utf-8"?>
+<p:sld xmlns:a="http://schemas.openxmlformats.org/drawingml/2006/main" xmlns:r="http://schemas.openxmlformats.org/officeDocument/2006/relationships" xmlns:p="http://schemas.openxmlformats.org/presentationml/2006/main" show="0">
   <p:cSld>
     <p:spTree>
       <p:nvGrpSpPr>
@@ -14783,8 +20228,8 @@
 </p:sld>
 </file>
 
-<file path=ppt/slides/slide23.xml><?xml version="1.0" encoding="utf-8"?>
-<p:sld xmlns:a="http://schemas.openxmlformats.org/drawingml/2006/main" xmlns:r="http://schemas.openxmlformats.org/officeDocument/2006/relationships" xmlns:p="http://schemas.openxmlformats.org/presentationml/2006/main">
+<file path=ppt/slides/slide35.xml><?xml version="1.0" encoding="utf-8"?>
+<p:sld xmlns:a="http://schemas.openxmlformats.org/drawingml/2006/main" xmlns:r="http://schemas.openxmlformats.org/officeDocument/2006/relationships" xmlns:p="http://schemas.openxmlformats.org/presentationml/2006/main" show="0">
   <p:cSld>
     <p:spTree>
       <p:nvGrpSpPr>
@@ -15191,8 +20636,8 @@
 </p:sld>
 </file>
 
-<file path=ppt/slides/slide24.xml><?xml version="1.0" encoding="utf-8"?>
-<p:sld xmlns:a="http://schemas.openxmlformats.org/drawingml/2006/main" xmlns:r="http://schemas.openxmlformats.org/officeDocument/2006/relationships" xmlns:p="http://schemas.openxmlformats.org/presentationml/2006/main">
+<file path=ppt/slides/slide36.xml><?xml version="1.0" encoding="utf-8"?>
+<p:sld xmlns:a="http://schemas.openxmlformats.org/drawingml/2006/main" xmlns:r="http://schemas.openxmlformats.org/officeDocument/2006/relationships" xmlns:p="http://schemas.openxmlformats.org/presentationml/2006/main" show="0">
   <p:cSld>
     <p:spTree>
       <p:nvGrpSpPr>
@@ -15519,8 +20964,8 @@
 </p:sld>
 </file>
 
-<file path=ppt/slides/slide25.xml><?xml version="1.0" encoding="utf-8"?>
-<p:sld xmlns:a="http://schemas.openxmlformats.org/drawingml/2006/main" xmlns:r="http://schemas.openxmlformats.org/officeDocument/2006/relationships" xmlns:p="http://schemas.openxmlformats.org/presentationml/2006/main">
+<file path=ppt/slides/slide37.xml><?xml version="1.0" encoding="utf-8"?>
+<p:sld xmlns:a="http://schemas.openxmlformats.org/drawingml/2006/main" xmlns:r="http://schemas.openxmlformats.org/officeDocument/2006/relationships" xmlns:p="http://schemas.openxmlformats.org/presentationml/2006/main" show="0">
   <p:cSld>
     <p:spTree>
       <p:nvGrpSpPr>
@@ -15858,307 +21303,7 @@
 </p:sld>
 </file>
 
-<file path=ppt/slides/slide3.xml><?xml version="1.0" encoding="utf-8"?>
-<p:sld xmlns:a="http://schemas.openxmlformats.org/drawingml/2006/main" xmlns:r="http://schemas.openxmlformats.org/officeDocument/2006/relationships" xmlns:p="http://schemas.openxmlformats.org/presentationml/2006/main">
-  <p:cSld>
-    <p:spTree>
-      <p:nvGrpSpPr>
-        <p:cNvPr id="1" name=""/>
-        <p:cNvGrpSpPr/>
-        <p:nvPr/>
-      </p:nvGrpSpPr>
-      <p:grpSpPr>
-        <a:xfrm>
-          <a:off x="0" y="0"/>
-          <a:ext cx="0" cy="0"/>
-          <a:chOff x="0" y="0"/>
-          <a:chExt cx="0" cy="0"/>
-        </a:xfrm>
-      </p:grpSpPr>
-      <p:sp>
-        <p:nvSpPr>
-          <p:cNvPr id="3" name="TextBox 2">
-            <a:extLst>
-              <a:ext uri="{FF2B5EF4-FFF2-40B4-BE49-F238E27FC236}">
-                <a16:creationId xmlns:a16="http://schemas.microsoft.com/office/drawing/2014/main" id="{D37FE5BE-E5F2-3140-8131-3C7FB1536A11}"/>
-              </a:ext>
-            </a:extLst>
-          </p:cNvPr>
-          <p:cNvSpPr txBox="1"/>
-          <p:nvPr/>
-        </p:nvSpPr>
-        <p:spPr>
-          <a:xfrm>
-            <a:off x="606287" y="397565"/>
-            <a:ext cx="184731" cy="369332"/>
-          </a:xfrm>
-          <a:prstGeom prst="rect">
-            <a:avLst/>
-          </a:prstGeom>
-          <a:noFill/>
-        </p:spPr>
-        <p:txBody>
-          <a:bodyPr wrap="none" rtlCol="0">
-            <a:spAutoFit/>
-          </a:bodyPr>
-          <a:lstStyle/>
-          <a:p>
-            <a:endParaRPr lang="en-US" dirty="0"/>
-          </a:p>
-        </p:txBody>
-      </p:sp>
-      <p:sp>
-        <p:nvSpPr>
-          <p:cNvPr id="4" name="Title 3">
-            <a:extLst>
-              <a:ext uri="{FF2B5EF4-FFF2-40B4-BE49-F238E27FC236}">
-                <a16:creationId xmlns:a16="http://schemas.microsoft.com/office/drawing/2014/main" id="{6101738F-C50F-8A46-8EFD-00EF15A470AE}"/>
-              </a:ext>
-            </a:extLst>
-          </p:cNvPr>
-          <p:cNvSpPr>
-            <a:spLocks noGrp="1"/>
-          </p:cNvSpPr>
-          <p:nvPr>
-            <p:ph type="title"/>
-          </p:nvPr>
-        </p:nvSpPr>
-        <p:spPr/>
-        <p:txBody>
-          <a:bodyPr/>
-          <a:lstStyle/>
-          <a:p>
-            <a:r>
-              <a:rPr lang="en-US"/>
-              <a:t>What is Node Feature Discovery (NFD)</a:t>
-            </a:r>
-            <a:endParaRPr lang="en-US" dirty="0"/>
-          </a:p>
-        </p:txBody>
-      </p:sp>
-      <p:sp>
-        <p:nvSpPr>
-          <p:cNvPr id="7" name="Content Placeholder 6">
-            <a:extLst>
-              <a:ext uri="{FF2B5EF4-FFF2-40B4-BE49-F238E27FC236}">
-                <a16:creationId xmlns:a16="http://schemas.microsoft.com/office/drawing/2014/main" id="{099F0BBF-9CC1-2345-93F9-C53D70D6469B}"/>
-              </a:ext>
-            </a:extLst>
-          </p:cNvPr>
-          <p:cNvSpPr>
-            <a:spLocks noGrp="1"/>
-          </p:cNvSpPr>
-          <p:nvPr>
-            <p:ph sz="half" idx="1"/>
-          </p:nvPr>
-        </p:nvSpPr>
-        <p:spPr/>
-        <p:txBody>
-          <a:bodyPr/>
-          <a:lstStyle/>
-          <a:p>
-            <a:r>
-              <a:rPr lang="en-US" dirty="0"/>
-              <a:t>NFD is simply a fancy labeler</a:t>
-            </a:r>
-          </a:p>
-          <a:p>
-            <a:r>
-              <a:rPr lang="en-US" dirty="0"/>
-              <a:t>K8s node labels</a:t>
-            </a:r>
-          </a:p>
-        </p:txBody>
-      </p:sp>
-      <p:pic>
-        <p:nvPicPr>
-          <p:cNvPr id="1026" name="Picture 2" descr="Amazon.com : 8 Digits Price Numerical Tag Gun Label Maker MX5500 EOS with  Sticker Labels &amp; Ink Refill for Office, Retail Shop, Grocery Store,  Organization Marking : Office Products">
-            <a:extLst>
-              <a:ext uri="{FF2B5EF4-FFF2-40B4-BE49-F238E27FC236}">
-                <a16:creationId xmlns:a16="http://schemas.microsoft.com/office/drawing/2014/main" id="{4F47AFE3-C39B-4548-AB8B-40245DBA1F02}"/>
-              </a:ext>
-            </a:extLst>
-          </p:cNvPr>
-          <p:cNvPicPr>
-            <a:picLocks noGrp="1" noChangeAspect="1" noChangeArrowheads="1"/>
-          </p:cNvPicPr>
-          <p:nvPr>
-            <p:ph sz="half" idx="2"/>
-          </p:nvPr>
-        </p:nvPicPr>
-        <p:blipFill>
-          <a:blip r:embed="rId2">
-            <a:extLst>
-              <a:ext uri="{28A0092B-C50C-407E-A947-70E740481C1C}">
-                <a14:useLocalDpi xmlns:a14="http://schemas.microsoft.com/office/drawing/2010/main" val="0"/>
-              </a:ext>
-            </a:extLst>
-          </a:blip>
-          <a:srcRect/>
-          <a:stretch>
-            <a:fillRect/>
-          </a:stretch>
-        </p:blipFill>
-        <p:spPr bwMode="auto">
-          <a:xfrm>
-            <a:off x="6172200" y="1928654"/>
-            <a:ext cx="5181600" cy="4145280"/>
-          </a:xfrm>
-          <a:prstGeom prst="rect">
-            <a:avLst/>
-          </a:prstGeom>
-          <a:noFill/>
-          <a:extLst>
-            <a:ext uri="{909E8E84-426E-40DD-AFC4-6F175D3DCCD1}">
-              <a14:hiddenFill xmlns:a14="http://schemas.microsoft.com/office/drawing/2010/main">
-                <a:solidFill>
-                  <a:srgbClr val="FFFFFF"/>
-                </a:solidFill>
-              </a14:hiddenFill>
-            </a:ext>
-          </a:extLst>
-        </p:spPr>
-      </p:pic>
-    </p:spTree>
-    <p:extLst>
-      <p:ext uri="{BB962C8B-B14F-4D97-AF65-F5344CB8AC3E}">
-        <p14:creationId xmlns:p14="http://schemas.microsoft.com/office/powerpoint/2010/main" val="1845920254"/>
-      </p:ext>
-    </p:extLst>
-  </p:cSld>
-  <p:clrMapOvr>
-    <a:masterClrMapping/>
-  </p:clrMapOvr>
-</p:sld>
-</file>
-
 <file path=ppt/slides/slide4.xml><?xml version="1.0" encoding="utf-8"?>
-<p:sld xmlns:a="http://schemas.openxmlformats.org/drawingml/2006/main" xmlns:r="http://schemas.openxmlformats.org/officeDocument/2006/relationships" xmlns:p="http://schemas.openxmlformats.org/presentationml/2006/main">
-  <p:cSld>
-    <p:spTree>
-      <p:nvGrpSpPr>
-        <p:cNvPr id="1" name=""/>
-        <p:cNvGrpSpPr/>
-        <p:nvPr/>
-      </p:nvGrpSpPr>
-      <p:grpSpPr>
-        <a:xfrm>
-          <a:off x="0" y="0"/>
-          <a:ext cx="0" cy="0"/>
-          <a:chOff x="0" y="0"/>
-          <a:chExt cx="0" cy="0"/>
-        </a:xfrm>
-      </p:grpSpPr>
-      <p:sp>
-        <p:nvSpPr>
-          <p:cNvPr id="6" name="Vertical Text Placeholder 5">
-            <a:extLst>
-              <a:ext uri="{FF2B5EF4-FFF2-40B4-BE49-F238E27FC236}">
-                <a16:creationId xmlns:a16="http://schemas.microsoft.com/office/drawing/2014/main" id="{7DBCE277-374E-3449-8979-056AC4039E10}"/>
-              </a:ext>
-            </a:extLst>
-          </p:cNvPr>
-          <p:cNvSpPr>
-            <a:spLocks noGrp="1"/>
-          </p:cNvSpPr>
-          <p:nvPr>
-            <p:ph type="body" orient="vert" idx="1"/>
-          </p:nvPr>
-        </p:nvSpPr>
-        <p:spPr/>
-        <p:txBody>
-          <a:bodyPr/>
-          <a:lstStyle/>
-          <a:p>
-            <a:r>
-              <a:rPr lang="en-US" dirty="0"/>
-              <a:t>Because we are delivering cattle not pets</a:t>
-            </a:r>
-          </a:p>
-          <a:p>
-            <a:r>
-              <a:rPr lang="en-US" dirty="0"/>
-              <a:t>Volume - a large number of devices</a:t>
-            </a:r>
-          </a:p>
-          <a:p>
-            <a:pPr lvl="1"/>
-            <a:r>
-              <a:rPr lang="en-US" dirty="0"/>
-              <a:t>Efficiency</a:t>
-            </a:r>
-          </a:p>
-          <a:p>
-            <a:pPr lvl="1"/>
-            <a:r>
-              <a:rPr lang="en-US" dirty="0"/>
-              <a:t>Accuracy</a:t>
-            </a:r>
-          </a:p>
-          <a:p>
-            <a:r>
-              <a:rPr lang="en-US" dirty="0"/>
-              <a:t>Resources at the Edge </a:t>
-            </a:r>
-          </a:p>
-          <a:p>
-            <a:pPr lvl="1"/>
-            <a:r>
-              <a:rPr lang="en-US" dirty="0"/>
-              <a:t>Are not just CPU and RAM</a:t>
-            </a:r>
-          </a:p>
-          <a:p>
-            <a:pPr lvl="1"/>
-            <a:r>
-              <a:rPr lang="en-US" dirty="0"/>
-              <a:t>Are Unbounded</a:t>
-            </a:r>
-          </a:p>
-        </p:txBody>
-      </p:sp>
-      <p:sp>
-        <p:nvSpPr>
-          <p:cNvPr id="5" name="Title 4">
-            <a:extLst>
-              <a:ext uri="{FF2B5EF4-FFF2-40B4-BE49-F238E27FC236}">
-                <a16:creationId xmlns:a16="http://schemas.microsoft.com/office/drawing/2014/main" id="{65C81980-44BE-3348-BC96-54FA1CBA7024}"/>
-              </a:ext>
-            </a:extLst>
-          </p:cNvPr>
-          <p:cNvSpPr>
-            <a:spLocks noGrp="1"/>
-          </p:cNvSpPr>
-          <p:nvPr>
-            <p:ph type="title"/>
-          </p:nvPr>
-        </p:nvSpPr>
-        <p:spPr/>
-        <p:txBody>
-          <a:bodyPr/>
-          <a:lstStyle/>
-          <a:p>
-            <a:r>
-              <a:rPr lang="en-US" dirty="0"/>
-              <a:t>Why do I need a labeler</a:t>
-            </a:r>
-          </a:p>
-        </p:txBody>
-      </p:sp>
-    </p:spTree>
-    <p:extLst>
-      <p:ext uri="{BB962C8B-B14F-4D97-AF65-F5344CB8AC3E}">
-        <p14:creationId xmlns:p14="http://schemas.microsoft.com/office/powerpoint/2010/main" val="2600084669"/>
-      </p:ext>
-    </p:extLst>
-  </p:cSld>
-  <p:clrMapOvr>
-    <a:masterClrMapping/>
-  </p:clrMapOvr>
-</p:sld>
-</file>
-
-<file path=ppt/slides/slide5.xml><?xml version="1.0" encoding="utf-8"?>
 <p:sld xmlns:a="http://schemas.openxmlformats.org/drawingml/2006/main" xmlns:r="http://schemas.openxmlformats.org/officeDocument/2006/relationships" xmlns:p="http://schemas.openxmlformats.org/presentationml/2006/main">
   <p:cSld>
     <p:spTree>
@@ -16452,6 +21597,132 @@
 </p:sld>
 </file>
 
+<file path=ppt/slides/slide5.xml><?xml version="1.0" encoding="utf-8"?>
+<p:sld xmlns:a="http://schemas.openxmlformats.org/drawingml/2006/main" xmlns:r="http://schemas.openxmlformats.org/officeDocument/2006/relationships" xmlns:p="http://schemas.openxmlformats.org/presentationml/2006/main">
+  <p:cSld>
+    <p:spTree>
+      <p:nvGrpSpPr>
+        <p:cNvPr id="1" name=""/>
+        <p:cNvGrpSpPr/>
+        <p:nvPr/>
+      </p:nvGrpSpPr>
+      <p:grpSpPr>
+        <a:xfrm>
+          <a:off x="0" y="0"/>
+          <a:ext cx="0" cy="0"/>
+          <a:chOff x="0" y="0"/>
+          <a:chExt cx="0" cy="0"/>
+        </a:xfrm>
+      </p:grpSpPr>
+      <p:sp>
+        <p:nvSpPr>
+          <p:cNvPr id="6" name="Vertical Text Placeholder 5">
+            <a:extLst>
+              <a:ext uri="{FF2B5EF4-FFF2-40B4-BE49-F238E27FC236}">
+                <a16:creationId xmlns:a16="http://schemas.microsoft.com/office/drawing/2014/main" id="{7DBCE277-374E-3449-8979-056AC4039E10}"/>
+              </a:ext>
+            </a:extLst>
+          </p:cNvPr>
+          <p:cNvSpPr>
+            <a:spLocks noGrp="1"/>
+          </p:cNvSpPr>
+          <p:nvPr>
+            <p:ph type="body" orient="vert" idx="1"/>
+          </p:nvPr>
+        </p:nvSpPr>
+        <p:spPr/>
+        <p:txBody>
+          <a:bodyPr/>
+          <a:lstStyle/>
+          <a:p>
+            <a:r>
+              <a:rPr lang="en-US" dirty="0"/>
+              <a:t>Because we are delivering cattle not pets</a:t>
+            </a:r>
+          </a:p>
+          <a:p>
+            <a:r>
+              <a:rPr lang="en-US" dirty="0"/>
+              <a:t>Volume - a large number of devices</a:t>
+            </a:r>
+          </a:p>
+          <a:p>
+            <a:pPr lvl="1"/>
+            <a:r>
+              <a:rPr lang="en-US" dirty="0"/>
+              <a:t>Efficiency</a:t>
+            </a:r>
+          </a:p>
+          <a:p>
+            <a:pPr lvl="1"/>
+            <a:r>
+              <a:rPr lang="en-US" dirty="0"/>
+              <a:t>Accuracy</a:t>
+            </a:r>
+          </a:p>
+          <a:p>
+            <a:r>
+              <a:rPr lang="en-US" dirty="0"/>
+              <a:t>Resources at the Edge </a:t>
+            </a:r>
+          </a:p>
+          <a:p>
+            <a:pPr lvl="1"/>
+            <a:r>
+              <a:rPr lang="en-US" dirty="0"/>
+              <a:t>Are not just CPU and RAM</a:t>
+            </a:r>
+          </a:p>
+          <a:p>
+            <a:pPr lvl="1"/>
+            <a:r>
+              <a:rPr lang="en-US" dirty="0"/>
+              <a:t>Are Unbounded</a:t>
+            </a:r>
+          </a:p>
+        </p:txBody>
+      </p:sp>
+      <p:sp>
+        <p:nvSpPr>
+          <p:cNvPr id="5" name="Title 4">
+            <a:extLst>
+              <a:ext uri="{FF2B5EF4-FFF2-40B4-BE49-F238E27FC236}">
+                <a16:creationId xmlns:a16="http://schemas.microsoft.com/office/drawing/2014/main" id="{65C81980-44BE-3348-BC96-54FA1CBA7024}"/>
+              </a:ext>
+            </a:extLst>
+          </p:cNvPr>
+          <p:cNvSpPr>
+            <a:spLocks noGrp="1"/>
+          </p:cNvSpPr>
+          <p:nvPr>
+            <p:ph type="title"/>
+          </p:nvPr>
+        </p:nvSpPr>
+        <p:spPr/>
+        <p:txBody>
+          <a:bodyPr/>
+          <a:lstStyle/>
+          <a:p>
+            <a:r>
+              <a:rPr lang="en-US" dirty="0"/>
+              <a:t>Why do I need a labeler</a:t>
+            </a:r>
+          </a:p>
+        </p:txBody>
+      </p:sp>
+    </p:spTree>
+    <p:extLst>
+      <p:ext uri="{BB962C8B-B14F-4D97-AF65-F5344CB8AC3E}">
+        <p14:creationId xmlns:p14="http://schemas.microsoft.com/office/powerpoint/2010/main" val="2600084669"/>
+      </p:ext>
+    </p:extLst>
+  </p:cSld>
+  <p:clrMapOvr>
+    <a:masterClrMapping/>
+  </p:clrMapOvr>
+</p:sld>
+</file>
+
 <file path=ppt/slides/slide6.xml><?xml version="1.0" encoding="utf-8"?>
 <p:sld xmlns:a="http://schemas.openxmlformats.org/drawingml/2006/main" xmlns:r="http://schemas.openxmlformats.org/officeDocument/2006/relationships" xmlns:p="http://schemas.openxmlformats.org/presentationml/2006/main">
   <p:cSld>
@@ -16805,7 +22076,7 @@
 </file>
 
 <file path=ppt/slides/slide8.xml><?xml version="1.0" encoding="utf-8"?>
-<p:sld xmlns:a="http://schemas.openxmlformats.org/drawingml/2006/main" xmlns:r="http://schemas.openxmlformats.org/officeDocument/2006/relationships" xmlns:p="http://schemas.openxmlformats.org/presentationml/2006/main">
+<p:sld xmlns:a="http://schemas.openxmlformats.org/drawingml/2006/main" xmlns:r="http://schemas.openxmlformats.org/officeDocument/2006/relationships" xmlns:p="http://schemas.openxmlformats.org/presentationml/2006/main" show="0">
   <p:cSld>
     <p:spTree>
       <p:nvGrpSpPr>
@@ -16823,10 +22094,10 @@
       </p:grpSpPr>
       <p:sp>
         <p:nvSpPr>
-          <p:cNvPr id="5" name="Vertical Text Placeholder 4">
-            <a:extLst>
-              <a:ext uri="{FF2B5EF4-FFF2-40B4-BE49-F238E27FC236}">
-                <a16:creationId xmlns:a16="http://schemas.microsoft.com/office/drawing/2014/main" id="{84C9579E-A05B-6D4B-ACCE-ABF27FDD8E8B}"/>
+          <p:cNvPr id="5" name="Title 4">
+            <a:extLst>
+              <a:ext uri="{FF2B5EF4-FFF2-40B4-BE49-F238E27FC236}">
+                <a16:creationId xmlns:a16="http://schemas.microsoft.com/office/drawing/2014/main" id="{44E7DD98-FF12-FA40-B1B4-09574C9E64D7}"/>
               </a:ext>
             </a:extLst>
           </p:cNvPr>
@@ -16834,7 +22105,7 @@
             <a:spLocks noGrp="1"/>
           </p:cNvSpPr>
           <p:nvPr>
-            <p:ph type="body" orient="vert" idx="1"/>
+            <p:ph type="title"/>
           </p:nvPr>
         </p:nvSpPr>
         <p:spPr/>
@@ -16844,58 +22115,127 @@
           <a:p>
             <a:r>
               <a:rPr lang="en-US" dirty="0"/>
-              <a:t>Fortunately edge deployments are done as batches</a:t>
+              <a:t>Demo Infrastructure - </a:t>
+            </a:r>
+            <a:r>
+              <a:rPr lang="en-US" dirty="0" err="1"/>
+              <a:t>turingpi</a:t>
+            </a:r>
+            <a:r>
+              <a:rPr lang="en-US" dirty="0"/>
+              <a:t> v1</a:t>
+            </a:r>
+          </a:p>
+        </p:txBody>
+      </p:sp>
+      <p:sp>
+        <p:nvSpPr>
+          <p:cNvPr id="8" name="Content Placeholder 7">
+            <a:extLst>
+              <a:ext uri="{FF2B5EF4-FFF2-40B4-BE49-F238E27FC236}">
+                <a16:creationId xmlns:a16="http://schemas.microsoft.com/office/drawing/2014/main" id="{6FA5C5CE-835C-1D4B-B678-2258B99F1AEF}"/>
+              </a:ext>
+            </a:extLst>
+          </p:cNvPr>
+          <p:cNvSpPr>
+            <a:spLocks noGrp="1"/>
+          </p:cNvSpPr>
+          <p:nvPr>
+            <p:ph sz="half" idx="1"/>
+          </p:nvPr>
+        </p:nvSpPr>
+        <p:spPr/>
+        <p:txBody>
+          <a:bodyPr>
+            <a:normAutofit lnSpcReduction="10000"/>
+          </a:bodyPr>
+          <a:lstStyle/>
+          <a:p>
+            <a:r>
+              <a:rPr lang="en-US" dirty="0"/>
+              <a:t>7 </a:t>
+            </a:r>
+            <a:r>
+              <a:rPr lang="en-US" dirty="0" err="1"/>
+              <a:t>RaspberryPi</a:t>
+            </a:r>
+            <a:r>
+              <a:rPr lang="en-US" dirty="0"/>
+              <a:t> CM3+ modules</a:t>
             </a:r>
           </a:p>
           <a:p>
             <a:pPr lvl="1"/>
             <a:r>
               <a:rPr lang="en-US" dirty="0"/>
-              <a:t>Enterprises purchase a large quantities of the same thing</a:t>
+              <a:t>1GB RAM</a:t>
             </a:r>
           </a:p>
           <a:p>
             <a:pPr lvl="1"/>
             <a:r>
               <a:rPr lang="en-US" dirty="0"/>
-              <a:t>We can reduce the number of device configurations needed</a:t>
-            </a:r>
-          </a:p>
-          <a:p>
-            <a:r>
-              <a:rPr lang="en-US" dirty="0"/>
-              <a:t>In any given vertical</a:t>
+              <a:t>4 CPU</a:t>
+            </a:r>
+          </a:p>
+          <a:p>
+            <a:r>
+              <a:rPr lang="en-US" dirty="0"/>
+              <a:t>8 USB ports</a:t>
             </a:r>
           </a:p>
           <a:p>
             <a:pPr lvl="1"/>
             <a:r>
               <a:rPr lang="en-US" dirty="0"/>
-              <a:t>100s or thousands of the same device</a:t>
+              <a:t>Map to only 4 devices</a:t>
+            </a:r>
+          </a:p>
+          <a:p>
+            <a:r>
+              <a:rPr lang="en-US" dirty="0"/>
+              <a:t>I2C interface </a:t>
             </a:r>
           </a:p>
           <a:p>
             <a:pPr lvl="1"/>
             <a:r>
               <a:rPr lang="en-US" dirty="0"/>
-              <a:t>Devices can be single or multi- node clusters</a:t>
+              <a:t>Maps to all devices</a:t>
             </a:r>
           </a:p>
           <a:p>
             <a:pPr lvl="1"/>
             <a:r>
               <a:rPr lang="en-US" dirty="0"/>
-              <a:t>NFD operates per node</a:t>
-            </a:r>
-          </a:p>
-        </p:txBody>
-      </p:sp>
-      <p:sp>
-        <p:nvSpPr>
-          <p:cNvPr id="2" name="Title 1">
-            <a:extLst>
-              <a:ext uri="{FF2B5EF4-FFF2-40B4-BE49-F238E27FC236}">
-                <a16:creationId xmlns:a16="http://schemas.microsoft.com/office/drawing/2014/main" id="{2A1BB60F-069A-EB4E-9E9E-D6BCAE010EC7}"/>
+              <a:t>Communication between devices</a:t>
+            </a:r>
+          </a:p>
+          <a:p>
+            <a:r>
+              <a:rPr lang="en-US" dirty="0"/>
+              <a:t>GPIO </a:t>
+            </a:r>
+          </a:p>
+          <a:p>
+            <a:pPr lvl="1"/>
+            <a:r>
+              <a:rPr lang="en-US" dirty="0"/>
+              <a:t>40 pins for each device</a:t>
+            </a:r>
+          </a:p>
+          <a:p>
+            <a:pPr lvl="1"/>
+            <a:endParaRPr lang="en-US" dirty="0"/>
+          </a:p>
+        </p:txBody>
+      </p:sp>
+      <p:sp>
+        <p:nvSpPr>
+          <p:cNvPr id="9" name="Content Placeholder 8">
+            <a:extLst>
+              <a:ext uri="{FF2B5EF4-FFF2-40B4-BE49-F238E27FC236}">
+                <a16:creationId xmlns:a16="http://schemas.microsoft.com/office/drawing/2014/main" id="{6730BE8A-6D5B-5C49-A152-22CEE19D0913}"/>
               </a:ext>
             </a:extLst>
           </p:cNvPr>
@@ -16903,7 +22243,7 @@
             <a:spLocks noGrp="1"/>
           </p:cNvSpPr>
           <p:nvPr>
-            <p:ph type="title"/>
+            <p:ph sz="half" idx="2"/>
           </p:nvPr>
         </p:nvSpPr>
         <p:spPr/>
@@ -16911,17 +22251,61 @@
           <a:bodyPr/>
           <a:lstStyle/>
           <a:p>
-            <a:r>
-              <a:rPr lang="en-US" dirty="0"/>
-              <a:t>Consistency of Device Types</a:t>
-            </a:r>
-          </a:p>
-        </p:txBody>
-      </p:sp>
+            <a:endParaRPr lang="en-US"/>
+          </a:p>
+        </p:txBody>
+      </p:sp>
+      <p:pic>
+        <p:nvPicPr>
+          <p:cNvPr id="7" name="Picture 2">
+            <a:extLst>
+              <a:ext uri="{FF2B5EF4-FFF2-40B4-BE49-F238E27FC236}">
+                <a16:creationId xmlns:a16="http://schemas.microsoft.com/office/drawing/2014/main" id="{0A9A330A-2AA1-974A-85EC-E936F89CB4DE}"/>
+              </a:ext>
+            </a:extLst>
+          </p:cNvPr>
+          <p:cNvPicPr>
+            <a:picLocks noChangeAspect="1" noChangeArrowheads="1"/>
+          </p:cNvPicPr>
+          <p:nvPr/>
+        </p:nvPicPr>
+        <p:blipFill>
+          <a:blip r:embed="rId2">
+            <a:extLst>
+              <a:ext uri="{28A0092B-C50C-407E-A947-70E740481C1C}">
+                <a14:useLocalDpi xmlns:a14="http://schemas.microsoft.com/office/drawing/2010/main" val="0"/>
+              </a:ext>
+            </a:extLst>
+          </a:blip>
+          <a:srcRect/>
+          <a:stretch>
+            <a:fillRect/>
+          </a:stretch>
+        </p:blipFill>
+        <p:spPr bwMode="auto">
+          <a:xfrm>
+            <a:off x="6125953" y="1680898"/>
+            <a:ext cx="5612994" cy="4640792"/>
+          </a:xfrm>
+          <a:prstGeom prst="rect">
+            <a:avLst/>
+          </a:prstGeom>
+          <a:noFill/>
+          <a:extLst>
+            <a:ext uri="{909E8E84-426E-40DD-AFC4-6F175D3DCCD1}">
+              <a14:hiddenFill xmlns:a14="http://schemas.microsoft.com/office/drawing/2010/main">
+                <a:solidFill>
+                  <a:srgbClr val="FFFFFF"/>
+                </a:solidFill>
+              </a14:hiddenFill>
+            </a:ext>
+          </a:extLst>
+        </p:spPr>
+      </p:pic>
     </p:spTree>
     <p:extLst>
       <p:ext uri="{BB962C8B-B14F-4D97-AF65-F5344CB8AC3E}">
-        <p14:creationId xmlns:p14="http://schemas.microsoft.com/office/powerpoint/2010/main" val="1948532759"/>
+        <p14:creationId xmlns:p14="http://schemas.microsoft.com/office/powerpoint/2010/main" val="3912426676"/>
       </p:ext>
     </p:extLst>
   </p:cSld>
@@ -16950,10 +22334,10 @@
       </p:grpSpPr>
       <p:sp>
         <p:nvSpPr>
-          <p:cNvPr id="2" name="Vertical Text Placeholder 1">
-            <a:extLst>
-              <a:ext uri="{FF2B5EF4-FFF2-40B4-BE49-F238E27FC236}">
-                <a16:creationId xmlns:a16="http://schemas.microsoft.com/office/drawing/2014/main" id="{58DD0272-D8B6-D04A-A524-3608B6EB5490}"/>
+          <p:cNvPr id="5" name="Title 4">
+            <a:extLst>
+              <a:ext uri="{FF2B5EF4-FFF2-40B4-BE49-F238E27FC236}">
+                <a16:creationId xmlns:a16="http://schemas.microsoft.com/office/drawing/2014/main" id="{44E7DD98-FF12-FA40-B1B4-09574C9E64D7}"/>
               </a:ext>
             </a:extLst>
           </p:cNvPr>
@@ -16961,7 +22345,7 @@
             <a:spLocks noGrp="1"/>
           </p:cNvSpPr>
           <p:nvPr>
-            <p:ph type="body" orient="vert" idx="1"/>
+            <p:ph type="title"/>
           </p:nvPr>
         </p:nvSpPr>
         <p:spPr/>
@@ -16971,36 +22355,147 @@
           <a:p>
             <a:r>
               <a:rPr lang="en-US" dirty="0"/>
-              <a:t>Two </a:t>
+              <a:t>Demo Infrastructure - </a:t>
             </a:r>
             <a:r>
               <a:rPr lang="en-US" dirty="0" err="1"/>
-              <a:t>DaemonSets</a:t>
-            </a:r>
+              <a:t>turingpi</a:t>
+            </a:r>
+            <a:r>
+              <a:rPr lang="en-US" dirty="0"/>
+              <a:t> v1</a:t>
+            </a:r>
+          </a:p>
+        </p:txBody>
+      </p:sp>
+      <p:sp>
+        <p:nvSpPr>
+          <p:cNvPr id="8" name="Content Placeholder 7">
+            <a:extLst>
+              <a:ext uri="{FF2B5EF4-FFF2-40B4-BE49-F238E27FC236}">
+                <a16:creationId xmlns:a16="http://schemas.microsoft.com/office/drawing/2014/main" id="{6FA5C5CE-835C-1D4B-B678-2258B99F1AEF}"/>
+              </a:ext>
+            </a:extLst>
+          </p:cNvPr>
+          <p:cNvSpPr>
+            <a:spLocks noGrp="1"/>
+          </p:cNvSpPr>
+          <p:nvPr>
+            <p:ph sz="half" idx="1"/>
+          </p:nvPr>
+        </p:nvSpPr>
+        <p:spPr/>
+        <p:txBody>
+          <a:bodyPr>
+            <a:normAutofit lnSpcReduction="10000"/>
+          </a:bodyPr>
+          <a:lstStyle/>
+          <a:p>
+            <a:r>
+              <a:rPr lang="en-US" dirty="0">
+                <a:solidFill>
+                  <a:srgbClr val="FF0000"/>
+                </a:solidFill>
+              </a:rPr>
+              <a:t>7 </a:t>
+            </a:r>
+            <a:r>
+              <a:rPr lang="en-US" dirty="0" err="1">
+                <a:solidFill>
+                  <a:srgbClr val="FF0000"/>
+                </a:solidFill>
+              </a:rPr>
+              <a:t>RaspberryPi</a:t>
+            </a:r>
+            <a:r>
+              <a:rPr lang="en-US" dirty="0">
+                <a:solidFill>
+                  <a:srgbClr val="FF0000"/>
+                </a:solidFill>
+              </a:rPr>
+              <a:t> CM3+ modules</a:t>
+            </a:r>
+          </a:p>
+          <a:p>
+            <a:pPr lvl="1"/>
+            <a:r>
+              <a:rPr lang="en-US" dirty="0">
+                <a:solidFill>
+                  <a:srgbClr val="FF0000"/>
+                </a:solidFill>
+              </a:rPr>
+              <a:t>1GB RAM</a:t>
+            </a:r>
+          </a:p>
+          <a:p>
+            <a:pPr lvl="1"/>
+            <a:r>
+              <a:rPr lang="en-US" dirty="0">
+                <a:solidFill>
+                  <a:srgbClr val="FF0000"/>
+                </a:solidFill>
+              </a:rPr>
+              <a:t>4 CPU</a:t>
+            </a:r>
+          </a:p>
+          <a:p>
+            <a:r>
+              <a:rPr lang="en-US" dirty="0"/>
+              <a:t>8 USB ports</a:t>
+            </a:r>
+          </a:p>
+          <a:p>
+            <a:pPr lvl="1"/>
+            <a:r>
+              <a:rPr lang="en-US" dirty="0"/>
+              <a:t>Map to only 4 devices</a:t>
+            </a:r>
+          </a:p>
+          <a:p>
+            <a:r>
+              <a:rPr lang="en-US" dirty="0"/>
+              <a:t>I2C interface </a:t>
+            </a:r>
+          </a:p>
+          <a:p>
+            <a:pPr lvl="1"/>
+            <a:r>
+              <a:rPr lang="en-US" dirty="0"/>
+              <a:t>Maps to all devices</a:t>
+            </a:r>
+          </a:p>
+          <a:p>
+            <a:pPr lvl="1"/>
+            <a:r>
+              <a:rPr lang="en-US" dirty="0"/>
+              <a:t>Communication between devices</a:t>
+            </a:r>
+          </a:p>
+          <a:p>
+            <a:r>
+              <a:rPr lang="en-US" dirty="0"/>
+              <a:t>GPIO </a:t>
+            </a:r>
+          </a:p>
+          <a:p>
+            <a:pPr lvl="1"/>
+            <a:r>
+              <a:rPr lang="en-US" dirty="0"/>
+              <a:t>40 pins for each device</a:t>
+            </a:r>
+          </a:p>
+          <a:p>
+            <a:pPr lvl="1"/>
             <a:endParaRPr lang="en-US" dirty="0"/>
           </a:p>
-          <a:p>
-            <a:pPr lvl="1"/>
-            <a:r>
-              <a:rPr lang="en-US" dirty="0"/>
-              <a:t>NFD Master</a:t>
-            </a:r>
-          </a:p>
-          <a:p>
-            <a:pPr lvl="1"/>
-            <a:r>
-              <a:rPr lang="en-US" dirty="0"/>
-              <a:t>NFD Worker</a:t>
-            </a:r>
-          </a:p>
-        </p:txBody>
-      </p:sp>
-      <p:sp>
-        <p:nvSpPr>
-          <p:cNvPr id="3" name="Title 2">
-            <a:extLst>
-              <a:ext uri="{FF2B5EF4-FFF2-40B4-BE49-F238E27FC236}">
-                <a16:creationId xmlns:a16="http://schemas.microsoft.com/office/drawing/2014/main" id="{F97EBA32-0B1F-B247-B5C5-3107826B5E44}"/>
+        </p:txBody>
+      </p:sp>
+      <p:sp>
+        <p:nvSpPr>
+          <p:cNvPr id="9" name="Content Placeholder 8">
+            <a:extLst>
+              <a:ext uri="{FF2B5EF4-FFF2-40B4-BE49-F238E27FC236}">
+                <a16:creationId xmlns:a16="http://schemas.microsoft.com/office/drawing/2014/main" id="{6730BE8A-6D5B-5C49-A152-22CEE19D0913}"/>
               </a:ext>
             </a:extLst>
           </p:cNvPr>
@@ -17008,7 +22503,7 @@
             <a:spLocks noGrp="1"/>
           </p:cNvSpPr>
           <p:nvPr>
-            <p:ph type="title"/>
+            <p:ph sz="half" idx="2"/>
           </p:nvPr>
         </p:nvSpPr>
         <p:spPr/>
@@ -17016,17 +22511,113 @@
           <a:bodyPr/>
           <a:lstStyle/>
           <a:p>
-            <a:r>
-              <a:rPr lang="en-US" dirty="0"/>
-              <a:t>How does it work</a:t>
-            </a:r>
+            <a:endParaRPr lang="en-US"/>
+          </a:p>
+        </p:txBody>
+      </p:sp>
+      <p:pic>
+        <p:nvPicPr>
+          <p:cNvPr id="7" name="Picture 2">
+            <a:extLst>
+              <a:ext uri="{FF2B5EF4-FFF2-40B4-BE49-F238E27FC236}">
+                <a16:creationId xmlns:a16="http://schemas.microsoft.com/office/drawing/2014/main" id="{0A9A330A-2AA1-974A-85EC-E936F89CB4DE}"/>
+              </a:ext>
+            </a:extLst>
+          </p:cNvPr>
+          <p:cNvPicPr>
+            <a:picLocks noChangeAspect="1" noChangeArrowheads="1"/>
+          </p:cNvPicPr>
+          <p:nvPr/>
+        </p:nvPicPr>
+        <p:blipFill>
+          <a:blip r:embed="rId3">
+            <a:extLst>
+              <a:ext uri="{28A0092B-C50C-407E-A947-70E740481C1C}">
+                <a14:useLocalDpi xmlns:a14="http://schemas.microsoft.com/office/drawing/2010/main" val="0"/>
+              </a:ext>
+            </a:extLst>
+          </a:blip>
+          <a:srcRect/>
+          <a:stretch>
+            <a:fillRect/>
+          </a:stretch>
+        </p:blipFill>
+        <p:spPr bwMode="auto">
+          <a:xfrm>
+            <a:off x="6125953" y="1680898"/>
+            <a:ext cx="5612994" cy="4640792"/>
+          </a:xfrm>
+          <a:prstGeom prst="rect">
+            <a:avLst/>
+          </a:prstGeom>
+          <a:noFill/>
+          <a:extLst>
+            <a:ext uri="{909E8E84-426E-40DD-AFC4-6F175D3DCCD1}">
+              <a14:hiddenFill xmlns:a14="http://schemas.microsoft.com/office/drawing/2010/main">
+                <a:solidFill>
+                  <a:srgbClr val="FFFFFF"/>
+                </a:solidFill>
+              </a14:hiddenFill>
+            </a:ext>
+          </a:extLst>
+        </p:spPr>
+      </p:pic>
+      <p:sp>
+        <p:nvSpPr>
+          <p:cNvPr id="10" name="Rectangle 9">
+            <a:extLst>
+              <a:ext uri="{FF2B5EF4-FFF2-40B4-BE49-F238E27FC236}">
+                <a16:creationId xmlns:a16="http://schemas.microsoft.com/office/drawing/2014/main" id="{CCF8DC52-451D-CA4F-A49B-D44981F444B9}"/>
+              </a:ext>
+            </a:extLst>
+          </p:cNvPr>
+          <p:cNvSpPr/>
+          <p:nvPr/>
+        </p:nvSpPr>
+        <p:spPr>
+          <a:xfrm>
+            <a:off x="7327726" y="2555310"/>
+            <a:ext cx="1402915" cy="2818356"/>
+          </a:xfrm>
+          <a:prstGeom prst="rect">
+            <a:avLst/>
+          </a:prstGeom>
+          <a:noFill/>
+          <a:ln w="28575">
+            <a:solidFill>
+              <a:srgbClr val="FF0000"/>
+            </a:solidFill>
+          </a:ln>
+        </p:spPr>
+        <p:style>
+          <a:lnRef idx="2">
+            <a:schemeClr val="accent1">
+              <a:shade val="50000"/>
+            </a:schemeClr>
+          </a:lnRef>
+          <a:fillRef idx="1">
+            <a:schemeClr val="accent1"/>
+          </a:fillRef>
+          <a:effectRef idx="0">
+            <a:schemeClr val="accent1"/>
+          </a:effectRef>
+          <a:fontRef idx="minor">
+            <a:schemeClr val="lt1"/>
+          </a:fontRef>
+        </p:style>
+        <p:txBody>
+          <a:bodyPr rtlCol="0" anchor="ctr"/>
+          <a:lstStyle/>
+          <a:p>
+            <a:pPr algn="ctr"/>
+            <a:endParaRPr lang="en-US"/>
           </a:p>
         </p:txBody>
       </p:sp>
     </p:spTree>
     <p:extLst>
       <p:ext uri="{BB962C8B-B14F-4D97-AF65-F5344CB8AC3E}">
-        <p14:creationId xmlns:p14="http://schemas.microsoft.com/office/powerpoint/2010/main" val="3990138584"/>
+        <p14:creationId xmlns:p14="http://schemas.microsoft.com/office/powerpoint/2010/main" val="2838145138"/>
       </p:ext>
     </p:extLst>
   </p:cSld>
